--- a/doc/AzureAIWorkshop_CC_Translator.pptx
+++ b/doc/AzureAIWorkshop_CC_Translator.pptx
@@ -282,7 +282,7 @@
           <a:p>
             <a:fld id="{F8009E47-AEB4-47DC-BF8F-94EB52FDC974}" type="datetimeFigureOut">
               <a:rPr kumimoji="1" lang="ja-JP" altLang="en-US" smtClean="0"/>
-              <a:t>2017/4/23</a:t>
+              <a:t>2017/5/10</a:t>
             </a:fld>
             <a:endParaRPr kumimoji="1" lang="ja-JP" altLang="en-US"/>
           </a:p>
@@ -512,7 +512,7 @@
           <a:p>
             <a:fld id="{F8009E47-AEB4-47DC-BF8F-94EB52FDC974}" type="datetimeFigureOut">
               <a:rPr kumimoji="1" lang="ja-JP" altLang="en-US" smtClean="0"/>
-              <a:t>2017/4/23</a:t>
+              <a:t>2017/5/10</a:t>
             </a:fld>
             <a:endParaRPr kumimoji="1" lang="ja-JP" altLang="en-US"/>
           </a:p>
@@ -752,7 +752,7 @@
           <a:p>
             <a:fld id="{F8009E47-AEB4-47DC-BF8F-94EB52FDC974}" type="datetimeFigureOut">
               <a:rPr kumimoji="1" lang="ja-JP" altLang="en-US" smtClean="0"/>
-              <a:t>2017/4/23</a:t>
+              <a:t>2017/5/10</a:t>
             </a:fld>
             <a:endParaRPr kumimoji="1" lang="ja-JP" altLang="en-US"/>
           </a:p>
@@ -982,7 +982,7 @@
           <a:p>
             <a:fld id="{F8009E47-AEB4-47DC-BF8F-94EB52FDC974}" type="datetimeFigureOut">
               <a:rPr kumimoji="1" lang="ja-JP" altLang="en-US" smtClean="0"/>
-              <a:t>2017/4/23</a:t>
+              <a:t>2017/5/10</a:t>
             </a:fld>
             <a:endParaRPr kumimoji="1" lang="ja-JP" altLang="en-US"/>
           </a:p>
@@ -1257,7 +1257,7 @@
           <a:p>
             <a:fld id="{F8009E47-AEB4-47DC-BF8F-94EB52FDC974}" type="datetimeFigureOut">
               <a:rPr kumimoji="1" lang="ja-JP" altLang="en-US" smtClean="0"/>
-              <a:t>2017/4/23</a:t>
+              <a:t>2017/5/10</a:t>
             </a:fld>
             <a:endParaRPr kumimoji="1" lang="ja-JP" altLang="en-US"/>
           </a:p>
@@ -1586,7 +1586,7 @@
           <a:p>
             <a:fld id="{F8009E47-AEB4-47DC-BF8F-94EB52FDC974}" type="datetimeFigureOut">
               <a:rPr kumimoji="1" lang="ja-JP" altLang="en-US" smtClean="0"/>
-              <a:t>2017/4/23</a:t>
+              <a:t>2017/5/10</a:t>
             </a:fld>
             <a:endParaRPr kumimoji="1" lang="ja-JP" altLang="en-US"/>
           </a:p>
@@ -2062,7 +2062,7 @@
           <a:p>
             <a:fld id="{F8009E47-AEB4-47DC-BF8F-94EB52FDC974}" type="datetimeFigureOut">
               <a:rPr kumimoji="1" lang="ja-JP" altLang="en-US" smtClean="0"/>
-              <a:t>2017/4/23</a:t>
+              <a:t>2017/5/10</a:t>
             </a:fld>
             <a:endParaRPr kumimoji="1" lang="ja-JP" altLang="en-US"/>
           </a:p>
@@ -2203,7 +2203,7 @@
           <a:p>
             <a:fld id="{F8009E47-AEB4-47DC-BF8F-94EB52FDC974}" type="datetimeFigureOut">
               <a:rPr kumimoji="1" lang="ja-JP" altLang="en-US" smtClean="0"/>
-              <a:t>2017/4/23</a:t>
+              <a:t>2017/5/10</a:t>
             </a:fld>
             <a:endParaRPr kumimoji="1" lang="ja-JP" altLang="en-US"/>
           </a:p>
@@ -2316,7 +2316,7 @@
           <a:p>
             <a:fld id="{F8009E47-AEB4-47DC-BF8F-94EB52FDC974}" type="datetimeFigureOut">
               <a:rPr kumimoji="1" lang="ja-JP" altLang="en-US" smtClean="0"/>
-              <a:t>2017/4/23</a:t>
+              <a:t>2017/5/10</a:t>
             </a:fld>
             <a:endParaRPr kumimoji="1" lang="ja-JP" altLang="en-US"/>
           </a:p>
@@ -2659,7 +2659,7 @@
           <a:p>
             <a:fld id="{F8009E47-AEB4-47DC-BF8F-94EB52FDC974}" type="datetimeFigureOut">
               <a:rPr kumimoji="1" lang="ja-JP" altLang="en-US" smtClean="0"/>
-              <a:t>2017/4/23</a:t>
+              <a:t>2017/5/10</a:t>
             </a:fld>
             <a:endParaRPr kumimoji="1" lang="ja-JP" altLang="en-US"/>
           </a:p>
@@ -2947,7 +2947,7 @@
           <a:p>
             <a:fld id="{F8009E47-AEB4-47DC-BF8F-94EB52FDC974}" type="datetimeFigureOut">
               <a:rPr kumimoji="1" lang="ja-JP" altLang="en-US" smtClean="0"/>
-              <a:t>2017/4/23</a:t>
+              <a:t>2017/5/10</a:t>
             </a:fld>
             <a:endParaRPr kumimoji="1" lang="ja-JP" altLang="en-US"/>
           </a:p>
@@ -3220,7 +3220,7 @@
           <a:p>
             <a:fld id="{F8009E47-AEB4-47DC-BF8F-94EB52FDC974}" type="datetimeFigureOut">
               <a:rPr kumimoji="1" lang="ja-JP" altLang="en-US" smtClean="0"/>
-              <a:t>2017/4/23</a:t>
+              <a:t>2017/5/10</a:t>
             </a:fld>
             <a:endParaRPr kumimoji="1" lang="ja-JP" altLang="en-US"/>
           </a:p>
@@ -3927,7 +3927,7 @@
             </a:r>
             <a:r>
               <a:rPr kumimoji="1" lang="ja-JP" altLang="en-US" dirty="0"/>
-              <a:t>の</a:t>
+              <a:t>の </a:t>
             </a:r>
             <a:r>
               <a:rPr lang="en-US" altLang="ja-JP" dirty="0"/>
@@ -4326,7 +4326,7 @@
         <p:spPr>
           <a:xfrm>
             <a:off x="2056357" y="1521912"/>
-            <a:ext cx="4789118" cy="4916466"/>
+            <a:ext cx="6369186" cy="4916466"/>
           </a:xfrm>
           <a:prstGeom prst="rect">
             <a:avLst/>
@@ -4455,7 +4455,7 @@
           <p:nvPr/>
         </p:nvPicPr>
         <p:blipFill>
-          <a:blip r:embed="rId15">
+          <a:blip r:embed="rId17">
             <a:biLevel thresh="25000"/>
             <a:extLst>
               <a:ext uri="{28A0092B-C50C-407E-A947-70E740481C1C}">
@@ -4492,7 +4492,7 @@
           <p:nvPr/>
         </p:nvPicPr>
         <p:blipFill>
-          <a:blip r:embed="rId16">
+          <a:blip r:embed="rId18">
             <a:biLevel thresh="25000"/>
             <a:extLst>
               <a:ext uri="{28A0092B-C50C-407E-A947-70E740481C1C}">
@@ -4613,7 +4613,7 @@
           <p:nvPr/>
         </p:nvPicPr>
         <p:blipFill>
-          <a:blip r:embed="rId17">
+          <a:blip r:embed="rId19">
             <a:biLevel thresh="25000"/>
             <a:extLst>
               <a:ext uri="{28A0092B-C50C-407E-A947-70E740481C1C}">
@@ -4734,7 +4734,7 @@
           <p:nvPr/>
         </p:nvPicPr>
         <p:blipFill>
-          <a:blip r:embed="rId18">
+          <a:blip r:embed="rId20">
             <a:biLevel thresh="25000"/>
             <a:extLst>
               <a:ext uri="{28A0092B-C50C-407E-A947-70E740481C1C}">
@@ -5191,7 +5191,7 @@
           <p:nvPr/>
         </p:nvPicPr>
         <p:blipFill>
-          <a:blip r:embed="rId19">
+          <a:blip r:embed="rId21">
             <a:duotone>
               <a:schemeClr val="accent4">
                 <a:shade val="45000"/>
@@ -5719,6 +5719,257 @@
           </a:p>
         </p:txBody>
       </p:sp>
+      <p:sp>
+        <p:nvSpPr>
+          <p:cNvPr id="26" name="正方形/長方形 25">
+            <a:extLst>
+              <a:ext uri="{FF2B5EF4-FFF2-40B4-BE49-F238E27FC236}">
+                <a16:creationId xmlns:a16="http://schemas.microsoft.com/office/drawing/2014/main" id="{B67BC3A3-AC8C-49B8-939A-81C0534D5FE8}"/>
+              </a:ext>
+            </a:extLst>
+          </p:cNvPr>
+          <p:cNvSpPr/>
+          <p:nvPr>
+            <p:custDataLst>
+              <p:tags r:id="rId14"/>
+            </p:custDataLst>
+          </p:nvPr>
+        </p:nvSpPr>
+        <p:spPr>
+          <a:xfrm>
+            <a:off x="6304384" y="3688624"/>
+            <a:ext cx="2004633" cy="1344176"/>
+          </a:xfrm>
+          <a:prstGeom prst="rect">
+            <a:avLst/>
+          </a:prstGeom>
+          <a:solidFill>
+            <a:srgbClr val="68217A"/>
+          </a:solidFill>
+          <a:ln w="12700" cap="flat" cmpd="sng" algn="ctr">
+            <a:noFill/>
+            <a:prstDash val="solid"/>
+            <a:miter lim="800000"/>
+          </a:ln>
+          <a:effectLst/>
+          <a:extLst>
+            <a:ext uri="{91240B29-F687-4F45-9708-019B960494DF}">
+              <a14:hiddenLine xmlns:a14="http://schemas.microsoft.com/office/drawing/2010/main" w="12700" cap="flat" cmpd="sng" algn="ctr">
+                <a:solidFill>
+                  <a:schemeClr val="accent1">
+                    <a:shade val="50000"/>
+                  </a:schemeClr>
+                </a:solidFill>
+                <a:prstDash val="solid"/>
+                <a:miter lim="800000"/>
+              </a14:hiddenLine>
+            </a:ext>
+          </a:extLst>
+        </p:spPr>
+        <p:style>
+          <a:lnRef idx="2">
+            <a:schemeClr val="accent1">
+              <a:shade val="50000"/>
+            </a:schemeClr>
+          </a:lnRef>
+          <a:fillRef idx="1">
+            <a:schemeClr val="accent1"/>
+          </a:fillRef>
+          <a:effectRef idx="0">
+            <a:schemeClr val="accent1"/>
+          </a:effectRef>
+          <a:fontRef idx="minor">
+            <a:schemeClr val="lt1"/>
+          </a:fontRef>
+        </p:style>
+        <p:txBody>
+          <a:bodyPr rtlCol="0" anchor="t"/>
+          <a:lstStyle/>
+          <a:p>
+            <a:pPr algn="ctr"/>
+            <a:r>
+              <a:rPr lang="en-US" altLang="ja-JP" dirty="0">
+                <a:solidFill>
+                  <a:srgbClr val="FFFFFF"/>
+                </a:solidFill>
+              </a:rPr>
+              <a:t>Cognitive</a:t>
+            </a:r>
+            <a:endParaRPr kumimoji="1" lang="ja-JP" altLang="en-US" dirty="0">
+              <a:solidFill>
+                <a:srgbClr val="FFFFFF"/>
+              </a:solidFill>
+            </a:endParaRPr>
+          </a:p>
+        </p:txBody>
+      </p:sp>
+      <p:pic>
+        <p:nvPicPr>
+          <p:cNvPr id="6" name="図 5">
+            <a:extLst>
+              <a:ext uri="{FF2B5EF4-FFF2-40B4-BE49-F238E27FC236}">
+                <a16:creationId xmlns:a16="http://schemas.microsoft.com/office/drawing/2014/main" id="{0AD1E651-882E-4D10-A1B1-CAFFE7795375}"/>
+              </a:ext>
+            </a:extLst>
+          </p:cNvPr>
+          <p:cNvPicPr>
+            <a:picLocks noChangeAspect="1"/>
+          </p:cNvPicPr>
+          <p:nvPr/>
+        </p:nvPicPr>
+        <p:blipFill>
+          <a:blip r:embed="rId22">
+            <a:biLevel thresh="25000"/>
+            <a:extLst>
+              <a:ext uri="{28A0092B-C50C-407E-A947-70E740481C1C}">
+                <a14:useLocalDpi xmlns:a14="http://schemas.microsoft.com/office/drawing/2010/main" val="0"/>
+              </a:ext>
+            </a:extLst>
+          </a:blip>
+          <a:stretch>
+            <a:fillRect/>
+          </a:stretch>
+        </p:blipFill>
+        <p:spPr>
+          <a:xfrm>
+            <a:off x="6916555" y="3970567"/>
+            <a:ext cx="780290" cy="780290"/>
+          </a:xfrm>
+          <a:prstGeom prst="rect">
+            <a:avLst/>
+          </a:prstGeom>
+        </p:spPr>
+      </p:pic>
+      <p:sp>
+        <p:nvSpPr>
+          <p:cNvPr id="27" name="正方形/長方形 26">
+            <a:extLst>
+              <a:ext uri="{FF2B5EF4-FFF2-40B4-BE49-F238E27FC236}">
+                <a16:creationId xmlns:a16="http://schemas.microsoft.com/office/drawing/2014/main" id="{2F5ECCF3-2FA2-4E03-A0A0-DA55496F07B0}"/>
+              </a:ext>
+            </a:extLst>
+          </p:cNvPr>
+          <p:cNvSpPr/>
+          <p:nvPr>
+            <p:custDataLst>
+              <p:tags r:id="rId15"/>
+            </p:custDataLst>
+          </p:nvPr>
+        </p:nvSpPr>
+        <p:spPr>
+          <a:xfrm>
+            <a:off x="6485967" y="4677048"/>
+            <a:ext cx="1665714" cy="306887"/>
+          </a:xfrm>
+          <a:prstGeom prst="rect">
+            <a:avLst/>
+          </a:prstGeom>
+          <a:solidFill>
+            <a:srgbClr val="FF8C00"/>
+          </a:solidFill>
+          <a:ln w="12700" cap="flat" cmpd="sng" algn="ctr">
+            <a:noFill/>
+            <a:prstDash val="solid"/>
+            <a:miter lim="800000"/>
+          </a:ln>
+          <a:effectLst/>
+          <a:extLst>
+            <a:ext uri="{91240B29-F687-4F45-9708-019B960494DF}">
+              <a14:hiddenLine xmlns:a14="http://schemas.microsoft.com/office/drawing/2010/main" w="12700" cap="flat" cmpd="sng" algn="ctr">
+                <a:solidFill>
+                  <a:schemeClr val="accent1">
+                    <a:shade val="50000"/>
+                  </a:schemeClr>
+                </a:solidFill>
+                <a:prstDash val="solid"/>
+                <a:miter lim="800000"/>
+              </a14:hiddenLine>
+            </a:ext>
+          </a:extLst>
+        </p:spPr>
+        <p:style>
+          <a:lnRef idx="2">
+            <a:schemeClr val="accent1">
+              <a:shade val="50000"/>
+            </a:schemeClr>
+          </a:lnRef>
+          <a:fillRef idx="1">
+            <a:schemeClr val="accent1"/>
+          </a:fillRef>
+          <a:effectRef idx="0">
+            <a:schemeClr val="accent1"/>
+          </a:effectRef>
+          <a:fontRef idx="minor">
+            <a:schemeClr val="lt1"/>
+          </a:fontRef>
+        </p:style>
+        <p:txBody>
+          <a:bodyPr rtlCol="0" anchor="ctr"/>
+          <a:lstStyle/>
+          <a:p>
+            <a:pPr algn="ctr"/>
+            <a:r>
+              <a:rPr kumimoji="1" lang="en-US" altLang="ja-JP" dirty="0">
+                <a:solidFill>
+                  <a:srgbClr val="000000"/>
+                </a:solidFill>
+              </a:rPr>
+              <a:t>Translator</a:t>
+            </a:r>
+            <a:endParaRPr kumimoji="1" lang="ja-JP" altLang="en-US" dirty="0">
+              <a:solidFill>
+                <a:srgbClr val="000000"/>
+              </a:solidFill>
+            </a:endParaRPr>
+          </a:p>
+        </p:txBody>
+      </p:sp>
+      <p:cxnSp>
+        <p:nvCxnSpPr>
+          <p:cNvPr id="28" name="コネクタ: カギ線 27">
+            <a:extLst>
+              <a:ext uri="{FF2B5EF4-FFF2-40B4-BE49-F238E27FC236}">
+                <a16:creationId xmlns:a16="http://schemas.microsoft.com/office/drawing/2014/main" id="{E3711716-6101-4CA9-B173-231C979EAA0B}"/>
+              </a:ext>
+            </a:extLst>
+          </p:cNvPr>
+          <p:cNvCxnSpPr>
+            <a:cxnSpLocks/>
+            <a:stCxn id="34" idx="3"/>
+            <a:endCxn id="27" idx="2"/>
+          </p:cNvCxnSpPr>
+          <p:nvPr/>
+        </p:nvCxnSpPr>
+        <p:spPr>
+          <a:xfrm flipV="1">
+            <a:off x="1489990" y="4983935"/>
+            <a:ext cx="5828834" cy="603580"/>
+          </a:xfrm>
+          <a:prstGeom prst="bentConnector2">
+            <a:avLst/>
+          </a:prstGeom>
+          <a:ln w="76200">
+            <a:solidFill>
+              <a:srgbClr val="00B050"/>
+            </a:solidFill>
+            <a:tailEnd type="triangle"/>
+          </a:ln>
+        </p:spPr>
+        <p:style>
+          <a:lnRef idx="1">
+            <a:schemeClr val="accent1"/>
+          </a:lnRef>
+          <a:fillRef idx="0">
+            <a:schemeClr val="accent1"/>
+          </a:fillRef>
+          <a:effectRef idx="0">
+            <a:schemeClr val="accent1"/>
+          </a:effectRef>
+          <a:fontRef idx="minor">
+            <a:schemeClr val="tx1"/>
+          </a:fontRef>
+        </p:style>
+      </p:cxnSp>
     </p:spTree>
     <p:extLst>
       <p:ext uri="{BB962C8B-B14F-4D97-AF65-F5344CB8AC3E}">
@@ -6022,7 +6273,7 @@
           <p:nvPr/>
         </p:nvPicPr>
         <p:blipFill>
-          <a:blip r:embed="rId18">
+          <a:blip r:embed="rId20">
             <a:biLevel thresh="25000"/>
             <a:extLst>
               <a:ext uri="{28A0092B-C50C-407E-A947-70E740481C1C}">
@@ -6059,7 +6310,7 @@
           <p:nvPr/>
         </p:nvPicPr>
         <p:blipFill>
-          <a:blip r:embed="rId19">
+          <a:blip r:embed="rId21">
             <a:biLevel thresh="25000"/>
             <a:extLst>
               <a:ext uri="{28A0092B-C50C-407E-A947-70E740481C1C}">
@@ -6180,7 +6431,7 @@
           <p:nvPr/>
         </p:nvPicPr>
         <p:blipFill>
-          <a:blip r:embed="rId20">
+          <a:blip r:embed="rId22">
             <a:biLevel thresh="25000"/>
             <a:extLst>
               <a:ext uri="{28A0092B-C50C-407E-A947-70E740481C1C}">
@@ -6301,7 +6552,7 @@
           <p:nvPr/>
         </p:nvPicPr>
         <p:blipFill>
-          <a:blip r:embed="rId21">
+          <a:blip r:embed="rId23">
             <a:biLevel thresh="25000"/>
             <a:extLst>
               <a:ext uri="{28A0092B-C50C-407E-A947-70E740481C1C}">
@@ -6758,7 +7009,7 @@
           <p:nvPr/>
         </p:nvPicPr>
         <p:blipFill>
-          <a:blip r:embed="rId22">
+          <a:blip r:embed="rId24">
             <a:duotone>
               <a:schemeClr val="accent4">
                 <a:shade val="45000"/>
@@ -6832,12 +7083,60 @@
           </a:fontRef>
         </p:style>
       </p:cxnSp>
-      <p:sp>
-        <p:nvSpPr>
-          <p:cNvPr id="41" name="正方形/長方形 40">
-            <a:extLst>
-              <a:ext uri="{FF2B5EF4-FFF2-40B4-BE49-F238E27FC236}">
-                <a16:creationId xmlns:a16="http://schemas.microsoft.com/office/drawing/2014/main" id="{67D59FA0-2546-4028-9ED0-AC9D5CE44666}"/>
+      <p:cxnSp>
+        <p:nvCxnSpPr>
+          <p:cNvPr id="42" name="コネクタ: カギ線 41">
+            <a:extLst>
+              <a:ext uri="{FF2B5EF4-FFF2-40B4-BE49-F238E27FC236}">
+                <a16:creationId xmlns:a16="http://schemas.microsoft.com/office/drawing/2014/main" id="{D00775DF-B2EA-4A47-A2C4-B943D1C6782B}"/>
+              </a:ext>
+            </a:extLst>
+          </p:cNvPr>
+          <p:cNvCxnSpPr>
+            <a:cxnSpLocks/>
+            <a:stCxn id="23" idx="0"/>
+            <a:endCxn id="9" idx="2"/>
+          </p:cNvCxnSpPr>
+          <p:nvPr/>
+        </p:nvCxnSpPr>
+        <p:spPr>
+          <a:xfrm rot="5400000" flipH="1" flipV="1">
+            <a:off x="2724166" y="1467285"/>
+            <a:ext cx="887493" cy="4090252"/>
+          </a:xfrm>
+          <a:prstGeom prst="bentConnector3">
+            <a:avLst>
+              <a:gd name="adj1" fmla="val 50000"/>
+            </a:avLst>
+          </a:prstGeom>
+          <a:ln w="76200">
+            <a:solidFill>
+              <a:srgbClr val="00B050"/>
+            </a:solidFill>
+            <a:tailEnd type="triangle"/>
+          </a:ln>
+        </p:spPr>
+        <p:style>
+          <a:lnRef idx="1">
+            <a:schemeClr val="accent1"/>
+          </a:lnRef>
+          <a:fillRef idx="0">
+            <a:schemeClr val="accent1"/>
+          </a:fillRef>
+          <a:effectRef idx="0">
+            <a:schemeClr val="accent1"/>
+          </a:effectRef>
+          <a:fontRef idx="minor">
+            <a:schemeClr val="tx1"/>
+          </a:fontRef>
+        </p:style>
+      </p:cxnSp>
+      <p:sp>
+        <p:nvSpPr>
+          <p:cNvPr id="45" name="正方形/長方形 44">
+            <a:extLst>
+              <a:ext uri="{FF2B5EF4-FFF2-40B4-BE49-F238E27FC236}">
+                <a16:creationId xmlns:a16="http://schemas.microsoft.com/office/drawing/2014/main" id="{0D219858-1E4C-4530-921A-86CADEC3C716}"/>
               </a:ext>
             </a:extLst>
           </p:cNvPr>
@@ -6845,6 +7144,851 @@
           <p:nvPr>
             <p:custDataLst>
               <p:tags r:id="rId10"/>
+            </p:custDataLst>
+          </p:nvPr>
+        </p:nvSpPr>
+        <p:spPr>
+          <a:xfrm>
+            <a:off x="2152444" y="3384400"/>
+            <a:ext cx="1506630" cy="306887"/>
+          </a:xfrm>
+          <a:prstGeom prst="rect">
+            <a:avLst/>
+          </a:prstGeom>
+          <a:solidFill>
+            <a:srgbClr val="BAD80A"/>
+          </a:solidFill>
+          <a:ln w="12700" cap="flat" cmpd="sng" algn="ctr">
+            <a:noFill/>
+            <a:prstDash val="solid"/>
+            <a:miter lim="800000"/>
+          </a:ln>
+          <a:effectLst/>
+          <a:extLst>
+            <a:ext uri="{91240B29-F687-4F45-9708-019B960494DF}">
+              <a14:hiddenLine xmlns:a14="http://schemas.microsoft.com/office/drawing/2010/main" w="12700" cap="flat" cmpd="sng" algn="ctr">
+                <a:solidFill>
+                  <a:schemeClr val="accent1">
+                    <a:shade val="50000"/>
+                  </a:schemeClr>
+                </a:solidFill>
+                <a:prstDash val="solid"/>
+                <a:miter lim="800000"/>
+              </a14:hiddenLine>
+            </a:ext>
+          </a:extLst>
+        </p:spPr>
+        <p:style>
+          <a:lnRef idx="2">
+            <a:schemeClr val="accent1">
+              <a:shade val="50000"/>
+            </a:schemeClr>
+          </a:lnRef>
+          <a:fillRef idx="1">
+            <a:schemeClr val="accent1"/>
+          </a:fillRef>
+          <a:effectRef idx="0">
+            <a:schemeClr val="accent1"/>
+          </a:effectRef>
+          <a:fontRef idx="minor">
+            <a:schemeClr val="lt1"/>
+          </a:fontRef>
+        </p:style>
+        <p:txBody>
+          <a:bodyPr rtlCol="0" anchor="ctr"/>
+          <a:lstStyle/>
+          <a:p>
+            <a:pPr algn="ctr"/>
+            <a:r>
+              <a:rPr kumimoji="1" lang="en-US" altLang="ja-JP" dirty="0">
+                <a:solidFill>
+                  <a:srgbClr val="000000"/>
+                </a:solidFill>
+              </a:rPr>
+              <a:t>URL</a:t>
+            </a:r>
+            <a:r>
+              <a:rPr kumimoji="1" lang="ja-JP" altLang="en-US" dirty="0">
+                <a:solidFill>
+                  <a:srgbClr val="000000"/>
+                </a:solidFill>
+              </a:rPr>
+              <a:t>登録</a:t>
+            </a:r>
+          </a:p>
+        </p:txBody>
+      </p:sp>
+      <p:sp>
+        <p:nvSpPr>
+          <p:cNvPr id="55" name="正方形/長方形 54">
+            <a:extLst>
+              <a:ext uri="{FF2B5EF4-FFF2-40B4-BE49-F238E27FC236}">
+                <a16:creationId xmlns:a16="http://schemas.microsoft.com/office/drawing/2014/main" id="{A8958ED5-F0FA-42AE-A286-3C45B7A862AF}"/>
+              </a:ext>
+            </a:extLst>
+          </p:cNvPr>
+          <p:cNvSpPr/>
+          <p:nvPr>
+            <p:custDataLst>
+              <p:tags r:id="rId11"/>
+            </p:custDataLst>
+          </p:nvPr>
+        </p:nvSpPr>
+        <p:spPr>
+          <a:xfrm>
+            <a:off x="152293" y="4643697"/>
+            <a:ext cx="1904132" cy="306887"/>
+          </a:xfrm>
+          <a:prstGeom prst="rect">
+            <a:avLst/>
+          </a:prstGeom>
+          <a:solidFill>
+            <a:srgbClr val="E81123"/>
+          </a:solidFill>
+          <a:ln w="12700" cap="flat" cmpd="sng" algn="ctr">
+            <a:noFill/>
+            <a:prstDash val="solid"/>
+            <a:miter lim="800000"/>
+          </a:ln>
+          <a:effectLst/>
+          <a:extLst>
+            <a:ext uri="{91240B29-F687-4F45-9708-019B960494DF}">
+              <a14:hiddenLine xmlns:a14="http://schemas.microsoft.com/office/drawing/2010/main" w="12700" cap="flat" cmpd="sng" algn="ctr">
+                <a:solidFill>
+                  <a:schemeClr val="accent1">
+                    <a:shade val="50000"/>
+                  </a:schemeClr>
+                </a:solidFill>
+                <a:prstDash val="solid"/>
+                <a:miter lim="800000"/>
+              </a14:hiddenLine>
+            </a:ext>
+          </a:extLst>
+        </p:spPr>
+        <p:style>
+          <a:lnRef idx="2">
+            <a:schemeClr val="accent1">
+              <a:shade val="50000"/>
+            </a:schemeClr>
+          </a:lnRef>
+          <a:fillRef idx="1">
+            <a:schemeClr val="accent1"/>
+          </a:fillRef>
+          <a:effectRef idx="0">
+            <a:schemeClr val="accent1"/>
+          </a:effectRef>
+          <a:fontRef idx="minor">
+            <a:schemeClr val="lt1"/>
+          </a:fontRef>
+        </p:style>
+        <p:txBody>
+          <a:bodyPr rtlCol="0" anchor="ctr"/>
+          <a:lstStyle/>
+          <a:p>
+            <a:pPr algn="ctr"/>
+            <a:r>
+              <a:rPr kumimoji="1" lang="en-US" altLang="ja-JP" dirty="0">
+                <a:solidFill>
+                  <a:srgbClr val="FFFFFF"/>
+                </a:solidFill>
+              </a:rPr>
+              <a:t>C#/</a:t>
+            </a:r>
+            <a:r>
+              <a:rPr kumimoji="1" lang="ja-JP" altLang="en-US" dirty="0">
+                <a:solidFill>
+                  <a:srgbClr val="FFFFFF"/>
+                </a:solidFill>
+              </a:rPr>
+              <a:t>コマンドライン</a:t>
+            </a:r>
+          </a:p>
+        </p:txBody>
+      </p:sp>
+      <p:sp>
+        <p:nvSpPr>
+          <p:cNvPr id="33" name="正方形/長方形 32">
+            <a:extLst>
+              <a:ext uri="{FF2B5EF4-FFF2-40B4-BE49-F238E27FC236}">
+                <a16:creationId xmlns:a16="http://schemas.microsoft.com/office/drawing/2014/main" id="{61925FD2-CCE6-4C81-8182-6FB0DE386601}"/>
+              </a:ext>
+            </a:extLst>
+          </p:cNvPr>
+          <p:cNvSpPr/>
+          <p:nvPr>
+            <p:custDataLst>
+              <p:tags r:id="rId12"/>
+            </p:custDataLst>
+          </p:nvPr>
+        </p:nvSpPr>
+        <p:spPr>
+          <a:xfrm>
+            <a:off x="4566103" y="5824216"/>
+            <a:ext cx="2552613" cy="306887"/>
+          </a:xfrm>
+          <a:prstGeom prst="rect">
+            <a:avLst/>
+          </a:prstGeom>
+          <a:solidFill>
+            <a:srgbClr val="E81123"/>
+          </a:solidFill>
+          <a:ln w="12700" cap="flat" cmpd="sng" algn="ctr">
+            <a:noFill/>
+            <a:prstDash val="solid"/>
+            <a:miter lim="800000"/>
+          </a:ln>
+          <a:effectLst/>
+          <a:extLst>
+            <a:ext uri="{91240B29-F687-4F45-9708-019B960494DF}">
+              <a14:hiddenLine xmlns:a14="http://schemas.microsoft.com/office/drawing/2010/main" w="12700" cap="flat" cmpd="sng" algn="ctr">
+                <a:solidFill>
+                  <a:schemeClr val="accent1">
+                    <a:shade val="50000"/>
+                  </a:schemeClr>
+                </a:solidFill>
+                <a:prstDash val="solid"/>
+                <a:miter lim="800000"/>
+              </a14:hiddenLine>
+            </a:ext>
+          </a:extLst>
+        </p:spPr>
+        <p:style>
+          <a:lnRef idx="2">
+            <a:schemeClr val="accent1">
+              <a:shade val="50000"/>
+            </a:schemeClr>
+          </a:lnRef>
+          <a:fillRef idx="1">
+            <a:schemeClr val="accent1"/>
+          </a:fillRef>
+          <a:effectRef idx="0">
+            <a:schemeClr val="accent1"/>
+          </a:effectRef>
+          <a:fontRef idx="minor">
+            <a:schemeClr val="lt1"/>
+          </a:fontRef>
+        </p:style>
+        <p:txBody>
+          <a:bodyPr rtlCol="0" anchor="ctr"/>
+          <a:lstStyle/>
+          <a:p>
+            <a:pPr algn="ctr"/>
+            <a:r>
+              <a:rPr kumimoji="1" lang="ja-JP" altLang="en-US" dirty="0">
+                <a:solidFill>
+                  <a:srgbClr val="FFFFFF"/>
+                </a:solidFill>
+              </a:rPr>
+              <a:t>ファイル名</a:t>
+            </a:r>
+            <a:r>
+              <a:rPr kumimoji="1" lang="en-US" altLang="ja-JP" dirty="0">
+                <a:solidFill>
+                  <a:srgbClr val="FFFFFF"/>
+                </a:solidFill>
+              </a:rPr>
+              <a:t>=Primary Key</a:t>
+            </a:r>
+            <a:endParaRPr kumimoji="1" lang="ja-JP" altLang="en-US" dirty="0">
+              <a:solidFill>
+                <a:srgbClr val="FFFFFF"/>
+              </a:solidFill>
+            </a:endParaRPr>
+          </a:p>
+        </p:txBody>
+      </p:sp>
+      <p:sp>
+        <p:nvSpPr>
+          <p:cNvPr id="24" name="正方形/長方形 23">
+            <a:extLst>
+              <a:ext uri="{FF2B5EF4-FFF2-40B4-BE49-F238E27FC236}">
+                <a16:creationId xmlns:a16="http://schemas.microsoft.com/office/drawing/2014/main" id="{5BD7DBB9-DB4D-4EDD-8B39-1CD18D169E62}"/>
+              </a:ext>
+            </a:extLst>
+          </p:cNvPr>
+          <p:cNvSpPr/>
+          <p:nvPr>
+            <p:custDataLst>
+              <p:tags r:id="rId13"/>
+            </p:custDataLst>
+          </p:nvPr>
+        </p:nvSpPr>
+        <p:spPr>
+          <a:xfrm>
+            <a:off x="9605447" y="3651528"/>
+            <a:ext cx="1784464" cy="2598112"/>
+          </a:xfrm>
+          <a:prstGeom prst="rect">
+            <a:avLst/>
+          </a:prstGeom>
+          <a:solidFill>
+            <a:srgbClr val="68217A"/>
+          </a:solidFill>
+          <a:ln w="12700" cap="flat" cmpd="sng" algn="ctr">
+            <a:noFill/>
+            <a:prstDash val="solid"/>
+            <a:miter lim="800000"/>
+          </a:ln>
+          <a:effectLst/>
+          <a:extLst>
+            <a:ext uri="{91240B29-F687-4F45-9708-019B960494DF}">
+              <a14:hiddenLine xmlns:a14="http://schemas.microsoft.com/office/drawing/2010/main" w="12700" cap="flat" cmpd="sng" algn="ctr">
+                <a:solidFill>
+                  <a:schemeClr val="accent1">
+                    <a:shade val="50000"/>
+                  </a:schemeClr>
+                </a:solidFill>
+                <a:prstDash val="solid"/>
+                <a:miter lim="800000"/>
+              </a14:hiddenLine>
+            </a:ext>
+          </a:extLst>
+        </p:spPr>
+        <p:style>
+          <a:lnRef idx="2">
+            <a:schemeClr val="accent1">
+              <a:shade val="50000"/>
+            </a:schemeClr>
+          </a:lnRef>
+          <a:fillRef idx="1">
+            <a:schemeClr val="accent1"/>
+          </a:fillRef>
+          <a:effectRef idx="0">
+            <a:schemeClr val="accent1"/>
+          </a:effectRef>
+          <a:fontRef idx="minor">
+            <a:schemeClr val="lt1"/>
+          </a:fontRef>
+        </p:style>
+        <p:txBody>
+          <a:bodyPr rtlCol="0" anchor="t"/>
+          <a:lstStyle/>
+          <a:p>
+            <a:pPr algn="ctr"/>
+            <a:r>
+              <a:rPr lang="ja-JP" altLang="en-US" dirty="0">
+                <a:solidFill>
+                  <a:srgbClr val="FFFFFF"/>
+                </a:solidFill>
+              </a:rPr>
+              <a:t>全文検索</a:t>
+            </a:r>
+            <a:endParaRPr kumimoji="1" lang="ja-JP" altLang="en-US" dirty="0">
+              <a:solidFill>
+                <a:srgbClr val="FFFFFF"/>
+              </a:solidFill>
+            </a:endParaRPr>
+          </a:p>
+        </p:txBody>
+      </p:sp>
+      <p:pic>
+        <p:nvPicPr>
+          <p:cNvPr id="25" name="図 24">
+            <a:extLst>
+              <a:ext uri="{FF2B5EF4-FFF2-40B4-BE49-F238E27FC236}">
+                <a16:creationId xmlns:a16="http://schemas.microsoft.com/office/drawing/2014/main" id="{1C65204C-1C90-4B11-8265-0FABBBA4BAC7}"/>
+              </a:ext>
+            </a:extLst>
+          </p:cNvPr>
+          <p:cNvPicPr>
+            <a:picLocks noChangeAspect="1"/>
+          </p:cNvPicPr>
+          <p:nvPr/>
+        </p:nvPicPr>
+        <p:blipFill>
+          <a:blip r:embed="rId25">
+            <a:biLevel thresh="25000"/>
+            <a:extLst>
+              <a:ext uri="{28A0092B-C50C-407E-A947-70E740481C1C}">
+                <a14:useLocalDpi xmlns:a14="http://schemas.microsoft.com/office/drawing/2010/main" val="0"/>
+              </a:ext>
+            </a:extLst>
+          </a:blip>
+          <a:stretch>
+            <a:fillRect/>
+          </a:stretch>
+        </p:blipFill>
+        <p:spPr>
+          <a:xfrm>
+            <a:off x="10073094" y="4197865"/>
+            <a:ext cx="780290" cy="780290"/>
+          </a:xfrm>
+          <a:prstGeom prst="rect">
+            <a:avLst/>
+          </a:prstGeom>
+        </p:spPr>
+      </p:pic>
+      <p:sp>
+        <p:nvSpPr>
+          <p:cNvPr id="26" name="正方形/長方形 25">
+            <a:extLst>
+              <a:ext uri="{FF2B5EF4-FFF2-40B4-BE49-F238E27FC236}">
+                <a16:creationId xmlns:a16="http://schemas.microsoft.com/office/drawing/2014/main" id="{A3423C33-2CC3-49E8-B367-CB9F669025C9}"/>
+              </a:ext>
+            </a:extLst>
+          </p:cNvPr>
+          <p:cNvSpPr/>
+          <p:nvPr>
+            <p:custDataLst>
+              <p:tags r:id="rId14"/>
+            </p:custDataLst>
+          </p:nvPr>
+        </p:nvSpPr>
+        <p:spPr>
+          <a:xfrm>
+            <a:off x="9687289" y="4850722"/>
+            <a:ext cx="1665714" cy="306887"/>
+          </a:xfrm>
+          <a:prstGeom prst="rect">
+            <a:avLst/>
+          </a:prstGeom>
+          <a:solidFill>
+            <a:srgbClr val="FF8C00"/>
+          </a:solidFill>
+          <a:ln w="12700" cap="flat" cmpd="sng" algn="ctr">
+            <a:noFill/>
+            <a:prstDash val="solid"/>
+            <a:miter lim="800000"/>
+          </a:ln>
+          <a:effectLst/>
+          <a:extLst>
+            <a:ext uri="{91240B29-F687-4F45-9708-019B960494DF}">
+              <a14:hiddenLine xmlns:a14="http://schemas.microsoft.com/office/drawing/2010/main" w="12700" cap="flat" cmpd="sng" algn="ctr">
+                <a:solidFill>
+                  <a:schemeClr val="accent1">
+                    <a:shade val="50000"/>
+                  </a:schemeClr>
+                </a:solidFill>
+                <a:prstDash val="solid"/>
+                <a:miter lim="800000"/>
+              </a14:hiddenLine>
+            </a:ext>
+          </a:extLst>
+        </p:spPr>
+        <p:style>
+          <a:lnRef idx="2">
+            <a:schemeClr val="accent1">
+              <a:shade val="50000"/>
+            </a:schemeClr>
+          </a:lnRef>
+          <a:fillRef idx="1">
+            <a:schemeClr val="accent1"/>
+          </a:fillRef>
+          <a:effectRef idx="0">
+            <a:schemeClr val="accent1"/>
+          </a:effectRef>
+          <a:fontRef idx="minor">
+            <a:schemeClr val="lt1"/>
+          </a:fontRef>
+        </p:style>
+        <p:txBody>
+          <a:bodyPr rtlCol="0" anchor="ctr"/>
+          <a:lstStyle/>
+          <a:p>
+            <a:pPr algn="ctr"/>
+            <a:r>
+              <a:rPr kumimoji="1" lang="en-US" altLang="ja-JP" dirty="0">
+                <a:solidFill>
+                  <a:srgbClr val="000000"/>
+                </a:solidFill>
+              </a:rPr>
+              <a:t>Search</a:t>
+            </a:r>
+            <a:endParaRPr kumimoji="1" lang="ja-JP" altLang="en-US" dirty="0">
+              <a:solidFill>
+                <a:srgbClr val="000000"/>
+              </a:solidFill>
+            </a:endParaRPr>
+          </a:p>
+        </p:txBody>
+      </p:sp>
+      <p:cxnSp>
+        <p:nvCxnSpPr>
+          <p:cNvPr id="27" name="コネクタ: カギ線 26">
+            <a:extLst>
+              <a:ext uri="{FF2B5EF4-FFF2-40B4-BE49-F238E27FC236}">
+                <a16:creationId xmlns:a16="http://schemas.microsoft.com/office/drawing/2014/main" id="{1B183D3A-3E5A-4133-A0C4-C73F7A9612AC}"/>
+              </a:ext>
+            </a:extLst>
+          </p:cNvPr>
+          <p:cNvCxnSpPr>
+            <a:cxnSpLocks/>
+            <a:stCxn id="24" idx="0"/>
+          </p:cNvCxnSpPr>
+          <p:nvPr/>
+        </p:nvCxnSpPr>
+        <p:spPr>
+          <a:xfrm rot="16200000" flipV="1">
+            <a:off x="7494663" y="648511"/>
+            <a:ext cx="994756" cy="5011277"/>
+          </a:xfrm>
+          <a:prstGeom prst="bentConnector2">
+            <a:avLst/>
+          </a:prstGeom>
+          <a:ln w="76200">
+            <a:solidFill>
+              <a:srgbClr val="00B050"/>
+            </a:solidFill>
+            <a:tailEnd type="triangle"/>
+          </a:ln>
+        </p:spPr>
+        <p:style>
+          <a:lnRef idx="1">
+            <a:schemeClr val="accent1"/>
+          </a:lnRef>
+          <a:fillRef idx="0">
+            <a:schemeClr val="accent1"/>
+          </a:fillRef>
+          <a:effectRef idx="0">
+            <a:schemeClr val="accent1"/>
+          </a:effectRef>
+          <a:fontRef idx="minor">
+            <a:schemeClr val="tx1"/>
+          </a:fontRef>
+        </p:style>
+      </p:cxnSp>
+      <p:sp>
+        <p:nvSpPr>
+          <p:cNvPr id="28" name="正方形/長方形 27">
+            <a:extLst>
+              <a:ext uri="{FF2B5EF4-FFF2-40B4-BE49-F238E27FC236}">
+                <a16:creationId xmlns:a16="http://schemas.microsoft.com/office/drawing/2014/main" id="{5501A0DA-7352-4369-AA9C-BEF147469412}"/>
+              </a:ext>
+            </a:extLst>
+          </p:cNvPr>
+          <p:cNvSpPr/>
+          <p:nvPr>
+            <p:custDataLst>
+              <p:tags r:id="rId15"/>
+            </p:custDataLst>
+          </p:nvPr>
+        </p:nvSpPr>
+        <p:spPr>
+          <a:xfrm>
+            <a:off x="9639649" y="3002312"/>
+            <a:ext cx="1506630" cy="306887"/>
+          </a:xfrm>
+          <a:prstGeom prst="rect">
+            <a:avLst/>
+          </a:prstGeom>
+          <a:solidFill>
+            <a:srgbClr val="BAD80A"/>
+          </a:solidFill>
+          <a:ln w="12700" cap="flat" cmpd="sng" algn="ctr">
+            <a:noFill/>
+            <a:prstDash val="solid"/>
+            <a:miter lim="800000"/>
+          </a:ln>
+          <a:effectLst/>
+          <a:extLst>
+            <a:ext uri="{91240B29-F687-4F45-9708-019B960494DF}">
+              <a14:hiddenLine xmlns:a14="http://schemas.microsoft.com/office/drawing/2010/main" w="12700" cap="flat" cmpd="sng" algn="ctr">
+                <a:solidFill>
+                  <a:schemeClr val="accent1">
+                    <a:shade val="50000"/>
+                  </a:schemeClr>
+                </a:solidFill>
+                <a:prstDash val="solid"/>
+                <a:miter lim="800000"/>
+              </a14:hiddenLine>
+            </a:ext>
+          </a:extLst>
+        </p:spPr>
+        <p:style>
+          <a:lnRef idx="2">
+            <a:schemeClr val="accent1">
+              <a:shade val="50000"/>
+            </a:schemeClr>
+          </a:lnRef>
+          <a:fillRef idx="1">
+            <a:schemeClr val="accent1"/>
+          </a:fillRef>
+          <a:effectRef idx="0">
+            <a:schemeClr val="accent1"/>
+          </a:effectRef>
+          <a:fontRef idx="minor">
+            <a:schemeClr val="lt1"/>
+          </a:fontRef>
+        </p:style>
+        <p:txBody>
+          <a:bodyPr rtlCol="0" anchor="ctr"/>
+          <a:lstStyle/>
+          <a:p>
+            <a:pPr algn="ctr"/>
+            <a:r>
+              <a:rPr kumimoji="1" lang="ja-JP" altLang="en-US" dirty="0">
+                <a:solidFill>
+                  <a:srgbClr val="000000"/>
+                </a:solidFill>
+              </a:rPr>
+              <a:t>クロール</a:t>
+            </a:r>
+          </a:p>
+        </p:txBody>
+      </p:sp>
+      <p:cxnSp>
+        <p:nvCxnSpPr>
+          <p:cNvPr id="31" name="コネクタ: カギ線 30">
+            <a:extLst>
+              <a:ext uri="{FF2B5EF4-FFF2-40B4-BE49-F238E27FC236}">
+                <a16:creationId xmlns:a16="http://schemas.microsoft.com/office/drawing/2014/main" id="{D8F5098C-7837-4FDF-B356-CBB8FC9A3FE9}"/>
+              </a:ext>
+            </a:extLst>
+          </p:cNvPr>
+          <p:cNvCxnSpPr>
+            <a:cxnSpLocks/>
+            <a:endCxn id="30" idx="2"/>
+          </p:cNvCxnSpPr>
+          <p:nvPr/>
+        </p:nvCxnSpPr>
+        <p:spPr>
+          <a:xfrm flipV="1">
+            <a:off x="1489990" y="4983935"/>
+            <a:ext cx="5828834" cy="603580"/>
+          </a:xfrm>
+          <a:prstGeom prst="bentConnector2">
+            <a:avLst/>
+          </a:prstGeom>
+          <a:ln w="76200">
+            <a:solidFill>
+              <a:srgbClr val="00B050"/>
+            </a:solidFill>
+            <a:tailEnd type="triangle"/>
+          </a:ln>
+        </p:spPr>
+        <p:style>
+          <a:lnRef idx="1">
+            <a:schemeClr val="accent1"/>
+          </a:lnRef>
+          <a:fillRef idx="0">
+            <a:schemeClr val="accent1"/>
+          </a:fillRef>
+          <a:effectRef idx="0">
+            <a:schemeClr val="accent1"/>
+          </a:effectRef>
+          <a:fontRef idx="minor">
+            <a:schemeClr val="tx1"/>
+          </a:fontRef>
+        </p:style>
+      </p:cxnSp>
+      <p:sp>
+        <p:nvSpPr>
+          <p:cNvPr id="32" name="正方形/長方形 31">
+            <a:extLst>
+              <a:ext uri="{FF2B5EF4-FFF2-40B4-BE49-F238E27FC236}">
+                <a16:creationId xmlns:a16="http://schemas.microsoft.com/office/drawing/2014/main" id="{1663D13D-35D1-4E22-8534-52CAA1615B88}"/>
+              </a:ext>
+            </a:extLst>
+          </p:cNvPr>
+          <p:cNvSpPr/>
+          <p:nvPr>
+            <p:custDataLst>
+              <p:tags r:id="rId16"/>
+            </p:custDataLst>
+          </p:nvPr>
+        </p:nvSpPr>
+        <p:spPr>
+          <a:xfrm>
+            <a:off x="6305041" y="3687071"/>
+            <a:ext cx="2004633" cy="1344176"/>
+          </a:xfrm>
+          <a:prstGeom prst="rect">
+            <a:avLst/>
+          </a:prstGeom>
+          <a:solidFill>
+            <a:srgbClr val="68217A"/>
+          </a:solidFill>
+          <a:ln w="12700" cap="flat" cmpd="sng" algn="ctr">
+            <a:noFill/>
+            <a:prstDash val="solid"/>
+            <a:miter lim="800000"/>
+          </a:ln>
+          <a:effectLst/>
+          <a:extLst>
+            <a:ext uri="{91240B29-F687-4F45-9708-019B960494DF}">
+              <a14:hiddenLine xmlns:a14="http://schemas.microsoft.com/office/drawing/2010/main" w="12700" cap="flat" cmpd="sng" algn="ctr">
+                <a:solidFill>
+                  <a:schemeClr val="accent1">
+                    <a:shade val="50000"/>
+                  </a:schemeClr>
+                </a:solidFill>
+                <a:prstDash val="solid"/>
+                <a:miter lim="800000"/>
+              </a14:hiddenLine>
+            </a:ext>
+          </a:extLst>
+        </p:spPr>
+        <p:style>
+          <a:lnRef idx="2">
+            <a:schemeClr val="accent1">
+              <a:shade val="50000"/>
+            </a:schemeClr>
+          </a:lnRef>
+          <a:fillRef idx="1">
+            <a:schemeClr val="accent1"/>
+          </a:fillRef>
+          <a:effectRef idx="0">
+            <a:schemeClr val="accent1"/>
+          </a:effectRef>
+          <a:fontRef idx="minor">
+            <a:schemeClr val="lt1"/>
+          </a:fontRef>
+        </p:style>
+        <p:txBody>
+          <a:bodyPr rtlCol="0" anchor="t"/>
+          <a:lstStyle/>
+          <a:p>
+            <a:pPr algn="ctr"/>
+            <a:r>
+              <a:rPr lang="en-US" altLang="ja-JP" dirty="0">
+                <a:solidFill>
+                  <a:srgbClr val="FFFFFF"/>
+                </a:solidFill>
+              </a:rPr>
+              <a:t>Cognitive</a:t>
+            </a:r>
+            <a:endParaRPr kumimoji="1" lang="ja-JP" altLang="en-US" dirty="0">
+              <a:solidFill>
+                <a:srgbClr val="FFFFFF"/>
+              </a:solidFill>
+            </a:endParaRPr>
+          </a:p>
+        </p:txBody>
+      </p:sp>
+      <p:pic>
+        <p:nvPicPr>
+          <p:cNvPr id="29" name="図 28">
+            <a:extLst>
+              <a:ext uri="{FF2B5EF4-FFF2-40B4-BE49-F238E27FC236}">
+                <a16:creationId xmlns:a16="http://schemas.microsoft.com/office/drawing/2014/main" id="{1A14D89D-434B-487D-8BF5-6DA8765921AE}"/>
+              </a:ext>
+            </a:extLst>
+          </p:cNvPr>
+          <p:cNvPicPr>
+            <a:picLocks noChangeAspect="1"/>
+          </p:cNvPicPr>
+          <p:nvPr/>
+        </p:nvPicPr>
+        <p:blipFill>
+          <a:blip r:embed="rId26">
+            <a:biLevel thresh="25000"/>
+            <a:extLst>
+              <a:ext uri="{28A0092B-C50C-407E-A947-70E740481C1C}">
+                <a14:useLocalDpi xmlns:a14="http://schemas.microsoft.com/office/drawing/2010/main" val="0"/>
+              </a:ext>
+            </a:extLst>
+          </a:blip>
+          <a:stretch>
+            <a:fillRect/>
+          </a:stretch>
+        </p:blipFill>
+        <p:spPr>
+          <a:xfrm>
+            <a:off x="6916555" y="3970567"/>
+            <a:ext cx="780290" cy="780290"/>
+          </a:xfrm>
+          <a:prstGeom prst="rect">
+            <a:avLst/>
+          </a:prstGeom>
+        </p:spPr>
+      </p:pic>
+      <p:sp>
+        <p:nvSpPr>
+          <p:cNvPr id="30" name="正方形/長方形 29">
+            <a:extLst>
+              <a:ext uri="{FF2B5EF4-FFF2-40B4-BE49-F238E27FC236}">
+                <a16:creationId xmlns:a16="http://schemas.microsoft.com/office/drawing/2014/main" id="{931C3051-2F34-477F-A79F-D2923A16EDA4}"/>
+              </a:ext>
+            </a:extLst>
+          </p:cNvPr>
+          <p:cNvSpPr/>
+          <p:nvPr>
+            <p:custDataLst>
+              <p:tags r:id="rId17"/>
+            </p:custDataLst>
+          </p:nvPr>
+        </p:nvSpPr>
+        <p:spPr>
+          <a:xfrm>
+            <a:off x="6485967" y="4677048"/>
+            <a:ext cx="1665714" cy="306887"/>
+          </a:xfrm>
+          <a:prstGeom prst="rect">
+            <a:avLst/>
+          </a:prstGeom>
+          <a:solidFill>
+            <a:srgbClr val="FF8C00"/>
+          </a:solidFill>
+          <a:ln w="12700" cap="flat" cmpd="sng" algn="ctr">
+            <a:noFill/>
+            <a:prstDash val="solid"/>
+            <a:miter lim="800000"/>
+          </a:ln>
+          <a:effectLst/>
+          <a:extLst>
+            <a:ext uri="{91240B29-F687-4F45-9708-019B960494DF}">
+              <a14:hiddenLine xmlns:a14="http://schemas.microsoft.com/office/drawing/2010/main" w="12700" cap="flat" cmpd="sng" algn="ctr">
+                <a:solidFill>
+                  <a:schemeClr val="accent1">
+                    <a:shade val="50000"/>
+                  </a:schemeClr>
+                </a:solidFill>
+                <a:prstDash val="solid"/>
+                <a:miter lim="800000"/>
+              </a14:hiddenLine>
+            </a:ext>
+          </a:extLst>
+        </p:spPr>
+        <p:style>
+          <a:lnRef idx="2">
+            <a:schemeClr val="accent1">
+              <a:shade val="50000"/>
+            </a:schemeClr>
+          </a:lnRef>
+          <a:fillRef idx="1">
+            <a:schemeClr val="accent1"/>
+          </a:fillRef>
+          <a:effectRef idx="0">
+            <a:schemeClr val="accent1"/>
+          </a:effectRef>
+          <a:fontRef idx="minor">
+            <a:schemeClr val="lt1"/>
+          </a:fontRef>
+        </p:style>
+        <p:txBody>
+          <a:bodyPr rtlCol="0" anchor="ctr"/>
+          <a:lstStyle/>
+          <a:p>
+            <a:pPr algn="ctr"/>
+            <a:r>
+              <a:rPr kumimoji="1" lang="en-US" altLang="ja-JP" dirty="0">
+                <a:solidFill>
+                  <a:srgbClr val="000000"/>
+                </a:solidFill>
+              </a:rPr>
+              <a:t>Translator</a:t>
+            </a:r>
+            <a:endParaRPr kumimoji="1" lang="ja-JP" altLang="en-US" dirty="0">
+              <a:solidFill>
+                <a:srgbClr val="000000"/>
+              </a:solidFill>
+            </a:endParaRPr>
+          </a:p>
+        </p:txBody>
+      </p:sp>
+      <p:sp>
+        <p:nvSpPr>
+          <p:cNvPr id="41" name="正方形/長方形 40">
+            <a:extLst>
+              <a:ext uri="{FF2B5EF4-FFF2-40B4-BE49-F238E27FC236}">
+                <a16:creationId xmlns:a16="http://schemas.microsoft.com/office/drawing/2014/main" id="{67D59FA0-2546-4028-9ED0-AC9D5CE44666}"/>
+              </a:ext>
+            </a:extLst>
+          </p:cNvPr>
+          <p:cNvSpPr/>
+          <p:nvPr>
+            <p:custDataLst>
+              <p:tags r:id="rId18"/>
             </p:custDataLst>
           </p:nvPr>
         </p:nvSpPr>
@@ -6949,7 +8093,7 @@
               <a:t>-&gt; </a:t>
             </a:r>
             <a:r>
-              <a:rPr lang="ja-JP" altLang="en-US">
+              <a:rPr lang="ja-JP" altLang="en-US" dirty="0">
                 <a:solidFill>
                   <a:srgbClr val="000000"/>
                 </a:solidFill>
@@ -6957,660 +8101,12 @@
               <a:t>機械</a:t>
             </a:r>
             <a:r>
-              <a:rPr kumimoji="1" lang="ja-JP" altLang="en-US">
+              <a:rPr kumimoji="1" lang="ja-JP" altLang="en-US" dirty="0">
                 <a:solidFill>
                   <a:srgbClr val="000000"/>
                 </a:solidFill>
               </a:rPr>
               <a:t>翻訳</a:t>
-            </a:r>
-            <a:endParaRPr kumimoji="1" lang="ja-JP" altLang="en-US" dirty="0">
-              <a:solidFill>
-                <a:srgbClr val="000000"/>
-              </a:solidFill>
-            </a:endParaRPr>
-          </a:p>
-        </p:txBody>
-      </p:sp>
-      <p:cxnSp>
-        <p:nvCxnSpPr>
-          <p:cNvPr id="42" name="コネクタ: カギ線 41">
-            <a:extLst>
-              <a:ext uri="{FF2B5EF4-FFF2-40B4-BE49-F238E27FC236}">
-                <a16:creationId xmlns:a16="http://schemas.microsoft.com/office/drawing/2014/main" id="{D00775DF-B2EA-4A47-A2C4-B943D1C6782B}"/>
-              </a:ext>
-            </a:extLst>
-          </p:cNvPr>
-          <p:cNvCxnSpPr>
-            <a:cxnSpLocks/>
-            <a:stCxn id="23" idx="0"/>
-            <a:endCxn id="9" idx="2"/>
-          </p:cNvCxnSpPr>
-          <p:nvPr/>
-        </p:nvCxnSpPr>
-        <p:spPr>
-          <a:xfrm rot="5400000" flipH="1" flipV="1">
-            <a:off x="2724166" y="1467285"/>
-            <a:ext cx="887493" cy="4090252"/>
-          </a:xfrm>
-          <a:prstGeom prst="bentConnector3">
-            <a:avLst>
-              <a:gd name="adj1" fmla="val 50000"/>
-            </a:avLst>
-          </a:prstGeom>
-          <a:ln w="76200">
-            <a:solidFill>
-              <a:srgbClr val="00B050"/>
-            </a:solidFill>
-            <a:tailEnd type="triangle"/>
-          </a:ln>
-        </p:spPr>
-        <p:style>
-          <a:lnRef idx="1">
-            <a:schemeClr val="accent1"/>
-          </a:lnRef>
-          <a:fillRef idx="0">
-            <a:schemeClr val="accent1"/>
-          </a:fillRef>
-          <a:effectRef idx="0">
-            <a:schemeClr val="accent1"/>
-          </a:effectRef>
-          <a:fontRef idx="minor">
-            <a:schemeClr val="tx1"/>
-          </a:fontRef>
-        </p:style>
-      </p:cxnSp>
-      <p:sp>
-        <p:nvSpPr>
-          <p:cNvPr id="45" name="正方形/長方形 44">
-            <a:extLst>
-              <a:ext uri="{FF2B5EF4-FFF2-40B4-BE49-F238E27FC236}">
-                <a16:creationId xmlns:a16="http://schemas.microsoft.com/office/drawing/2014/main" id="{0D219858-1E4C-4530-921A-86CADEC3C716}"/>
-              </a:ext>
-            </a:extLst>
-          </p:cNvPr>
-          <p:cNvSpPr/>
-          <p:nvPr>
-            <p:custDataLst>
-              <p:tags r:id="rId11"/>
-            </p:custDataLst>
-          </p:nvPr>
-        </p:nvSpPr>
-        <p:spPr>
-          <a:xfrm>
-            <a:off x="2152444" y="3384400"/>
-            <a:ext cx="1506630" cy="306887"/>
-          </a:xfrm>
-          <a:prstGeom prst="rect">
-            <a:avLst/>
-          </a:prstGeom>
-          <a:solidFill>
-            <a:srgbClr val="BAD80A"/>
-          </a:solidFill>
-          <a:ln w="12700" cap="flat" cmpd="sng" algn="ctr">
-            <a:noFill/>
-            <a:prstDash val="solid"/>
-            <a:miter lim="800000"/>
-          </a:ln>
-          <a:effectLst/>
-          <a:extLst>
-            <a:ext uri="{91240B29-F687-4F45-9708-019B960494DF}">
-              <a14:hiddenLine xmlns:a14="http://schemas.microsoft.com/office/drawing/2010/main" w="12700" cap="flat" cmpd="sng" algn="ctr">
-                <a:solidFill>
-                  <a:schemeClr val="accent1">
-                    <a:shade val="50000"/>
-                  </a:schemeClr>
-                </a:solidFill>
-                <a:prstDash val="solid"/>
-                <a:miter lim="800000"/>
-              </a14:hiddenLine>
-            </a:ext>
-          </a:extLst>
-        </p:spPr>
-        <p:style>
-          <a:lnRef idx="2">
-            <a:schemeClr val="accent1">
-              <a:shade val="50000"/>
-            </a:schemeClr>
-          </a:lnRef>
-          <a:fillRef idx="1">
-            <a:schemeClr val="accent1"/>
-          </a:fillRef>
-          <a:effectRef idx="0">
-            <a:schemeClr val="accent1"/>
-          </a:effectRef>
-          <a:fontRef idx="minor">
-            <a:schemeClr val="lt1"/>
-          </a:fontRef>
-        </p:style>
-        <p:txBody>
-          <a:bodyPr rtlCol="0" anchor="ctr"/>
-          <a:lstStyle/>
-          <a:p>
-            <a:pPr algn="ctr"/>
-            <a:r>
-              <a:rPr kumimoji="1" lang="en-US" altLang="ja-JP" dirty="0">
-                <a:solidFill>
-                  <a:srgbClr val="000000"/>
-                </a:solidFill>
-              </a:rPr>
-              <a:t>URL</a:t>
-            </a:r>
-            <a:r>
-              <a:rPr kumimoji="1" lang="ja-JP" altLang="en-US" dirty="0">
-                <a:solidFill>
-                  <a:srgbClr val="000000"/>
-                </a:solidFill>
-              </a:rPr>
-              <a:t>登録</a:t>
-            </a:r>
-          </a:p>
-        </p:txBody>
-      </p:sp>
-      <p:sp>
-        <p:nvSpPr>
-          <p:cNvPr id="55" name="正方形/長方形 54">
-            <a:extLst>
-              <a:ext uri="{FF2B5EF4-FFF2-40B4-BE49-F238E27FC236}">
-                <a16:creationId xmlns:a16="http://schemas.microsoft.com/office/drawing/2014/main" id="{A8958ED5-F0FA-42AE-A286-3C45B7A862AF}"/>
-              </a:ext>
-            </a:extLst>
-          </p:cNvPr>
-          <p:cNvSpPr/>
-          <p:nvPr>
-            <p:custDataLst>
-              <p:tags r:id="rId12"/>
-            </p:custDataLst>
-          </p:nvPr>
-        </p:nvSpPr>
-        <p:spPr>
-          <a:xfrm>
-            <a:off x="152293" y="4643697"/>
-            <a:ext cx="1904132" cy="306887"/>
-          </a:xfrm>
-          <a:prstGeom prst="rect">
-            <a:avLst/>
-          </a:prstGeom>
-          <a:solidFill>
-            <a:srgbClr val="E81123"/>
-          </a:solidFill>
-          <a:ln w="12700" cap="flat" cmpd="sng" algn="ctr">
-            <a:noFill/>
-            <a:prstDash val="solid"/>
-            <a:miter lim="800000"/>
-          </a:ln>
-          <a:effectLst/>
-          <a:extLst>
-            <a:ext uri="{91240B29-F687-4F45-9708-019B960494DF}">
-              <a14:hiddenLine xmlns:a14="http://schemas.microsoft.com/office/drawing/2010/main" w="12700" cap="flat" cmpd="sng" algn="ctr">
-                <a:solidFill>
-                  <a:schemeClr val="accent1">
-                    <a:shade val="50000"/>
-                  </a:schemeClr>
-                </a:solidFill>
-                <a:prstDash val="solid"/>
-                <a:miter lim="800000"/>
-              </a14:hiddenLine>
-            </a:ext>
-          </a:extLst>
-        </p:spPr>
-        <p:style>
-          <a:lnRef idx="2">
-            <a:schemeClr val="accent1">
-              <a:shade val="50000"/>
-            </a:schemeClr>
-          </a:lnRef>
-          <a:fillRef idx="1">
-            <a:schemeClr val="accent1"/>
-          </a:fillRef>
-          <a:effectRef idx="0">
-            <a:schemeClr val="accent1"/>
-          </a:effectRef>
-          <a:fontRef idx="minor">
-            <a:schemeClr val="lt1"/>
-          </a:fontRef>
-        </p:style>
-        <p:txBody>
-          <a:bodyPr rtlCol="0" anchor="ctr"/>
-          <a:lstStyle/>
-          <a:p>
-            <a:pPr algn="ctr"/>
-            <a:r>
-              <a:rPr kumimoji="1" lang="en-US" altLang="ja-JP" dirty="0">
-                <a:solidFill>
-                  <a:srgbClr val="FFFFFF"/>
-                </a:solidFill>
-              </a:rPr>
-              <a:t>C#/</a:t>
-            </a:r>
-            <a:r>
-              <a:rPr kumimoji="1" lang="ja-JP" altLang="en-US" dirty="0">
-                <a:solidFill>
-                  <a:srgbClr val="FFFFFF"/>
-                </a:solidFill>
-              </a:rPr>
-              <a:t>コマンドライン</a:t>
-            </a:r>
-          </a:p>
-        </p:txBody>
-      </p:sp>
-      <p:sp>
-        <p:nvSpPr>
-          <p:cNvPr id="33" name="正方形/長方形 32">
-            <a:extLst>
-              <a:ext uri="{FF2B5EF4-FFF2-40B4-BE49-F238E27FC236}">
-                <a16:creationId xmlns:a16="http://schemas.microsoft.com/office/drawing/2014/main" id="{61925FD2-CCE6-4C81-8182-6FB0DE386601}"/>
-              </a:ext>
-            </a:extLst>
-          </p:cNvPr>
-          <p:cNvSpPr/>
-          <p:nvPr>
-            <p:custDataLst>
-              <p:tags r:id="rId13"/>
-            </p:custDataLst>
-          </p:nvPr>
-        </p:nvSpPr>
-        <p:spPr>
-          <a:xfrm>
-            <a:off x="4566103" y="5824216"/>
-            <a:ext cx="2552613" cy="306887"/>
-          </a:xfrm>
-          <a:prstGeom prst="rect">
-            <a:avLst/>
-          </a:prstGeom>
-          <a:solidFill>
-            <a:srgbClr val="E81123"/>
-          </a:solidFill>
-          <a:ln w="12700" cap="flat" cmpd="sng" algn="ctr">
-            <a:noFill/>
-            <a:prstDash val="solid"/>
-            <a:miter lim="800000"/>
-          </a:ln>
-          <a:effectLst/>
-          <a:extLst>
-            <a:ext uri="{91240B29-F687-4F45-9708-019B960494DF}">
-              <a14:hiddenLine xmlns:a14="http://schemas.microsoft.com/office/drawing/2010/main" w="12700" cap="flat" cmpd="sng" algn="ctr">
-                <a:solidFill>
-                  <a:schemeClr val="accent1">
-                    <a:shade val="50000"/>
-                  </a:schemeClr>
-                </a:solidFill>
-                <a:prstDash val="solid"/>
-                <a:miter lim="800000"/>
-              </a14:hiddenLine>
-            </a:ext>
-          </a:extLst>
-        </p:spPr>
-        <p:style>
-          <a:lnRef idx="2">
-            <a:schemeClr val="accent1">
-              <a:shade val="50000"/>
-            </a:schemeClr>
-          </a:lnRef>
-          <a:fillRef idx="1">
-            <a:schemeClr val="accent1"/>
-          </a:fillRef>
-          <a:effectRef idx="0">
-            <a:schemeClr val="accent1"/>
-          </a:effectRef>
-          <a:fontRef idx="minor">
-            <a:schemeClr val="lt1"/>
-          </a:fontRef>
-        </p:style>
-        <p:txBody>
-          <a:bodyPr rtlCol="0" anchor="ctr"/>
-          <a:lstStyle/>
-          <a:p>
-            <a:pPr algn="ctr"/>
-            <a:r>
-              <a:rPr kumimoji="1" lang="ja-JP" altLang="en-US" dirty="0">
-                <a:solidFill>
-                  <a:srgbClr val="FFFFFF"/>
-                </a:solidFill>
-              </a:rPr>
-              <a:t>ファイル名</a:t>
-            </a:r>
-            <a:r>
-              <a:rPr kumimoji="1" lang="en-US" altLang="ja-JP" dirty="0">
-                <a:solidFill>
-                  <a:srgbClr val="FFFFFF"/>
-                </a:solidFill>
-              </a:rPr>
-              <a:t>=Primary Key</a:t>
-            </a:r>
-            <a:endParaRPr kumimoji="1" lang="ja-JP" altLang="en-US" dirty="0">
-              <a:solidFill>
-                <a:srgbClr val="FFFFFF"/>
-              </a:solidFill>
-            </a:endParaRPr>
-          </a:p>
-        </p:txBody>
-      </p:sp>
-      <p:sp>
-        <p:nvSpPr>
-          <p:cNvPr id="24" name="正方形/長方形 23">
-            <a:extLst>
-              <a:ext uri="{FF2B5EF4-FFF2-40B4-BE49-F238E27FC236}">
-                <a16:creationId xmlns:a16="http://schemas.microsoft.com/office/drawing/2014/main" id="{5BD7DBB9-DB4D-4EDD-8B39-1CD18D169E62}"/>
-              </a:ext>
-            </a:extLst>
-          </p:cNvPr>
-          <p:cNvSpPr/>
-          <p:nvPr>
-            <p:custDataLst>
-              <p:tags r:id="rId14"/>
-            </p:custDataLst>
-          </p:nvPr>
-        </p:nvSpPr>
-        <p:spPr>
-          <a:xfrm>
-            <a:off x="8477606" y="3691289"/>
-            <a:ext cx="1784464" cy="2598112"/>
-          </a:xfrm>
-          <a:prstGeom prst="rect">
-            <a:avLst/>
-          </a:prstGeom>
-          <a:solidFill>
-            <a:srgbClr val="68217A"/>
-          </a:solidFill>
-          <a:ln w="12700" cap="flat" cmpd="sng" algn="ctr">
-            <a:noFill/>
-            <a:prstDash val="solid"/>
-            <a:miter lim="800000"/>
-          </a:ln>
-          <a:effectLst/>
-          <a:extLst>
-            <a:ext uri="{91240B29-F687-4F45-9708-019B960494DF}">
-              <a14:hiddenLine xmlns:a14="http://schemas.microsoft.com/office/drawing/2010/main" w="12700" cap="flat" cmpd="sng" algn="ctr">
-                <a:solidFill>
-                  <a:schemeClr val="accent1">
-                    <a:shade val="50000"/>
-                  </a:schemeClr>
-                </a:solidFill>
-                <a:prstDash val="solid"/>
-                <a:miter lim="800000"/>
-              </a14:hiddenLine>
-            </a:ext>
-          </a:extLst>
-        </p:spPr>
-        <p:style>
-          <a:lnRef idx="2">
-            <a:schemeClr val="accent1">
-              <a:shade val="50000"/>
-            </a:schemeClr>
-          </a:lnRef>
-          <a:fillRef idx="1">
-            <a:schemeClr val="accent1"/>
-          </a:fillRef>
-          <a:effectRef idx="0">
-            <a:schemeClr val="accent1"/>
-          </a:effectRef>
-          <a:fontRef idx="minor">
-            <a:schemeClr val="lt1"/>
-          </a:fontRef>
-        </p:style>
-        <p:txBody>
-          <a:bodyPr rtlCol="0" anchor="t"/>
-          <a:lstStyle/>
-          <a:p>
-            <a:pPr algn="ctr"/>
-            <a:r>
-              <a:rPr lang="ja-JP" altLang="en-US" dirty="0">
-                <a:solidFill>
-                  <a:srgbClr val="FFFFFF"/>
-                </a:solidFill>
-              </a:rPr>
-              <a:t>全文検索</a:t>
-            </a:r>
-            <a:endParaRPr kumimoji="1" lang="ja-JP" altLang="en-US" dirty="0">
-              <a:solidFill>
-                <a:srgbClr val="FFFFFF"/>
-              </a:solidFill>
-            </a:endParaRPr>
-          </a:p>
-        </p:txBody>
-      </p:sp>
-      <p:pic>
-        <p:nvPicPr>
-          <p:cNvPr id="25" name="図 24">
-            <a:extLst>
-              <a:ext uri="{FF2B5EF4-FFF2-40B4-BE49-F238E27FC236}">
-                <a16:creationId xmlns:a16="http://schemas.microsoft.com/office/drawing/2014/main" id="{1C65204C-1C90-4B11-8265-0FABBBA4BAC7}"/>
-              </a:ext>
-            </a:extLst>
-          </p:cNvPr>
-          <p:cNvPicPr>
-            <a:picLocks noChangeAspect="1"/>
-          </p:cNvPicPr>
-          <p:nvPr/>
-        </p:nvPicPr>
-        <p:blipFill>
-          <a:blip r:embed="rId23">
-            <a:biLevel thresh="25000"/>
-            <a:extLst>
-              <a:ext uri="{28A0092B-C50C-407E-A947-70E740481C1C}">
-                <a14:useLocalDpi xmlns:a14="http://schemas.microsoft.com/office/drawing/2010/main" val="0"/>
-              </a:ext>
-            </a:extLst>
-          </a:blip>
-          <a:stretch>
-            <a:fillRect/>
-          </a:stretch>
-        </p:blipFill>
-        <p:spPr>
-          <a:xfrm>
-            <a:off x="8945253" y="4237626"/>
-            <a:ext cx="780290" cy="780290"/>
-          </a:xfrm>
-          <a:prstGeom prst="rect">
-            <a:avLst/>
-          </a:prstGeom>
-        </p:spPr>
-      </p:pic>
-      <p:sp>
-        <p:nvSpPr>
-          <p:cNvPr id="26" name="正方形/長方形 25">
-            <a:extLst>
-              <a:ext uri="{FF2B5EF4-FFF2-40B4-BE49-F238E27FC236}">
-                <a16:creationId xmlns:a16="http://schemas.microsoft.com/office/drawing/2014/main" id="{A3423C33-2CC3-49E8-B367-CB9F669025C9}"/>
-              </a:ext>
-            </a:extLst>
-          </p:cNvPr>
-          <p:cNvSpPr/>
-          <p:nvPr>
-            <p:custDataLst>
-              <p:tags r:id="rId15"/>
-            </p:custDataLst>
-          </p:nvPr>
-        </p:nvSpPr>
-        <p:spPr>
-          <a:xfrm>
-            <a:off x="8559448" y="4890483"/>
-            <a:ext cx="1665714" cy="306887"/>
-          </a:xfrm>
-          <a:prstGeom prst="rect">
-            <a:avLst/>
-          </a:prstGeom>
-          <a:solidFill>
-            <a:srgbClr val="FF8C00"/>
-          </a:solidFill>
-          <a:ln w="12700" cap="flat" cmpd="sng" algn="ctr">
-            <a:noFill/>
-            <a:prstDash val="solid"/>
-            <a:miter lim="800000"/>
-          </a:ln>
-          <a:effectLst/>
-          <a:extLst>
-            <a:ext uri="{91240B29-F687-4F45-9708-019B960494DF}">
-              <a14:hiddenLine xmlns:a14="http://schemas.microsoft.com/office/drawing/2010/main" w="12700" cap="flat" cmpd="sng" algn="ctr">
-                <a:solidFill>
-                  <a:schemeClr val="accent1">
-                    <a:shade val="50000"/>
-                  </a:schemeClr>
-                </a:solidFill>
-                <a:prstDash val="solid"/>
-                <a:miter lim="800000"/>
-              </a14:hiddenLine>
-            </a:ext>
-          </a:extLst>
-        </p:spPr>
-        <p:style>
-          <a:lnRef idx="2">
-            <a:schemeClr val="accent1">
-              <a:shade val="50000"/>
-            </a:schemeClr>
-          </a:lnRef>
-          <a:fillRef idx="1">
-            <a:schemeClr val="accent1"/>
-          </a:fillRef>
-          <a:effectRef idx="0">
-            <a:schemeClr val="accent1"/>
-          </a:effectRef>
-          <a:fontRef idx="minor">
-            <a:schemeClr val="lt1"/>
-          </a:fontRef>
-        </p:style>
-        <p:txBody>
-          <a:bodyPr rtlCol="0" anchor="ctr"/>
-          <a:lstStyle/>
-          <a:p>
-            <a:pPr algn="ctr"/>
-            <a:r>
-              <a:rPr kumimoji="1" lang="en-US" altLang="ja-JP" dirty="0">
-                <a:solidFill>
-                  <a:srgbClr val="000000"/>
-                </a:solidFill>
-              </a:rPr>
-              <a:t>Search</a:t>
-            </a:r>
-            <a:endParaRPr kumimoji="1" lang="ja-JP" altLang="en-US" dirty="0">
-              <a:solidFill>
-                <a:srgbClr val="000000"/>
-              </a:solidFill>
-            </a:endParaRPr>
-          </a:p>
-        </p:txBody>
-      </p:sp>
-      <p:cxnSp>
-        <p:nvCxnSpPr>
-          <p:cNvPr id="27" name="コネクタ: カギ線 26">
-            <a:extLst>
-              <a:ext uri="{FF2B5EF4-FFF2-40B4-BE49-F238E27FC236}">
-                <a16:creationId xmlns:a16="http://schemas.microsoft.com/office/drawing/2014/main" id="{1B183D3A-3E5A-4133-A0C4-C73F7A9612AC}"/>
-              </a:ext>
-            </a:extLst>
-          </p:cNvPr>
-          <p:cNvCxnSpPr>
-            <a:cxnSpLocks/>
-            <a:stCxn id="25" idx="0"/>
-          </p:cNvCxnSpPr>
-          <p:nvPr/>
-        </p:nvCxnSpPr>
-        <p:spPr>
-          <a:xfrm rot="16200000" flipV="1">
-            <a:off x="6689738" y="1591965"/>
-            <a:ext cx="1559107" cy="3732215"/>
-          </a:xfrm>
-          <a:prstGeom prst="bentConnector2">
-            <a:avLst/>
-          </a:prstGeom>
-          <a:ln w="76200">
-            <a:solidFill>
-              <a:srgbClr val="00B050"/>
-            </a:solidFill>
-            <a:tailEnd type="triangle"/>
-          </a:ln>
-        </p:spPr>
-        <p:style>
-          <a:lnRef idx="1">
-            <a:schemeClr val="accent1"/>
-          </a:lnRef>
-          <a:fillRef idx="0">
-            <a:schemeClr val="accent1"/>
-          </a:fillRef>
-          <a:effectRef idx="0">
-            <a:schemeClr val="accent1"/>
-          </a:effectRef>
-          <a:fontRef idx="minor">
-            <a:schemeClr val="tx1"/>
-          </a:fontRef>
-        </p:style>
-      </p:cxnSp>
-      <p:sp>
-        <p:nvSpPr>
-          <p:cNvPr id="28" name="正方形/長方形 27">
-            <a:extLst>
-              <a:ext uri="{FF2B5EF4-FFF2-40B4-BE49-F238E27FC236}">
-                <a16:creationId xmlns:a16="http://schemas.microsoft.com/office/drawing/2014/main" id="{5501A0DA-7352-4369-AA9C-BEF147469412}"/>
-              </a:ext>
-            </a:extLst>
-          </p:cNvPr>
-          <p:cNvSpPr/>
-          <p:nvPr>
-            <p:custDataLst>
-              <p:tags r:id="rId16"/>
-            </p:custDataLst>
-          </p:nvPr>
-        </p:nvSpPr>
-        <p:spPr>
-          <a:xfrm>
-            <a:off x="8511808" y="3042073"/>
-            <a:ext cx="1506630" cy="306887"/>
-          </a:xfrm>
-          <a:prstGeom prst="rect">
-            <a:avLst/>
-          </a:prstGeom>
-          <a:solidFill>
-            <a:srgbClr val="BAD80A"/>
-          </a:solidFill>
-          <a:ln w="12700" cap="flat" cmpd="sng" algn="ctr">
-            <a:noFill/>
-            <a:prstDash val="solid"/>
-            <a:miter lim="800000"/>
-          </a:ln>
-          <a:effectLst/>
-          <a:extLst>
-            <a:ext uri="{91240B29-F687-4F45-9708-019B960494DF}">
-              <a14:hiddenLine xmlns:a14="http://schemas.microsoft.com/office/drawing/2010/main" w="12700" cap="flat" cmpd="sng" algn="ctr">
-                <a:solidFill>
-                  <a:schemeClr val="accent1">
-                    <a:shade val="50000"/>
-                  </a:schemeClr>
-                </a:solidFill>
-                <a:prstDash val="solid"/>
-                <a:miter lim="800000"/>
-              </a14:hiddenLine>
-            </a:ext>
-          </a:extLst>
-        </p:spPr>
-        <p:style>
-          <a:lnRef idx="2">
-            <a:schemeClr val="accent1">
-              <a:shade val="50000"/>
-            </a:schemeClr>
-          </a:lnRef>
-          <a:fillRef idx="1">
-            <a:schemeClr val="accent1"/>
-          </a:fillRef>
-          <a:effectRef idx="0">
-            <a:schemeClr val="accent1"/>
-          </a:effectRef>
-          <a:fontRef idx="minor">
-            <a:schemeClr val="lt1"/>
-          </a:fontRef>
-        </p:style>
-        <p:txBody>
-          <a:bodyPr rtlCol="0" anchor="ctr"/>
-          <a:lstStyle/>
-          <a:p>
-            <a:pPr algn="ctr"/>
-            <a:r>
-              <a:rPr kumimoji="1" lang="ja-JP" altLang="en-US" dirty="0">
-                <a:solidFill>
-                  <a:srgbClr val="000000"/>
-                </a:solidFill>
-              </a:rPr>
-              <a:t>クロール</a:t>
             </a:r>
           </a:p>
         </p:txBody>
@@ -7689,7 +8185,7 @@
             <p:ph idx="1"/>
             <p:extLst>
               <p:ext uri="{D42A27DB-BD31-4B8C-83A1-F6EECF244321}">
-                <p14:modId xmlns:p14="http://schemas.microsoft.com/office/powerpoint/2010/main" val="3430273479"/>
+                <p14:modId xmlns:p14="http://schemas.microsoft.com/office/powerpoint/2010/main" val="3581127594"/>
               </p:ext>
             </p:extLst>
           </p:nvPr>
@@ -7895,7 +8391,7 @@
                       </a:r>
                       <a:r>
                         <a:rPr kumimoji="1" lang="ja-JP" altLang="en-US" dirty="0"/>
-                        <a:t>有効化まで時間がかかる</a:t>
+                        <a:t>無効化</a:t>
                       </a:r>
                       <a:br>
                         <a:rPr kumimoji="1" lang="en-US" altLang="ja-JP" dirty="0"/>
@@ -7937,6 +8433,79 @@
                       <a:r>
                         <a:rPr kumimoji="1" lang="en-US" altLang="ja-JP" dirty="0"/>
                         <a:t>3</a:t>
+                      </a:r>
+                      <a:endParaRPr kumimoji="1" lang="ja-JP" altLang="en-US" dirty="0"/>
+                    </a:p>
+                  </a:txBody>
+                  <a:tcPr marL="108218" marR="108218"/>
+                </a:tc>
+                <a:tc>
+                  <a:txBody>
+                    <a:bodyPr/>
+                    <a:lstStyle/>
+                    <a:p>
+                      <a:r>
+                        <a:rPr kumimoji="1" lang="en-US" altLang="ja-JP" dirty="0"/>
+                        <a:t>Microsoft Translator</a:t>
+                      </a:r>
+                      <a:r>
+                        <a:rPr kumimoji="1" lang="ja-JP" altLang="en-US" dirty="0"/>
+                        <a:t>の有効化</a:t>
+                      </a:r>
+                    </a:p>
+                  </a:txBody>
+                  <a:tcPr marL="108218" marR="108218"/>
+                </a:tc>
+                <a:tc>
+                  <a:txBody>
+                    <a:bodyPr/>
+                    <a:lstStyle/>
+                    <a:p>
+                      <a:r>
+                        <a:rPr kumimoji="1" lang="en-US" altLang="ja-JP" dirty="0"/>
+                        <a:t>- </a:t>
+                      </a:r>
+                      <a:r>
+                        <a:rPr kumimoji="1" lang="ja-JP" altLang="en-US" dirty="0"/>
+                        <a:t>有効化まで</a:t>
+                      </a:r>
+                      <a:r>
+                        <a:rPr kumimoji="1" lang="en-US" altLang="ja-JP" dirty="0"/>
+                        <a:t>10</a:t>
+                      </a:r>
+                      <a:r>
+                        <a:rPr kumimoji="1" lang="ja-JP" altLang="en-US" dirty="0"/>
+                        <a:t>分程度</a:t>
+                      </a:r>
+                    </a:p>
+                  </a:txBody>
+                  <a:tcPr marL="108218" marR="108218"/>
+                </a:tc>
+                <a:tc>
+                  <a:txBody>
+                    <a:bodyPr/>
+                    <a:lstStyle/>
+                    <a:p>
+                      <a:endParaRPr kumimoji="1" lang="ja-JP" altLang="en-US" dirty="0"/>
+                    </a:p>
+                  </a:txBody>
+                  <a:tcPr marL="108218" marR="108218"/>
+                </a:tc>
+                <a:extLst>
+                  <a:ext uri="{0D108BD9-81ED-4DB2-BD59-A6C34878D82A}">
+                    <a16:rowId xmlns:a16="http://schemas.microsoft.com/office/drawing/2014/main" val="3446283729"/>
+                  </a:ext>
+                </a:extLst>
+              </a:tr>
+              <a:tr h="370840">
+                <a:tc>
+                  <a:txBody>
+                    <a:bodyPr/>
+                    <a:lstStyle/>
+                    <a:p>
+                      <a:r>
+                        <a:rPr kumimoji="1" lang="en-US" altLang="ja-JP" dirty="0"/>
+                        <a:t>4</a:t>
                       </a:r>
                       <a:endParaRPr kumimoji="1" lang="ja-JP" altLang="en-US" dirty="0"/>
                     </a:p>
@@ -7994,7 +8563,7 @@
                     <a:p>
                       <a:r>
                         <a:rPr kumimoji="1" lang="en-US" altLang="ja-JP" dirty="0"/>
-                        <a:t>4</a:t>
+                        <a:t>5</a:t>
                       </a:r>
                       <a:endParaRPr kumimoji="1" lang="ja-JP" altLang="en-US" dirty="0"/>
                     </a:p>
@@ -8033,7 +8602,7 @@
                       </a:r>
                       <a:r>
                         <a:rPr kumimoji="1" lang="ja-JP" altLang="en-US" dirty="0"/>
-                        <a:t>の組み込み</a:t>
+                        <a:t>の組み込み済み</a:t>
                       </a:r>
                       <a:endParaRPr kumimoji="1" lang="en-US" altLang="ja-JP" dirty="0"/>
                     </a:p>
@@ -8043,8 +8612,24 @@
                         <a:buChar char="-"/>
                       </a:pPr>
                       <a:r>
+                        <a:rPr kumimoji="1" lang="en-US" altLang="ja-JP" dirty="0" err="1"/>
+                        <a:t>Web.config</a:t>
+                      </a:r>
+                      <a:r>
+                        <a:rPr kumimoji="1" lang="en-US" altLang="ja-JP" dirty="0"/>
+                        <a:t> </a:t>
+                      </a:r>
+                      <a:r>
                         <a:rPr kumimoji="1" lang="ja-JP" altLang="en-US" dirty="0"/>
-                        <a:t>字幕表示付き</a:t>
+                        <a:t>に</a:t>
+                      </a:r>
+                      <a:r>
+                        <a:rPr kumimoji="1" lang="en-US" altLang="ja-JP" dirty="0"/>
+                        <a:t>SQL Server</a:t>
+                      </a:r>
+                      <a:r>
+                        <a:rPr kumimoji="1" lang="ja-JP" altLang="en-US" dirty="0"/>
+                        <a:t>文字列設定</a:t>
                       </a:r>
                     </a:p>
                   </a:txBody>
@@ -8074,7 +8659,7 @@
                     <a:p>
                       <a:r>
                         <a:rPr kumimoji="1" lang="en-US" altLang="ja-JP" dirty="0"/>
-                        <a:t>5</a:t>
+                        <a:t>6</a:t>
                       </a:r>
                       <a:endParaRPr kumimoji="1" lang="ja-JP" altLang="en-US" dirty="0"/>
                     </a:p>
@@ -8088,7 +8673,7 @@
                     <a:p>
                       <a:r>
                         <a:rPr kumimoji="1" lang="en-US" altLang="ja-JP" dirty="0"/>
-                        <a:t>Web App</a:t>
+                        <a:t>Web App </a:t>
                       </a:r>
                       <a:r>
                         <a:rPr kumimoji="1" lang="ja-JP" altLang="en-US" dirty="0"/>
@@ -8103,18 +8688,10 @@
                     <a:bodyPr/>
                     <a:lstStyle/>
                     <a:p>
-                      <a:pPr marL="285750" indent="-285750">
+                      <a:pPr marL="0" indent="0">
                         <a:buFontTx/>
-                        <a:buChar char="-"/>
+                        <a:buNone/>
                       </a:pPr>
-                      <a:r>
-                        <a:rPr kumimoji="1" lang="en-US" altLang="ja-JP" dirty="0" err="1"/>
-                        <a:t>ApplicationInsights</a:t>
-                      </a:r>
-                      <a:r>
-                        <a:rPr kumimoji="1" lang="ja-JP" altLang="en-US" dirty="0"/>
-                        <a:t>の有効化必須</a:t>
-                      </a:r>
                       <a:endParaRPr kumimoji="1" lang="en-US" altLang="ja-JP" dirty="0"/>
                     </a:p>
                   </a:txBody>
@@ -8133,64 +8710,6 @@
                 <a:extLst>
                   <a:ext uri="{0D108BD9-81ED-4DB2-BD59-A6C34878D82A}">
                     <a16:rowId xmlns:a16="http://schemas.microsoft.com/office/drawing/2014/main" val="2906713904"/>
-                  </a:ext>
-                </a:extLst>
-              </a:tr>
-              <a:tr h="370840">
-                <a:tc>
-                  <a:txBody>
-                    <a:bodyPr/>
-                    <a:lstStyle/>
-                    <a:p>
-                      <a:r>
-                        <a:rPr kumimoji="1" lang="en-US" altLang="ja-JP" dirty="0"/>
-                        <a:t>6</a:t>
-                      </a:r>
-                      <a:endParaRPr kumimoji="1" lang="ja-JP" altLang="en-US" dirty="0"/>
-                    </a:p>
-                  </a:txBody>
-                  <a:tcPr marL="108218" marR="108218"/>
-                </a:tc>
-                <a:tc>
-                  <a:txBody>
-                    <a:bodyPr/>
-                    <a:lstStyle/>
-                    <a:p>
-                      <a:r>
-                        <a:rPr kumimoji="1" lang="en-US" altLang="ja-JP" dirty="0"/>
-                        <a:t>Microsoft Translator</a:t>
-                      </a:r>
-                      <a:r>
-                        <a:rPr kumimoji="1" lang="ja-JP" altLang="en-US" dirty="0"/>
-                        <a:t>の有効化</a:t>
-                      </a:r>
-                    </a:p>
-                  </a:txBody>
-                  <a:tcPr marL="108218" marR="108218"/>
-                </a:tc>
-                <a:tc>
-                  <a:txBody>
-                    <a:bodyPr/>
-                    <a:lstStyle/>
-                    <a:p>
-                      <a:endParaRPr kumimoji="1" lang="ja-JP" altLang="en-US" dirty="0"/>
-                    </a:p>
-                  </a:txBody>
-                  <a:tcPr marL="108218" marR="108218"/>
-                </a:tc>
-                <a:tc>
-                  <a:txBody>
-                    <a:bodyPr/>
-                    <a:lstStyle/>
-                    <a:p>
-                      <a:endParaRPr kumimoji="1" lang="ja-JP" altLang="en-US" dirty="0"/>
-                    </a:p>
-                  </a:txBody>
-                  <a:tcPr marL="108218" marR="108218"/>
-                </a:tc>
-                <a:extLst>
-                  <a:ext uri="{0D108BD9-81ED-4DB2-BD59-A6C34878D82A}">
-                    <a16:rowId xmlns:a16="http://schemas.microsoft.com/office/drawing/2014/main" val="856367272"/>
                   </a:ext>
                 </a:extLst>
               </a:tr>
@@ -8229,8 +8748,28 @@
                     <a:lstStyle/>
                     <a:p>
                       <a:r>
+                        <a:rPr kumimoji="1" lang="en-US" altLang="ja-JP" dirty="0"/>
+                        <a:t>- </a:t>
+                      </a:r>
+                      <a:r>
+                        <a:rPr kumimoji="1" lang="en-US" altLang="ja-JP" dirty="0" err="1"/>
+                        <a:t>app.config</a:t>
+                      </a:r>
+                      <a:r>
+                        <a:rPr kumimoji="1" lang="en-US" altLang="ja-JP" dirty="0"/>
+                        <a:t> </a:t>
+                      </a:r>
+                      <a:r>
                         <a:rPr kumimoji="1" lang="ja-JP" altLang="en-US" dirty="0"/>
-                        <a:t>サンプルコードあり</a:t>
+                        <a:t>に</a:t>
+                      </a:r>
+                      <a:r>
+                        <a:rPr kumimoji="1" lang="en-US" altLang="ja-JP" dirty="0"/>
+                        <a:t>Azure Parameter </a:t>
+                      </a:r>
+                      <a:r>
+                        <a:rPr kumimoji="1" lang="ja-JP" altLang="en-US" dirty="0"/>
+                        <a:t>設定</a:t>
                       </a:r>
                     </a:p>
                   </a:txBody>
@@ -8657,6 +9196,30 @@
 </file>
 
 <file path=ppt/tags/tag3.xml><?xml version="1.0" encoding="utf-8"?>
+<p:tagLst xmlns:a="http://schemas.openxmlformats.org/drawingml/2006/main" xmlns:r="http://schemas.openxmlformats.org/officeDocument/2006/relationships" xmlns:p="http://schemas.openxmlformats.org/presentationml/2006/main">
+  <p:tag name="MT_TILE" val="YES"/>
+</p:tagLst>
+</file>
+
+<file path=ppt/tags/tag30.xml><?xml version="1.0" encoding="utf-8"?>
+<p:tagLst xmlns:a="http://schemas.openxmlformats.org/drawingml/2006/main" xmlns:r="http://schemas.openxmlformats.org/officeDocument/2006/relationships" xmlns:p="http://schemas.openxmlformats.org/presentationml/2006/main">
+  <p:tag name="MT_TILE" val="YES"/>
+</p:tagLst>
+</file>
+
+<file path=ppt/tags/tag31.xml><?xml version="1.0" encoding="utf-8"?>
+<p:tagLst xmlns:a="http://schemas.openxmlformats.org/drawingml/2006/main" xmlns:r="http://schemas.openxmlformats.org/officeDocument/2006/relationships" xmlns:p="http://schemas.openxmlformats.org/presentationml/2006/main">
+  <p:tag name="MT_TILE" val="YES"/>
+</p:tagLst>
+</file>
+
+<file path=ppt/tags/tag32.xml><?xml version="1.0" encoding="utf-8"?>
+<p:tagLst xmlns:a="http://schemas.openxmlformats.org/drawingml/2006/main" xmlns:r="http://schemas.openxmlformats.org/officeDocument/2006/relationships" xmlns:p="http://schemas.openxmlformats.org/presentationml/2006/main">
+  <p:tag name="MT_TILE" val="YES"/>
+</p:tagLst>
+</file>
+
+<file path=ppt/tags/tag33.xml><?xml version="1.0" encoding="utf-8"?>
 <p:tagLst xmlns:a="http://schemas.openxmlformats.org/drawingml/2006/main" xmlns:r="http://schemas.openxmlformats.org/officeDocument/2006/relationships" xmlns:p="http://schemas.openxmlformats.org/presentationml/2006/main">
   <p:tag name="MT_TILE" val="YES"/>
 </p:tagLst>

--- a/doc/AzureAIWorkshop_CC_Translator.pptx
+++ b/doc/AzureAIWorkshop_CC_Translator.pptx
@@ -14,6 +14,7 @@
     <p:sldId id="277" r:id="rId8"/>
     <p:sldId id="278" r:id="rId9"/>
     <p:sldId id="280" r:id="rId10"/>
+    <p:sldId id="284" r:id="rId11"/>
   </p:sldIdLst>
   <p:sldSz cx="12192000" cy="6858000"/>
   <p:notesSz cx="6858000" cy="9144000"/>
@@ -282,7 +283,7 @@
           <a:p>
             <a:fld id="{F8009E47-AEB4-47DC-BF8F-94EB52FDC974}" type="datetimeFigureOut">
               <a:rPr kumimoji="1" lang="ja-JP" altLang="en-US" smtClean="0"/>
-              <a:t>2017/5/10</a:t>
+              <a:t>2017/5/11</a:t>
             </a:fld>
             <a:endParaRPr kumimoji="1" lang="ja-JP" altLang="en-US"/>
           </a:p>
@@ -512,7 +513,7 @@
           <a:p>
             <a:fld id="{F8009E47-AEB4-47DC-BF8F-94EB52FDC974}" type="datetimeFigureOut">
               <a:rPr kumimoji="1" lang="ja-JP" altLang="en-US" smtClean="0"/>
-              <a:t>2017/5/10</a:t>
+              <a:t>2017/5/11</a:t>
             </a:fld>
             <a:endParaRPr kumimoji="1" lang="ja-JP" altLang="en-US"/>
           </a:p>
@@ -752,7 +753,7 @@
           <a:p>
             <a:fld id="{F8009E47-AEB4-47DC-BF8F-94EB52FDC974}" type="datetimeFigureOut">
               <a:rPr kumimoji="1" lang="ja-JP" altLang="en-US" smtClean="0"/>
-              <a:t>2017/5/10</a:t>
+              <a:t>2017/5/11</a:t>
             </a:fld>
             <a:endParaRPr kumimoji="1" lang="ja-JP" altLang="en-US"/>
           </a:p>
@@ -982,7 +983,7 @@
           <a:p>
             <a:fld id="{F8009E47-AEB4-47DC-BF8F-94EB52FDC974}" type="datetimeFigureOut">
               <a:rPr kumimoji="1" lang="ja-JP" altLang="en-US" smtClean="0"/>
-              <a:t>2017/5/10</a:t>
+              <a:t>2017/5/11</a:t>
             </a:fld>
             <a:endParaRPr kumimoji="1" lang="ja-JP" altLang="en-US"/>
           </a:p>
@@ -1257,7 +1258,7 @@
           <a:p>
             <a:fld id="{F8009E47-AEB4-47DC-BF8F-94EB52FDC974}" type="datetimeFigureOut">
               <a:rPr kumimoji="1" lang="ja-JP" altLang="en-US" smtClean="0"/>
-              <a:t>2017/5/10</a:t>
+              <a:t>2017/5/11</a:t>
             </a:fld>
             <a:endParaRPr kumimoji="1" lang="ja-JP" altLang="en-US"/>
           </a:p>
@@ -1586,7 +1587,7 @@
           <a:p>
             <a:fld id="{F8009E47-AEB4-47DC-BF8F-94EB52FDC974}" type="datetimeFigureOut">
               <a:rPr kumimoji="1" lang="ja-JP" altLang="en-US" smtClean="0"/>
-              <a:t>2017/5/10</a:t>
+              <a:t>2017/5/11</a:t>
             </a:fld>
             <a:endParaRPr kumimoji="1" lang="ja-JP" altLang="en-US"/>
           </a:p>
@@ -2062,7 +2063,7 @@
           <a:p>
             <a:fld id="{F8009E47-AEB4-47DC-BF8F-94EB52FDC974}" type="datetimeFigureOut">
               <a:rPr kumimoji="1" lang="ja-JP" altLang="en-US" smtClean="0"/>
-              <a:t>2017/5/10</a:t>
+              <a:t>2017/5/11</a:t>
             </a:fld>
             <a:endParaRPr kumimoji="1" lang="ja-JP" altLang="en-US"/>
           </a:p>
@@ -2203,7 +2204,7 @@
           <a:p>
             <a:fld id="{F8009E47-AEB4-47DC-BF8F-94EB52FDC974}" type="datetimeFigureOut">
               <a:rPr kumimoji="1" lang="ja-JP" altLang="en-US" smtClean="0"/>
-              <a:t>2017/5/10</a:t>
+              <a:t>2017/5/11</a:t>
             </a:fld>
             <a:endParaRPr kumimoji="1" lang="ja-JP" altLang="en-US"/>
           </a:p>
@@ -2316,7 +2317,7 @@
           <a:p>
             <a:fld id="{F8009E47-AEB4-47DC-BF8F-94EB52FDC974}" type="datetimeFigureOut">
               <a:rPr kumimoji="1" lang="ja-JP" altLang="en-US" smtClean="0"/>
-              <a:t>2017/5/10</a:t>
+              <a:t>2017/5/11</a:t>
             </a:fld>
             <a:endParaRPr kumimoji="1" lang="ja-JP" altLang="en-US"/>
           </a:p>
@@ -2659,7 +2660,7 @@
           <a:p>
             <a:fld id="{F8009E47-AEB4-47DC-BF8F-94EB52FDC974}" type="datetimeFigureOut">
               <a:rPr kumimoji="1" lang="ja-JP" altLang="en-US" smtClean="0"/>
-              <a:t>2017/5/10</a:t>
+              <a:t>2017/5/11</a:t>
             </a:fld>
             <a:endParaRPr kumimoji="1" lang="ja-JP" altLang="en-US"/>
           </a:p>
@@ -2947,7 +2948,7 @@
           <a:p>
             <a:fld id="{F8009E47-AEB4-47DC-BF8F-94EB52FDC974}" type="datetimeFigureOut">
               <a:rPr kumimoji="1" lang="ja-JP" altLang="en-US" smtClean="0"/>
-              <a:t>2017/5/10</a:t>
+              <a:t>2017/5/11</a:t>
             </a:fld>
             <a:endParaRPr kumimoji="1" lang="ja-JP" altLang="en-US"/>
           </a:p>
@@ -3220,7 +3221,7 @@
           <a:p>
             <a:fld id="{F8009E47-AEB4-47DC-BF8F-94EB52FDC974}" type="datetimeFigureOut">
               <a:rPr kumimoji="1" lang="ja-JP" altLang="en-US" smtClean="0"/>
-              <a:t>2017/5/10</a:t>
+              <a:t>2017/5/11</a:t>
             </a:fld>
             <a:endParaRPr kumimoji="1" lang="ja-JP" altLang="en-US"/>
           </a:p>
@@ -3683,10 +3684,10 @@
       </p:sp>
       <p:sp>
         <p:nvSpPr>
-          <p:cNvPr id="3" name="サブタイトル 2">
-            <a:extLst>
-              <a:ext uri="{FF2B5EF4-FFF2-40B4-BE49-F238E27FC236}">
-                <a16:creationId xmlns:a16="http://schemas.microsoft.com/office/drawing/2014/main" id="{2255D0C6-746E-4A1F-ABB2-F2C6FD4CA0C6}"/>
+          <p:cNvPr id="5" name="サブタイトル 4">
+            <a:extLst>
+              <a:ext uri="{FF2B5EF4-FFF2-40B4-BE49-F238E27FC236}">
+                <a16:creationId xmlns:a16="http://schemas.microsoft.com/office/drawing/2014/main" id="{44C58191-9893-4822-A170-07A40F52DB6B}"/>
               </a:ext>
             </a:extLst>
           </p:cNvPr>
@@ -3702,7 +3703,7 @@
           <a:bodyPr/>
           <a:lstStyle/>
           <a:p>
-            <a:endParaRPr kumimoji="1" lang="ja-JP" altLang="en-US" dirty="0"/>
+            <a:endParaRPr lang="ja-JP" altLang="en-US"/>
           </a:p>
         </p:txBody>
       </p:sp>
@@ -3710,6 +3711,298 @@
     <p:extLst>
       <p:ext uri="{BB962C8B-B14F-4D97-AF65-F5344CB8AC3E}">
         <p14:creationId xmlns:p14="http://schemas.microsoft.com/office/powerpoint/2010/main" val="474708020"/>
+      </p:ext>
+    </p:extLst>
+  </p:cSld>
+  <p:clrMapOvr>
+    <a:masterClrMapping/>
+  </p:clrMapOvr>
+</p:sld>
+</file>
+
+<file path=ppt/slides/slide10.xml><?xml version="1.0" encoding="utf-8"?>
+<p:sld xmlns:a="http://schemas.openxmlformats.org/drawingml/2006/main" xmlns:r="http://schemas.openxmlformats.org/officeDocument/2006/relationships" xmlns:p="http://schemas.openxmlformats.org/presentationml/2006/main">
+  <p:cSld>
+    <p:spTree>
+      <p:nvGrpSpPr>
+        <p:cNvPr id="1" name=""/>
+        <p:cNvGrpSpPr/>
+        <p:nvPr/>
+      </p:nvGrpSpPr>
+      <p:grpSpPr>
+        <a:xfrm>
+          <a:off x="0" y="0"/>
+          <a:ext cx="0" cy="0"/>
+          <a:chOff x="0" y="0"/>
+          <a:chExt cx="0" cy="0"/>
+        </a:xfrm>
+      </p:grpSpPr>
+      <p:pic>
+        <p:nvPicPr>
+          <p:cNvPr id="12" name="コンテンツ プレースホルダー 4" descr="画面の領域"/>
+          <p:cNvPicPr>
+            <a:picLocks noChangeAspect="1"/>
+          </p:cNvPicPr>
+          <p:nvPr/>
+        </p:nvPicPr>
+        <p:blipFill rotWithShape="1">
+          <a:blip r:embed="rId2">
+            <a:extLst>
+              <a:ext uri="{28A0092B-C50C-407E-A947-70E740481C1C}">
+                <a14:useLocalDpi xmlns:a14="http://schemas.microsoft.com/office/drawing/2010/main" val="0"/>
+              </a:ext>
+            </a:extLst>
+          </a:blip>
+          <a:srcRect t="6589" r="9091" b="22878"/>
+          <a:stretch/>
+        </p:blipFill>
+        <p:spPr>
+          <a:xfrm>
+            <a:off x="20" y="10"/>
+            <a:ext cx="12191980" cy="6857990"/>
+          </a:xfrm>
+          <a:prstGeom prst="rect">
+            <a:avLst/>
+          </a:prstGeom>
+        </p:spPr>
+      </p:pic>
+      <p:sp>
+        <p:nvSpPr>
+          <p:cNvPr id="14" name="Rectangle 13"/>
+          <p:cNvSpPr>
+            <a:spLocks noGrp="1" noRot="1" noChangeAspect="1" noMove="1" noResize="1" noEditPoints="1" noAdjustHandles="1" noChangeArrowheads="1" noChangeShapeType="1" noTextEdit="1"/>
+          </p:cNvSpPr>
+          <p:nvPr>
+            <p:extLst>
+              <p:ext uri="{386F3935-93C4-4BCD-93E2-E3B085C9AB24}">
+                <p16:designElem xmlns:p16="http://schemas.microsoft.com/office/powerpoint/2015/main" val="1"/>
+              </p:ext>
+            </p:extLst>
+          </p:nvPr>
+        </p:nvSpPr>
+        <p:spPr bwMode="ltGray">
+          <a:xfrm>
+            <a:off x="336884" y="321176"/>
+            <a:ext cx="4332307" cy="5896743"/>
+          </a:xfrm>
+          <a:prstGeom prst="rect">
+            <a:avLst/>
+          </a:prstGeom>
+          <a:solidFill>
+            <a:schemeClr val="bg1">
+              <a:alpha val="90000"/>
+            </a:schemeClr>
+          </a:solidFill>
+          <a:ln w="127000" cap="sq" cmpd="thinThick">
+            <a:solidFill>
+              <a:schemeClr val="bg1"/>
+            </a:solidFill>
+          </a:ln>
+        </p:spPr>
+        <p:style>
+          <a:lnRef idx="2">
+            <a:schemeClr val="accent1">
+              <a:shade val="50000"/>
+            </a:schemeClr>
+          </a:lnRef>
+          <a:fillRef idx="1">
+            <a:schemeClr val="accent1"/>
+          </a:fillRef>
+          <a:effectRef idx="0">
+            <a:schemeClr val="accent1"/>
+          </a:effectRef>
+          <a:fontRef idx="minor">
+            <a:schemeClr val="lt1"/>
+          </a:fontRef>
+        </p:style>
+        <p:txBody>
+          <a:bodyPr rtlCol="0" anchor="ctr"/>
+          <a:lstStyle/>
+          <a:p>
+            <a:pPr algn="ctr"/>
+            <a:endParaRPr lang="en-US"/>
+          </a:p>
+        </p:txBody>
+      </p:sp>
+      <p:sp>
+        <p:nvSpPr>
+          <p:cNvPr id="2" name="タイトル 1">
+            <a:extLst>
+              <a:ext uri="{FF2B5EF4-FFF2-40B4-BE49-F238E27FC236}">
+                <a16:creationId xmlns:a16="http://schemas.microsoft.com/office/drawing/2014/main" id="{F96BAF67-D9F2-4A77-BD2C-2D110B1800C7}"/>
+              </a:ext>
+            </a:extLst>
+          </p:cNvPr>
+          <p:cNvSpPr>
+            <a:spLocks noGrp="1"/>
+          </p:cNvSpPr>
+          <p:nvPr>
+            <p:ph type="title"/>
+          </p:nvPr>
+        </p:nvSpPr>
+        <p:spPr>
+          <a:xfrm>
+            <a:off x="594805" y="640263"/>
+            <a:ext cx="3759240" cy="1344975"/>
+          </a:xfrm>
+        </p:spPr>
+        <p:txBody>
+          <a:bodyPr>
+            <a:normAutofit/>
+          </a:bodyPr>
+          <a:lstStyle/>
+          <a:p>
+            <a:r>
+              <a:rPr kumimoji="1" lang="en-US" altLang="ja-JP" sz="4000"/>
+              <a:t>Video</a:t>
+            </a:r>
+            <a:r>
+              <a:rPr lang="ja-JP" altLang="en-US" sz="4000"/>
+              <a:t> </a:t>
+            </a:r>
+            <a:r>
+              <a:rPr lang="en-US" altLang="ja-JP" sz="4000"/>
+              <a:t>Indexer</a:t>
+            </a:r>
+            <a:r>
+              <a:rPr lang="ja-JP" altLang="en-US" sz="4000"/>
+              <a:t> </a:t>
+            </a:r>
+            <a:r>
+              <a:rPr lang="en-US" altLang="ja-JP" sz="4000"/>
+              <a:t>API</a:t>
+            </a:r>
+            <a:endParaRPr kumimoji="1" lang="ja-JP" altLang="en-US" sz="4000"/>
+          </a:p>
+        </p:txBody>
+      </p:sp>
+      <p:sp>
+        <p:nvSpPr>
+          <p:cNvPr id="13" name="Content Placeholder 9"/>
+          <p:cNvSpPr>
+            <a:spLocks noGrp="1"/>
+          </p:cNvSpPr>
+          <p:nvPr>
+            <p:ph idx="1"/>
+          </p:nvPr>
+        </p:nvSpPr>
+        <p:spPr>
+          <a:xfrm>
+            <a:off x="594110" y="2121763"/>
+            <a:ext cx="3764826" cy="3773010"/>
+          </a:xfrm>
+        </p:spPr>
+        <p:txBody>
+          <a:bodyPr>
+            <a:normAutofit/>
+          </a:bodyPr>
+          <a:lstStyle/>
+          <a:p>
+            <a:r>
+              <a:rPr lang="ja-JP" altLang="en-US" sz="1800" dirty="0"/>
+              <a:t>包括的機能の</a:t>
+            </a:r>
+            <a:r>
+              <a:rPr lang="en-US" altLang="ja-JP" sz="1800" dirty="0"/>
+              <a:t>API</a:t>
+            </a:r>
+            <a:r>
+              <a:rPr lang="ja-JP" altLang="en-US" sz="1800" dirty="0"/>
+              <a:t>提供</a:t>
+            </a:r>
+            <a:endParaRPr lang="en-US" sz="1800" dirty="0"/>
+          </a:p>
+          <a:p>
+            <a:pPr lvl="1"/>
+            <a:r>
+              <a:rPr lang="en-US" sz="1400" dirty="0"/>
+              <a:t>Azure Media Services</a:t>
+            </a:r>
+          </a:p>
+          <a:p>
+            <a:pPr lvl="1"/>
+            <a:r>
+              <a:rPr lang="en-US" sz="1400" dirty="0"/>
+              <a:t>Cognitive Services (some API)</a:t>
+            </a:r>
+          </a:p>
+          <a:p>
+            <a:pPr lvl="1"/>
+            <a:r>
+              <a:rPr lang="en-US" sz="1400" dirty="0"/>
+              <a:t>Azure Cosmos DB</a:t>
+            </a:r>
+          </a:p>
+          <a:p>
+            <a:pPr lvl="1"/>
+            <a:r>
+              <a:rPr lang="en-US" sz="1400" dirty="0"/>
+              <a:t>Azure Search</a:t>
+            </a:r>
+          </a:p>
+          <a:p>
+            <a:r>
+              <a:rPr lang="ja-JP" altLang="en-US" sz="1800" dirty="0"/>
+              <a:t>ファイルは、</a:t>
+            </a:r>
+            <a:r>
+              <a:rPr lang="en-US" altLang="ja-JP" sz="1800" dirty="0"/>
+              <a:t>API</a:t>
+            </a:r>
+            <a:r>
+              <a:rPr lang="ja-JP" altLang="en-US" sz="1800" dirty="0"/>
+              <a:t>内部で保持</a:t>
+            </a:r>
+            <a:endParaRPr lang="en-US" sz="1800" dirty="0"/>
+          </a:p>
+          <a:p>
+            <a:r>
+              <a:rPr lang="en-US" sz="1800" dirty="0" err="1"/>
+              <a:t>Widges</a:t>
+            </a:r>
+            <a:r>
+              <a:rPr lang="en-US" sz="1800" dirty="0"/>
+              <a:t> - UI </a:t>
+            </a:r>
+            <a:r>
+              <a:rPr lang="ja-JP" altLang="en-US" sz="1800" dirty="0"/>
+              <a:t>部品も提供</a:t>
+            </a:r>
+            <a:endParaRPr lang="en-US" altLang="ja-JP" sz="1800" dirty="0"/>
+          </a:p>
+          <a:p>
+            <a:pPr lvl="1"/>
+            <a:r>
+              <a:rPr lang="en-US" sz="1400" dirty="0"/>
+              <a:t>Web</a:t>
+            </a:r>
+          </a:p>
+          <a:p>
+            <a:pPr lvl="1"/>
+            <a:r>
+              <a:rPr lang="en-US" sz="1400" dirty="0"/>
+              <a:t>Insights</a:t>
+            </a:r>
+          </a:p>
+          <a:p>
+            <a:r>
+              <a:rPr lang="en-US" sz="1800" dirty="0">
+                <a:hlinkClick r:id="rId3"/>
+              </a:rPr>
+              <a:t>https://docs.microsoft.com/ja-jp/azure/cognitive-services/video-indexer/video-indexer-overview</a:t>
+            </a:r>
+            <a:endParaRPr lang="en-US" sz="1800" dirty="0"/>
+          </a:p>
+          <a:p>
+            <a:pPr lvl="1"/>
+            <a:endParaRPr lang="en-US" sz="1400" dirty="0"/>
+          </a:p>
+        </p:txBody>
+      </p:sp>
+    </p:spTree>
+    <p:extLst>
+      <p:ext uri="{BB962C8B-B14F-4D97-AF65-F5344CB8AC3E}">
+        <p14:creationId xmlns:p14="http://schemas.microsoft.com/office/powerpoint/2010/main" val="1122492410"/>
       </p:ext>
     </p:extLst>
   </p:cSld>
@@ -5265,12 +5558,60 @@
           </a:fontRef>
         </p:style>
       </p:cxnSp>
-      <p:sp>
-        <p:nvSpPr>
-          <p:cNvPr id="41" name="正方形/長方形 40">
-            <a:extLst>
-              <a:ext uri="{FF2B5EF4-FFF2-40B4-BE49-F238E27FC236}">
-                <a16:creationId xmlns:a16="http://schemas.microsoft.com/office/drawing/2014/main" id="{67D59FA0-2546-4028-9ED0-AC9D5CE44666}"/>
+      <p:cxnSp>
+        <p:nvCxnSpPr>
+          <p:cNvPr id="42" name="コネクタ: カギ線 41">
+            <a:extLst>
+              <a:ext uri="{FF2B5EF4-FFF2-40B4-BE49-F238E27FC236}">
+                <a16:creationId xmlns:a16="http://schemas.microsoft.com/office/drawing/2014/main" id="{D00775DF-B2EA-4A47-A2C4-B943D1C6782B}"/>
+              </a:ext>
+            </a:extLst>
+          </p:cNvPr>
+          <p:cNvCxnSpPr>
+            <a:cxnSpLocks/>
+            <a:stCxn id="23" idx="0"/>
+            <a:endCxn id="9" idx="2"/>
+          </p:cNvCxnSpPr>
+          <p:nvPr/>
+        </p:nvCxnSpPr>
+        <p:spPr>
+          <a:xfrm rot="5400000" flipH="1" flipV="1">
+            <a:off x="2724166" y="1467285"/>
+            <a:ext cx="887493" cy="4090252"/>
+          </a:xfrm>
+          <a:prstGeom prst="bentConnector3">
+            <a:avLst>
+              <a:gd name="adj1" fmla="val 50000"/>
+            </a:avLst>
+          </a:prstGeom>
+          <a:ln w="76200">
+            <a:solidFill>
+              <a:srgbClr val="00B050"/>
+            </a:solidFill>
+            <a:tailEnd type="triangle"/>
+          </a:ln>
+        </p:spPr>
+        <p:style>
+          <a:lnRef idx="1">
+            <a:schemeClr val="accent1"/>
+          </a:lnRef>
+          <a:fillRef idx="0">
+            <a:schemeClr val="accent1"/>
+          </a:fillRef>
+          <a:effectRef idx="0">
+            <a:schemeClr val="accent1"/>
+          </a:effectRef>
+          <a:fontRef idx="minor">
+            <a:schemeClr val="tx1"/>
+          </a:fontRef>
+        </p:style>
+      </p:cxnSp>
+      <p:sp>
+        <p:nvSpPr>
+          <p:cNvPr id="45" name="正方形/長方形 44">
+            <a:extLst>
+              <a:ext uri="{FF2B5EF4-FFF2-40B4-BE49-F238E27FC236}">
+                <a16:creationId xmlns:a16="http://schemas.microsoft.com/office/drawing/2014/main" id="{0D219858-1E4C-4530-921A-86CADEC3C716}"/>
               </a:ext>
             </a:extLst>
           </p:cNvPr>
@@ -5278,6 +5619,523 @@
           <p:nvPr>
             <p:custDataLst>
               <p:tags r:id="rId10"/>
+            </p:custDataLst>
+          </p:nvPr>
+        </p:nvSpPr>
+        <p:spPr>
+          <a:xfrm>
+            <a:off x="2152444" y="3384400"/>
+            <a:ext cx="1506630" cy="306887"/>
+          </a:xfrm>
+          <a:prstGeom prst="rect">
+            <a:avLst/>
+          </a:prstGeom>
+          <a:solidFill>
+            <a:srgbClr val="BAD80A"/>
+          </a:solidFill>
+          <a:ln w="12700" cap="flat" cmpd="sng" algn="ctr">
+            <a:noFill/>
+            <a:prstDash val="solid"/>
+            <a:miter lim="800000"/>
+          </a:ln>
+          <a:effectLst/>
+          <a:extLst>
+            <a:ext uri="{91240B29-F687-4F45-9708-019B960494DF}">
+              <a14:hiddenLine xmlns:a14="http://schemas.microsoft.com/office/drawing/2010/main" w="12700" cap="flat" cmpd="sng" algn="ctr">
+                <a:solidFill>
+                  <a:schemeClr val="accent1">
+                    <a:shade val="50000"/>
+                  </a:schemeClr>
+                </a:solidFill>
+                <a:prstDash val="solid"/>
+                <a:miter lim="800000"/>
+              </a14:hiddenLine>
+            </a:ext>
+          </a:extLst>
+        </p:spPr>
+        <p:style>
+          <a:lnRef idx="2">
+            <a:schemeClr val="accent1">
+              <a:shade val="50000"/>
+            </a:schemeClr>
+          </a:lnRef>
+          <a:fillRef idx="1">
+            <a:schemeClr val="accent1"/>
+          </a:fillRef>
+          <a:effectRef idx="0">
+            <a:schemeClr val="accent1"/>
+          </a:effectRef>
+          <a:fontRef idx="minor">
+            <a:schemeClr val="lt1"/>
+          </a:fontRef>
+        </p:style>
+        <p:txBody>
+          <a:bodyPr rtlCol="0" anchor="ctr"/>
+          <a:lstStyle/>
+          <a:p>
+            <a:pPr algn="ctr"/>
+            <a:r>
+              <a:rPr kumimoji="1" lang="en-US" altLang="ja-JP" dirty="0">
+                <a:solidFill>
+                  <a:srgbClr val="000000"/>
+                </a:solidFill>
+              </a:rPr>
+              <a:t>URL</a:t>
+            </a:r>
+            <a:r>
+              <a:rPr kumimoji="1" lang="ja-JP" altLang="en-US" dirty="0">
+                <a:solidFill>
+                  <a:srgbClr val="000000"/>
+                </a:solidFill>
+              </a:rPr>
+              <a:t>登録</a:t>
+            </a:r>
+          </a:p>
+        </p:txBody>
+      </p:sp>
+      <p:sp>
+        <p:nvSpPr>
+          <p:cNvPr id="55" name="正方形/長方形 54">
+            <a:extLst>
+              <a:ext uri="{FF2B5EF4-FFF2-40B4-BE49-F238E27FC236}">
+                <a16:creationId xmlns:a16="http://schemas.microsoft.com/office/drawing/2014/main" id="{A8958ED5-F0FA-42AE-A286-3C45B7A862AF}"/>
+              </a:ext>
+            </a:extLst>
+          </p:cNvPr>
+          <p:cNvSpPr/>
+          <p:nvPr>
+            <p:custDataLst>
+              <p:tags r:id="rId11"/>
+            </p:custDataLst>
+          </p:nvPr>
+        </p:nvSpPr>
+        <p:spPr>
+          <a:xfrm>
+            <a:off x="152293" y="4643697"/>
+            <a:ext cx="1904132" cy="306887"/>
+          </a:xfrm>
+          <a:prstGeom prst="rect">
+            <a:avLst/>
+          </a:prstGeom>
+          <a:solidFill>
+            <a:srgbClr val="E81123"/>
+          </a:solidFill>
+          <a:ln w="12700" cap="flat" cmpd="sng" algn="ctr">
+            <a:noFill/>
+            <a:prstDash val="solid"/>
+            <a:miter lim="800000"/>
+          </a:ln>
+          <a:effectLst/>
+          <a:extLst>
+            <a:ext uri="{91240B29-F687-4F45-9708-019B960494DF}">
+              <a14:hiddenLine xmlns:a14="http://schemas.microsoft.com/office/drawing/2010/main" w="12700" cap="flat" cmpd="sng" algn="ctr">
+                <a:solidFill>
+                  <a:schemeClr val="accent1">
+                    <a:shade val="50000"/>
+                  </a:schemeClr>
+                </a:solidFill>
+                <a:prstDash val="solid"/>
+                <a:miter lim="800000"/>
+              </a14:hiddenLine>
+            </a:ext>
+          </a:extLst>
+        </p:spPr>
+        <p:style>
+          <a:lnRef idx="2">
+            <a:schemeClr val="accent1">
+              <a:shade val="50000"/>
+            </a:schemeClr>
+          </a:lnRef>
+          <a:fillRef idx="1">
+            <a:schemeClr val="accent1"/>
+          </a:fillRef>
+          <a:effectRef idx="0">
+            <a:schemeClr val="accent1"/>
+          </a:effectRef>
+          <a:fontRef idx="minor">
+            <a:schemeClr val="lt1"/>
+          </a:fontRef>
+        </p:style>
+        <p:txBody>
+          <a:bodyPr rtlCol="0" anchor="ctr"/>
+          <a:lstStyle/>
+          <a:p>
+            <a:pPr algn="ctr"/>
+            <a:r>
+              <a:rPr kumimoji="1" lang="en-US" altLang="ja-JP" dirty="0">
+                <a:solidFill>
+                  <a:srgbClr val="FFFFFF"/>
+                </a:solidFill>
+              </a:rPr>
+              <a:t>C#/</a:t>
+            </a:r>
+            <a:r>
+              <a:rPr kumimoji="1" lang="ja-JP" altLang="en-US" dirty="0">
+                <a:solidFill>
+                  <a:srgbClr val="FFFFFF"/>
+                </a:solidFill>
+              </a:rPr>
+              <a:t>コマンドライン</a:t>
+            </a:r>
+          </a:p>
+        </p:txBody>
+      </p:sp>
+      <p:sp>
+        <p:nvSpPr>
+          <p:cNvPr id="33" name="正方形/長方形 32">
+            <a:extLst>
+              <a:ext uri="{FF2B5EF4-FFF2-40B4-BE49-F238E27FC236}">
+                <a16:creationId xmlns:a16="http://schemas.microsoft.com/office/drawing/2014/main" id="{61925FD2-CCE6-4C81-8182-6FB0DE386601}"/>
+              </a:ext>
+            </a:extLst>
+          </p:cNvPr>
+          <p:cNvSpPr/>
+          <p:nvPr>
+            <p:custDataLst>
+              <p:tags r:id="rId12"/>
+            </p:custDataLst>
+          </p:nvPr>
+        </p:nvSpPr>
+        <p:spPr>
+          <a:xfrm>
+            <a:off x="4566103" y="5824216"/>
+            <a:ext cx="2552613" cy="306887"/>
+          </a:xfrm>
+          <a:prstGeom prst="rect">
+            <a:avLst/>
+          </a:prstGeom>
+          <a:solidFill>
+            <a:srgbClr val="E81123"/>
+          </a:solidFill>
+          <a:ln w="12700" cap="flat" cmpd="sng" algn="ctr">
+            <a:noFill/>
+            <a:prstDash val="solid"/>
+            <a:miter lim="800000"/>
+          </a:ln>
+          <a:effectLst/>
+          <a:extLst>
+            <a:ext uri="{91240B29-F687-4F45-9708-019B960494DF}">
+              <a14:hiddenLine xmlns:a14="http://schemas.microsoft.com/office/drawing/2010/main" w="12700" cap="flat" cmpd="sng" algn="ctr">
+                <a:solidFill>
+                  <a:schemeClr val="accent1">
+                    <a:shade val="50000"/>
+                  </a:schemeClr>
+                </a:solidFill>
+                <a:prstDash val="solid"/>
+                <a:miter lim="800000"/>
+              </a14:hiddenLine>
+            </a:ext>
+          </a:extLst>
+        </p:spPr>
+        <p:style>
+          <a:lnRef idx="2">
+            <a:schemeClr val="accent1">
+              <a:shade val="50000"/>
+            </a:schemeClr>
+          </a:lnRef>
+          <a:fillRef idx="1">
+            <a:schemeClr val="accent1"/>
+          </a:fillRef>
+          <a:effectRef idx="0">
+            <a:schemeClr val="accent1"/>
+          </a:effectRef>
+          <a:fontRef idx="minor">
+            <a:schemeClr val="lt1"/>
+          </a:fontRef>
+        </p:style>
+        <p:txBody>
+          <a:bodyPr rtlCol="0" anchor="ctr"/>
+          <a:lstStyle/>
+          <a:p>
+            <a:pPr algn="ctr"/>
+            <a:r>
+              <a:rPr kumimoji="1" lang="ja-JP" altLang="en-US" dirty="0">
+                <a:solidFill>
+                  <a:srgbClr val="FFFFFF"/>
+                </a:solidFill>
+              </a:rPr>
+              <a:t>ファイル名</a:t>
+            </a:r>
+            <a:r>
+              <a:rPr kumimoji="1" lang="en-US" altLang="ja-JP" dirty="0">
+                <a:solidFill>
+                  <a:srgbClr val="FFFFFF"/>
+                </a:solidFill>
+              </a:rPr>
+              <a:t>=Primary Key</a:t>
+            </a:r>
+            <a:endParaRPr kumimoji="1" lang="ja-JP" altLang="en-US" dirty="0">
+              <a:solidFill>
+                <a:srgbClr val="FFFFFF"/>
+              </a:solidFill>
+            </a:endParaRPr>
+          </a:p>
+        </p:txBody>
+      </p:sp>
+      <p:sp>
+        <p:nvSpPr>
+          <p:cNvPr id="26" name="正方形/長方形 25">
+            <a:extLst>
+              <a:ext uri="{FF2B5EF4-FFF2-40B4-BE49-F238E27FC236}">
+                <a16:creationId xmlns:a16="http://schemas.microsoft.com/office/drawing/2014/main" id="{B67BC3A3-AC8C-49B8-939A-81C0534D5FE8}"/>
+              </a:ext>
+            </a:extLst>
+          </p:cNvPr>
+          <p:cNvSpPr/>
+          <p:nvPr>
+            <p:custDataLst>
+              <p:tags r:id="rId13"/>
+            </p:custDataLst>
+          </p:nvPr>
+        </p:nvSpPr>
+        <p:spPr>
+          <a:xfrm>
+            <a:off x="6304384" y="3688624"/>
+            <a:ext cx="2004633" cy="1344176"/>
+          </a:xfrm>
+          <a:prstGeom prst="rect">
+            <a:avLst/>
+          </a:prstGeom>
+          <a:solidFill>
+            <a:srgbClr val="68217A"/>
+          </a:solidFill>
+          <a:ln w="12700" cap="flat" cmpd="sng" algn="ctr">
+            <a:noFill/>
+            <a:prstDash val="solid"/>
+            <a:miter lim="800000"/>
+          </a:ln>
+          <a:effectLst/>
+          <a:extLst>
+            <a:ext uri="{91240B29-F687-4F45-9708-019B960494DF}">
+              <a14:hiddenLine xmlns:a14="http://schemas.microsoft.com/office/drawing/2010/main" w="12700" cap="flat" cmpd="sng" algn="ctr">
+                <a:solidFill>
+                  <a:schemeClr val="accent1">
+                    <a:shade val="50000"/>
+                  </a:schemeClr>
+                </a:solidFill>
+                <a:prstDash val="solid"/>
+                <a:miter lim="800000"/>
+              </a14:hiddenLine>
+            </a:ext>
+          </a:extLst>
+        </p:spPr>
+        <p:style>
+          <a:lnRef idx="2">
+            <a:schemeClr val="accent1">
+              <a:shade val="50000"/>
+            </a:schemeClr>
+          </a:lnRef>
+          <a:fillRef idx="1">
+            <a:schemeClr val="accent1"/>
+          </a:fillRef>
+          <a:effectRef idx="0">
+            <a:schemeClr val="accent1"/>
+          </a:effectRef>
+          <a:fontRef idx="minor">
+            <a:schemeClr val="lt1"/>
+          </a:fontRef>
+        </p:style>
+        <p:txBody>
+          <a:bodyPr rtlCol="0" anchor="t"/>
+          <a:lstStyle/>
+          <a:p>
+            <a:pPr algn="ctr"/>
+            <a:r>
+              <a:rPr lang="en-US" altLang="ja-JP" dirty="0">
+                <a:solidFill>
+                  <a:srgbClr val="FFFFFF"/>
+                </a:solidFill>
+              </a:rPr>
+              <a:t>Cognitive</a:t>
+            </a:r>
+            <a:endParaRPr kumimoji="1" lang="ja-JP" altLang="en-US" dirty="0">
+              <a:solidFill>
+                <a:srgbClr val="FFFFFF"/>
+              </a:solidFill>
+            </a:endParaRPr>
+          </a:p>
+        </p:txBody>
+      </p:sp>
+      <p:pic>
+        <p:nvPicPr>
+          <p:cNvPr id="6" name="図 5">
+            <a:extLst>
+              <a:ext uri="{FF2B5EF4-FFF2-40B4-BE49-F238E27FC236}">
+                <a16:creationId xmlns:a16="http://schemas.microsoft.com/office/drawing/2014/main" id="{0AD1E651-882E-4D10-A1B1-CAFFE7795375}"/>
+              </a:ext>
+            </a:extLst>
+          </p:cNvPr>
+          <p:cNvPicPr>
+            <a:picLocks noChangeAspect="1"/>
+          </p:cNvPicPr>
+          <p:nvPr/>
+        </p:nvPicPr>
+        <p:blipFill>
+          <a:blip r:embed="rId22">
+            <a:biLevel thresh="25000"/>
+            <a:extLst>
+              <a:ext uri="{28A0092B-C50C-407E-A947-70E740481C1C}">
+                <a14:useLocalDpi xmlns:a14="http://schemas.microsoft.com/office/drawing/2010/main" val="0"/>
+              </a:ext>
+            </a:extLst>
+          </a:blip>
+          <a:stretch>
+            <a:fillRect/>
+          </a:stretch>
+        </p:blipFill>
+        <p:spPr>
+          <a:xfrm>
+            <a:off x="6916555" y="3970567"/>
+            <a:ext cx="780290" cy="780290"/>
+          </a:xfrm>
+          <a:prstGeom prst="rect">
+            <a:avLst/>
+          </a:prstGeom>
+        </p:spPr>
+      </p:pic>
+      <p:sp>
+        <p:nvSpPr>
+          <p:cNvPr id="27" name="正方形/長方形 26">
+            <a:extLst>
+              <a:ext uri="{FF2B5EF4-FFF2-40B4-BE49-F238E27FC236}">
+                <a16:creationId xmlns:a16="http://schemas.microsoft.com/office/drawing/2014/main" id="{2F5ECCF3-2FA2-4E03-A0A0-DA55496F07B0}"/>
+              </a:ext>
+            </a:extLst>
+          </p:cNvPr>
+          <p:cNvSpPr/>
+          <p:nvPr>
+            <p:custDataLst>
+              <p:tags r:id="rId14"/>
+            </p:custDataLst>
+          </p:nvPr>
+        </p:nvSpPr>
+        <p:spPr>
+          <a:xfrm>
+            <a:off x="6485967" y="4677048"/>
+            <a:ext cx="1665714" cy="306887"/>
+          </a:xfrm>
+          <a:prstGeom prst="rect">
+            <a:avLst/>
+          </a:prstGeom>
+          <a:solidFill>
+            <a:srgbClr val="FF8C00"/>
+          </a:solidFill>
+          <a:ln w="12700" cap="flat" cmpd="sng" algn="ctr">
+            <a:noFill/>
+            <a:prstDash val="solid"/>
+            <a:miter lim="800000"/>
+          </a:ln>
+          <a:effectLst/>
+          <a:extLst>
+            <a:ext uri="{91240B29-F687-4F45-9708-019B960494DF}">
+              <a14:hiddenLine xmlns:a14="http://schemas.microsoft.com/office/drawing/2010/main" w="12700" cap="flat" cmpd="sng" algn="ctr">
+                <a:solidFill>
+                  <a:schemeClr val="accent1">
+                    <a:shade val="50000"/>
+                  </a:schemeClr>
+                </a:solidFill>
+                <a:prstDash val="solid"/>
+                <a:miter lim="800000"/>
+              </a14:hiddenLine>
+            </a:ext>
+          </a:extLst>
+        </p:spPr>
+        <p:style>
+          <a:lnRef idx="2">
+            <a:schemeClr val="accent1">
+              <a:shade val="50000"/>
+            </a:schemeClr>
+          </a:lnRef>
+          <a:fillRef idx="1">
+            <a:schemeClr val="accent1"/>
+          </a:fillRef>
+          <a:effectRef idx="0">
+            <a:schemeClr val="accent1"/>
+          </a:effectRef>
+          <a:fontRef idx="minor">
+            <a:schemeClr val="lt1"/>
+          </a:fontRef>
+        </p:style>
+        <p:txBody>
+          <a:bodyPr rtlCol="0" anchor="ctr"/>
+          <a:lstStyle/>
+          <a:p>
+            <a:pPr algn="ctr"/>
+            <a:r>
+              <a:rPr kumimoji="1" lang="en-US" altLang="ja-JP" dirty="0">
+                <a:solidFill>
+                  <a:srgbClr val="000000"/>
+                </a:solidFill>
+              </a:rPr>
+              <a:t>Translator</a:t>
+            </a:r>
+            <a:endParaRPr kumimoji="1" lang="ja-JP" altLang="en-US" dirty="0">
+              <a:solidFill>
+                <a:srgbClr val="000000"/>
+              </a:solidFill>
+            </a:endParaRPr>
+          </a:p>
+        </p:txBody>
+      </p:sp>
+      <p:cxnSp>
+        <p:nvCxnSpPr>
+          <p:cNvPr id="28" name="コネクタ: カギ線 27">
+            <a:extLst>
+              <a:ext uri="{FF2B5EF4-FFF2-40B4-BE49-F238E27FC236}">
+                <a16:creationId xmlns:a16="http://schemas.microsoft.com/office/drawing/2014/main" id="{E3711716-6101-4CA9-B173-231C979EAA0B}"/>
+              </a:ext>
+            </a:extLst>
+          </p:cNvPr>
+          <p:cNvCxnSpPr>
+            <a:cxnSpLocks/>
+            <a:stCxn id="34" idx="3"/>
+            <a:endCxn id="27" idx="2"/>
+          </p:cNvCxnSpPr>
+          <p:nvPr/>
+        </p:nvCxnSpPr>
+        <p:spPr>
+          <a:xfrm flipV="1">
+            <a:off x="1489990" y="4983935"/>
+            <a:ext cx="5828834" cy="603580"/>
+          </a:xfrm>
+          <a:prstGeom prst="bentConnector2">
+            <a:avLst/>
+          </a:prstGeom>
+          <a:ln w="76200">
+            <a:solidFill>
+              <a:srgbClr val="00B050"/>
+            </a:solidFill>
+            <a:tailEnd type="triangle"/>
+          </a:ln>
+        </p:spPr>
+        <p:style>
+          <a:lnRef idx="1">
+            <a:schemeClr val="accent1"/>
+          </a:lnRef>
+          <a:fillRef idx="0">
+            <a:schemeClr val="accent1"/>
+          </a:fillRef>
+          <a:effectRef idx="0">
+            <a:schemeClr val="accent1"/>
+          </a:effectRef>
+          <a:fontRef idx="minor">
+            <a:schemeClr val="tx1"/>
+          </a:fontRef>
+        </p:style>
+      </p:cxnSp>
+      <p:sp>
+        <p:nvSpPr>
+          <p:cNvPr id="41" name="正方形/長方形 40">
+            <a:extLst>
+              <a:ext uri="{FF2B5EF4-FFF2-40B4-BE49-F238E27FC236}">
+                <a16:creationId xmlns:a16="http://schemas.microsoft.com/office/drawing/2014/main" id="{67D59FA0-2546-4028-9ED0-AC9D5CE44666}"/>
+              </a:ext>
+            </a:extLst>
+          </p:cNvPr>
+          <p:cNvSpPr/>
+          <p:nvPr>
+            <p:custDataLst>
+              <p:tags r:id="rId15"/>
             </p:custDataLst>
           </p:nvPr>
         </p:nvSpPr>
@@ -5382,7 +6240,7 @@
               <a:t>-&gt; </a:t>
             </a:r>
             <a:r>
-              <a:rPr lang="ja-JP" altLang="en-US">
+              <a:rPr lang="ja-JP" altLang="en-US" dirty="0">
                 <a:solidFill>
                   <a:srgbClr val="000000"/>
                 </a:solidFill>
@@ -5390,13 +6248,696 @@
               <a:t>機械</a:t>
             </a:r>
             <a:r>
-              <a:rPr kumimoji="1" lang="ja-JP" altLang="en-US">
+              <a:rPr kumimoji="1" lang="ja-JP" altLang="en-US" dirty="0">
                 <a:solidFill>
                   <a:srgbClr val="000000"/>
                 </a:solidFill>
               </a:rPr>
               <a:t>翻訳</a:t>
             </a:r>
+          </a:p>
+        </p:txBody>
+      </p:sp>
+    </p:spTree>
+    <p:extLst>
+      <p:ext uri="{BB962C8B-B14F-4D97-AF65-F5344CB8AC3E}">
+        <p14:creationId xmlns:p14="http://schemas.microsoft.com/office/powerpoint/2010/main" val="855510216"/>
+      </p:ext>
+    </p:extLst>
+  </p:cSld>
+  <p:clrMapOvr>
+    <a:masterClrMapping/>
+  </p:clrMapOvr>
+</p:sld>
+</file>
+
+<file path=ppt/slides/slide6.xml><?xml version="1.0" encoding="utf-8"?>
+<p:sld xmlns:a="http://schemas.openxmlformats.org/drawingml/2006/main" xmlns:r="http://schemas.openxmlformats.org/officeDocument/2006/relationships" xmlns:p="http://schemas.openxmlformats.org/presentationml/2006/main">
+  <p:cSld>
+    <p:spTree>
+      <p:nvGrpSpPr>
+        <p:cNvPr id="1" name=""/>
+        <p:cNvGrpSpPr/>
+        <p:nvPr/>
+      </p:nvGrpSpPr>
+      <p:grpSpPr>
+        <a:xfrm>
+          <a:off x="0" y="0"/>
+          <a:ext cx="0" cy="0"/>
+          <a:chOff x="0" y="0"/>
+          <a:chExt cx="0" cy="0"/>
+        </a:xfrm>
+      </p:grpSpPr>
+      <p:sp>
+        <p:nvSpPr>
+          <p:cNvPr id="2" name="タイトル 1">
+            <a:extLst>
+              <a:ext uri="{FF2B5EF4-FFF2-40B4-BE49-F238E27FC236}">
+                <a16:creationId xmlns:a16="http://schemas.microsoft.com/office/drawing/2014/main" id="{A5683527-EBE6-465A-B4B6-904B18C46200}"/>
+              </a:ext>
+            </a:extLst>
+          </p:cNvPr>
+          <p:cNvSpPr>
+            <a:spLocks noGrp="1"/>
+          </p:cNvSpPr>
+          <p:nvPr>
+            <p:ph type="title"/>
+          </p:nvPr>
+        </p:nvSpPr>
+        <p:spPr/>
+        <p:txBody>
+          <a:bodyPr/>
+          <a:lstStyle/>
+          <a:p>
+            <a:r>
+              <a:rPr kumimoji="1" lang="en-US" altLang="ja-JP" dirty="0"/>
+              <a:t>Application Architecture (</a:t>
+            </a:r>
+            <a:r>
+              <a:rPr lang="en-US" altLang="ja-JP" dirty="0"/>
+              <a:t>Day</a:t>
+            </a:r>
+            <a:r>
+              <a:rPr lang="ja-JP" altLang="en-US" dirty="0"/>
+              <a:t> </a:t>
+            </a:r>
+            <a:r>
+              <a:rPr lang="en-US" altLang="ja-JP" dirty="0"/>
+              <a:t>2</a:t>
+            </a:r>
+            <a:r>
+              <a:rPr kumimoji="1" lang="en-US" altLang="ja-JP" dirty="0"/>
+              <a:t>)</a:t>
+            </a:r>
+            <a:endParaRPr kumimoji="1" lang="ja-JP" altLang="en-US" dirty="0"/>
+          </a:p>
+        </p:txBody>
+      </p:sp>
+      <p:sp>
+        <p:nvSpPr>
+          <p:cNvPr id="4" name="正方形/長方形 3">
+            <a:extLst>
+              <a:ext uri="{FF2B5EF4-FFF2-40B4-BE49-F238E27FC236}">
+                <a16:creationId xmlns:a16="http://schemas.microsoft.com/office/drawing/2014/main" id="{02BD0CD5-BE52-4C14-9836-6EB4BC9E0451}"/>
+              </a:ext>
+            </a:extLst>
+          </p:cNvPr>
+          <p:cNvSpPr/>
+          <p:nvPr>
+            <p:custDataLst>
+              <p:tags r:id="rId1"/>
+            </p:custDataLst>
+          </p:nvPr>
+        </p:nvSpPr>
+        <p:spPr>
+          <a:xfrm>
+            <a:off x="363255" y="1521912"/>
+            <a:ext cx="1565753" cy="4916466"/>
+          </a:xfrm>
+          <a:prstGeom prst="rect">
+            <a:avLst/>
+          </a:prstGeom>
+          <a:solidFill>
+            <a:srgbClr val="007233"/>
+          </a:solidFill>
+          <a:ln w="12700" cap="flat" cmpd="sng" algn="ctr">
+            <a:noFill/>
+            <a:prstDash val="solid"/>
+            <a:miter lim="800000"/>
+          </a:ln>
+          <a:effectLst/>
+          <a:extLst>
+            <a:ext uri="{91240B29-F687-4F45-9708-019B960494DF}">
+              <a14:hiddenLine xmlns:a14="http://schemas.microsoft.com/office/drawing/2010/main" w="12700" cap="flat" cmpd="sng" algn="ctr">
+                <a:solidFill>
+                  <a:schemeClr val="accent1">
+                    <a:shade val="50000"/>
+                  </a:schemeClr>
+                </a:solidFill>
+                <a:prstDash val="solid"/>
+                <a:miter lim="800000"/>
+              </a14:hiddenLine>
+            </a:ext>
+          </a:extLst>
+        </p:spPr>
+        <p:style>
+          <a:lnRef idx="2">
+            <a:schemeClr val="accent1">
+              <a:shade val="50000"/>
+            </a:schemeClr>
+          </a:lnRef>
+          <a:fillRef idx="1">
+            <a:schemeClr val="accent1"/>
+          </a:fillRef>
+          <a:effectRef idx="0">
+            <a:schemeClr val="accent1"/>
+          </a:effectRef>
+          <a:fontRef idx="minor">
+            <a:schemeClr val="lt1"/>
+          </a:fontRef>
+        </p:style>
+        <p:txBody>
+          <a:bodyPr rtlCol="0" anchor="t"/>
+          <a:lstStyle/>
+          <a:p>
+            <a:pPr algn="ctr"/>
+            <a:r>
+              <a:rPr kumimoji="1" lang="en-US" altLang="ja-JP" dirty="0">
+                <a:solidFill>
+                  <a:srgbClr val="FFFFFF"/>
+                </a:solidFill>
+              </a:rPr>
+              <a:t>On Premise</a:t>
+            </a:r>
+            <a:endParaRPr kumimoji="1" lang="ja-JP" altLang="en-US" dirty="0">
+              <a:solidFill>
+                <a:srgbClr val="FFFFFF"/>
+              </a:solidFill>
+            </a:endParaRPr>
+          </a:p>
+        </p:txBody>
+      </p:sp>
+      <p:sp>
+        <p:nvSpPr>
+          <p:cNvPr id="5" name="正方形/長方形 4">
+            <a:extLst>
+              <a:ext uri="{FF2B5EF4-FFF2-40B4-BE49-F238E27FC236}">
+                <a16:creationId xmlns:a16="http://schemas.microsoft.com/office/drawing/2014/main" id="{45755E63-46B9-47DC-B574-F4228272D88D}"/>
+              </a:ext>
+            </a:extLst>
+          </p:cNvPr>
+          <p:cNvSpPr/>
+          <p:nvPr/>
+        </p:nvSpPr>
+        <p:spPr>
+          <a:xfrm>
+            <a:off x="2056357" y="1521912"/>
+            <a:ext cx="9772388" cy="4916466"/>
+          </a:xfrm>
+          <a:prstGeom prst="rect">
+            <a:avLst/>
+          </a:prstGeom>
+        </p:spPr>
+        <p:style>
+          <a:lnRef idx="2">
+            <a:schemeClr val="accent1">
+              <a:shade val="50000"/>
+            </a:schemeClr>
+          </a:lnRef>
+          <a:fillRef idx="1">
+            <a:schemeClr val="accent1"/>
+          </a:fillRef>
+          <a:effectRef idx="0">
+            <a:schemeClr val="accent1"/>
+          </a:effectRef>
+          <a:fontRef idx="minor">
+            <a:schemeClr val="lt1"/>
+          </a:fontRef>
+        </p:style>
+        <p:txBody>
+          <a:bodyPr rtlCol="0" anchor="t"/>
+          <a:lstStyle/>
+          <a:p>
+            <a:pPr algn="ctr"/>
+            <a:r>
+              <a:rPr kumimoji="1" lang="en-US" altLang="ja-JP" dirty="0"/>
+              <a:t>Azure</a:t>
+            </a:r>
+            <a:endParaRPr kumimoji="1" lang="ja-JP" altLang="en-US" dirty="0"/>
+          </a:p>
+        </p:txBody>
+      </p:sp>
+      <p:sp>
+        <p:nvSpPr>
+          <p:cNvPr id="10" name="正方形/長方形 9">
+            <a:extLst>
+              <a:ext uri="{FF2B5EF4-FFF2-40B4-BE49-F238E27FC236}">
+                <a16:creationId xmlns:a16="http://schemas.microsoft.com/office/drawing/2014/main" id="{62241589-AFC0-490E-AD05-3221188B074C}"/>
+              </a:ext>
+            </a:extLst>
+          </p:cNvPr>
+          <p:cNvSpPr/>
+          <p:nvPr>
+            <p:custDataLst>
+              <p:tags r:id="rId2"/>
+            </p:custDataLst>
+          </p:nvPr>
+        </p:nvSpPr>
+        <p:spPr>
+          <a:xfrm>
+            <a:off x="2498943" y="1952975"/>
+            <a:ext cx="3688915" cy="1476025"/>
+          </a:xfrm>
+          <a:prstGeom prst="rect">
+            <a:avLst/>
+          </a:prstGeom>
+          <a:solidFill>
+            <a:srgbClr val="68217A"/>
+          </a:solidFill>
+          <a:ln w="12700" cap="flat" cmpd="sng" algn="ctr">
+            <a:noFill/>
+            <a:prstDash val="solid"/>
+            <a:miter lim="800000"/>
+          </a:ln>
+          <a:effectLst/>
+          <a:extLst>
+            <a:ext uri="{91240B29-F687-4F45-9708-019B960494DF}">
+              <a14:hiddenLine xmlns:a14="http://schemas.microsoft.com/office/drawing/2010/main" w="12700" cap="flat" cmpd="sng" algn="ctr">
+                <a:solidFill>
+                  <a:schemeClr val="accent1">
+                    <a:shade val="50000"/>
+                  </a:schemeClr>
+                </a:solidFill>
+                <a:prstDash val="solid"/>
+                <a:miter lim="800000"/>
+              </a14:hiddenLine>
+            </a:ext>
+          </a:extLst>
+        </p:spPr>
+        <p:style>
+          <a:lnRef idx="2">
+            <a:schemeClr val="accent1">
+              <a:shade val="50000"/>
+            </a:schemeClr>
+          </a:lnRef>
+          <a:fillRef idx="1">
+            <a:schemeClr val="accent1"/>
+          </a:fillRef>
+          <a:effectRef idx="0">
+            <a:schemeClr val="accent1"/>
+          </a:effectRef>
+          <a:fontRef idx="minor">
+            <a:schemeClr val="lt1"/>
+          </a:fontRef>
+        </p:style>
+        <p:txBody>
+          <a:bodyPr rtlCol="0" anchor="t"/>
+          <a:lstStyle/>
+          <a:p>
+            <a:pPr algn="ctr"/>
+            <a:r>
+              <a:rPr kumimoji="1" lang="ja-JP" altLang="en-US" dirty="0">
+                <a:solidFill>
+                  <a:srgbClr val="FFFFFF"/>
+                </a:solidFill>
+              </a:rPr>
+              <a:t>メタデータ管理</a:t>
+            </a:r>
+          </a:p>
+        </p:txBody>
+      </p:sp>
+      <p:pic>
+        <p:nvPicPr>
+          <p:cNvPr id="7" name="図 6">
+            <a:extLst>
+              <a:ext uri="{FF2B5EF4-FFF2-40B4-BE49-F238E27FC236}">
+                <a16:creationId xmlns:a16="http://schemas.microsoft.com/office/drawing/2014/main" id="{795BA66B-36BF-499A-9458-D42BBF0952B9}"/>
+              </a:ext>
+            </a:extLst>
+          </p:cNvPr>
+          <p:cNvPicPr>
+            <a:picLocks noChangeAspect="1"/>
+          </p:cNvPicPr>
+          <p:nvPr/>
+        </p:nvPicPr>
+        <p:blipFill>
+          <a:blip r:embed="rId20">
+            <a:biLevel thresh="25000"/>
+            <a:extLst>
+              <a:ext uri="{28A0092B-C50C-407E-A947-70E740481C1C}">
+                <a14:useLocalDpi xmlns:a14="http://schemas.microsoft.com/office/drawing/2010/main" val="0"/>
+              </a:ext>
+            </a:extLst>
+          </a:blip>
+          <a:stretch>
+            <a:fillRect/>
+          </a:stretch>
+        </p:blipFill>
+        <p:spPr>
+          <a:xfrm>
+            <a:off x="3042110" y="2222314"/>
+            <a:ext cx="780290" cy="780290"/>
+          </a:xfrm>
+          <a:prstGeom prst="rect">
+            <a:avLst/>
+          </a:prstGeom>
+        </p:spPr>
+      </p:pic>
+      <p:pic>
+        <p:nvPicPr>
+          <p:cNvPr id="9" name="図 8">
+            <a:extLst>
+              <a:ext uri="{FF2B5EF4-FFF2-40B4-BE49-F238E27FC236}">
+                <a16:creationId xmlns:a16="http://schemas.microsoft.com/office/drawing/2014/main" id="{82109537-7387-4959-9483-F4625E16970A}"/>
+              </a:ext>
+            </a:extLst>
+          </p:cNvPr>
+          <p:cNvPicPr>
+            <a:picLocks noChangeAspect="1"/>
+          </p:cNvPicPr>
+          <p:nvPr/>
+        </p:nvPicPr>
+        <p:blipFill>
+          <a:blip r:embed="rId21">
+            <a:biLevel thresh="25000"/>
+            <a:extLst>
+              <a:ext uri="{28A0092B-C50C-407E-A947-70E740481C1C}">
+                <a14:useLocalDpi xmlns:a14="http://schemas.microsoft.com/office/drawing/2010/main" val="0"/>
+              </a:ext>
+            </a:extLst>
+          </a:blip>
+          <a:stretch>
+            <a:fillRect/>
+          </a:stretch>
+        </p:blipFill>
+        <p:spPr>
+          <a:xfrm>
+            <a:off x="4822893" y="2288374"/>
+            <a:ext cx="780290" cy="780290"/>
+          </a:xfrm>
+          <a:prstGeom prst="rect">
+            <a:avLst/>
+          </a:prstGeom>
+        </p:spPr>
+      </p:pic>
+      <p:sp>
+        <p:nvSpPr>
+          <p:cNvPr id="11" name="正方形/長方形 10">
+            <a:extLst>
+              <a:ext uri="{FF2B5EF4-FFF2-40B4-BE49-F238E27FC236}">
+                <a16:creationId xmlns:a16="http://schemas.microsoft.com/office/drawing/2014/main" id="{02BF4DCC-1E67-463D-B87A-FD9CFF608989}"/>
+              </a:ext>
+            </a:extLst>
+          </p:cNvPr>
+          <p:cNvSpPr/>
+          <p:nvPr>
+            <p:custDataLst>
+              <p:tags r:id="rId3"/>
+            </p:custDataLst>
+          </p:nvPr>
+        </p:nvSpPr>
+        <p:spPr>
+          <a:xfrm>
+            <a:off x="2498943" y="3691288"/>
+            <a:ext cx="3688915" cy="1344176"/>
+          </a:xfrm>
+          <a:prstGeom prst="rect">
+            <a:avLst/>
+          </a:prstGeom>
+          <a:solidFill>
+            <a:srgbClr val="68217A"/>
+          </a:solidFill>
+          <a:ln w="12700" cap="flat" cmpd="sng" algn="ctr">
+            <a:noFill/>
+            <a:prstDash val="solid"/>
+            <a:miter lim="800000"/>
+          </a:ln>
+          <a:effectLst/>
+          <a:extLst>
+            <a:ext uri="{91240B29-F687-4F45-9708-019B960494DF}">
+              <a14:hiddenLine xmlns:a14="http://schemas.microsoft.com/office/drawing/2010/main" w="12700" cap="flat" cmpd="sng" algn="ctr">
+                <a:solidFill>
+                  <a:schemeClr val="accent1">
+                    <a:shade val="50000"/>
+                  </a:schemeClr>
+                </a:solidFill>
+                <a:prstDash val="solid"/>
+                <a:miter lim="800000"/>
+              </a14:hiddenLine>
+            </a:ext>
+          </a:extLst>
+        </p:spPr>
+        <p:style>
+          <a:lnRef idx="2">
+            <a:schemeClr val="accent1">
+              <a:shade val="50000"/>
+            </a:schemeClr>
+          </a:lnRef>
+          <a:fillRef idx="1">
+            <a:schemeClr val="accent1"/>
+          </a:fillRef>
+          <a:effectRef idx="0">
+            <a:schemeClr val="accent1"/>
+          </a:effectRef>
+          <a:fontRef idx="minor">
+            <a:schemeClr val="lt1"/>
+          </a:fontRef>
+        </p:style>
+        <p:txBody>
+          <a:bodyPr rtlCol="0" anchor="t"/>
+          <a:lstStyle/>
+          <a:p>
+            <a:pPr algn="ctr"/>
+            <a:r>
+              <a:rPr lang="ja-JP" altLang="en-US" dirty="0">
+                <a:solidFill>
+                  <a:srgbClr val="FFFFFF"/>
+                </a:solidFill>
+              </a:rPr>
+              <a:t>ストリーミング</a:t>
+            </a:r>
+            <a:endParaRPr kumimoji="1" lang="ja-JP" altLang="en-US" dirty="0">
+              <a:solidFill>
+                <a:srgbClr val="FFFFFF"/>
+              </a:solidFill>
+            </a:endParaRPr>
+          </a:p>
+        </p:txBody>
+      </p:sp>
+      <p:pic>
+        <p:nvPicPr>
+          <p:cNvPr id="13" name="図 12">
+            <a:extLst>
+              <a:ext uri="{FF2B5EF4-FFF2-40B4-BE49-F238E27FC236}">
+                <a16:creationId xmlns:a16="http://schemas.microsoft.com/office/drawing/2014/main" id="{1E63403C-72CB-493F-A380-C896C8024FE5}"/>
+              </a:ext>
+            </a:extLst>
+          </p:cNvPr>
+          <p:cNvPicPr>
+            <a:picLocks noChangeAspect="1"/>
+          </p:cNvPicPr>
+          <p:nvPr/>
+        </p:nvPicPr>
+        <p:blipFill>
+          <a:blip r:embed="rId22">
+            <a:biLevel thresh="25000"/>
+            <a:extLst>
+              <a:ext uri="{28A0092B-C50C-407E-A947-70E740481C1C}">
+                <a14:useLocalDpi xmlns:a14="http://schemas.microsoft.com/office/drawing/2010/main" val="0"/>
+              </a:ext>
+            </a:extLst>
+          </a:blip>
+          <a:stretch>
+            <a:fillRect/>
+          </a:stretch>
+        </p:blipFill>
+        <p:spPr>
+          <a:xfrm>
+            <a:off x="4566103" y="3950154"/>
+            <a:ext cx="780290" cy="780290"/>
+          </a:xfrm>
+          <a:prstGeom prst="rect">
+            <a:avLst/>
+          </a:prstGeom>
+        </p:spPr>
+      </p:pic>
+      <p:sp>
+        <p:nvSpPr>
+          <p:cNvPr id="14" name="正方形/長方形 13">
+            <a:extLst>
+              <a:ext uri="{FF2B5EF4-FFF2-40B4-BE49-F238E27FC236}">
+                <a16:creationId xmlns:a16="http://schemas.microsoft.com/office/drawing/2014/main" id="{CA1036EA-951C-4E8D-A782-519AB9D535AC}"/>
+              </a:ext>
+            </a:extLst>
+          </p:cNvPr>
+          <p:cNvSpPr/>
+          <p:nvPr>
+            <p:custDataLst>
+              <p:tags r:id="rId4"/>
+            </p:custDataLst>
+          </p:nvPr>
+        </p:nvSpPr>
+        <p:spPr>
+          <a:xfrm>
+            <a:off x="2587244" y="2656771"/>
+            <a:ext cx="1665714" cy="306887"/>
+          </a:xfrm>
+          <a:prstGeom prst="rect">
+            <a:avLst/>
+          </a:prstGeom>
+          <a:solidFill>
+            <a:srgbClr val="E81123"/>
+          </a:solidFill>
+          <a:ln w="12700" cap="flat" cmpd="sng" algn="ctr">
+            <a:noFill/>
+            <a:prstDash val="solid"/>
+            <a:miter lim="800000"/>
+          </a:ln>
+          <a:effectLst/>
+          <a:extLst>
+            <a:ext uri="{91240B29-F687-4F45-9708-019B960494DF}">
+              <a14:hiddenLine xmlns:a14="http://schemas.microsoft.com/office/drawing/2010/main" w="12700" cap="flat" cmpd="sng" algn="ctr">
+                <a:solidFill>
+                  <a:schemeClr val="accent1">
+                    <a:shade val="50000"/>
+                  </a:schemeClr>
+                </a:solidFill>
+                <a:prstDash val="solid"/>
+                <a:miter lim="800000"/>
+              </a14:hiddenLine>
+            </a:ext>
+          </a:extLst>
+        </p:spPr>
+        <p:style>
+          <a:lnRef idx="2">
+            <a:schemeClr val="accent1">
+              <a:shade val="50000"/>
+            </a:schemeClr>
+          </a:lnRef>
+          <a:fillRef idx="1">
+            <a:schemeClr val="accent1"/>
+          </a:fillRef>
+          <a:effectRef idx="0">
+            <a:schemeClr val="accent1"/>
+          </a:effectRef>
+          <a:fontRef idx="minor">
+            <a:schemeClr val="lt1"/>
+          </a:fontRef>
+        </p:style>
+        <p:txBody>
+          <a:bodyPr rtlCol="0" anchor="ctr"/>
+          <a:lstStyle/>
+          <a:p>
+            <a:pPr algn="ctr"/>
+            <a:r>
+              <a:rPr kumimoji="1" lang="en-US" altLang="ja-JP" dirty="0">
+                <a:solidFill>
+                  <a:srgbClr val="FFFFFF"/>
+                </a:solidFill>
+              </a:rPr>
+              <a:t>ASP.NET MVC</a:t>
+            </a:r>
+            <a:endParaRPr kumimoji="1" lang="ja-JP" altLang="en-US" dirty="0">
+              <a:solidFill>
+                <a:srgbClr val="FFFFFF"/>
+              </a:solidFill>
+            </a:endParaRPr>
+          </a:p>
+        </p:txBody>
+      </p:sp>
+      <p:pic>
+        <p:nvPicPr>
+          <p:cNvPr id="18" name="図 17">
+            <a:extLst>
+              <a:ext uri="{FF2B5EF4-FFF2-40B4-BE49-F238E27FC236}">
+                <a16:creationId xmlns:a16="http://schemas.microsoft.com/office/drawing/2014/main" id="{3B773348-712C-4D15-9841-500536391892}"/>
+              </a:ext>
+            </a:extLst>
+          </p:cNvPr>
+          <p:cNvPicPr>
+            <a:picLocks noChangeAspect="1"/>
+          </p:cNvPicPr>
+          <p:nvPr/>
+        </p:nvPicPr>
+        <p:blipFill>
+          <a:blip r:embed="rId23">
+            <a:biLevel thresh="25000"/>
+            <a:extLst>
+              <a:ext uri="{28A0092B-C50C-407E-A947-70E740481C1C}">
+                <a14:useLocalDpi xmlns:a14="http://schemas.microsoft.com/office/drawing/2010/main" val="0"/>
+              </a:ext>
+            </a:extLst>
+          </a:blip>
+          <a:stretch>
+            <a:fillRect/>
+          </a:stretch>
+        </p:blipFill>
+        <p:spPr>
+          <a:xfrm>
+            <a:off x="2878784" y="3970567"/>
+            <a:ext cx="780290" cy="780290"/>
+          </a:xfrm>
+          <a:prstGeom prst="rect">
+            <a:avLst/>
+          </a:prstGeom>
+        </p:spPr>
+      </p:pic>
+      <p:sp>
+        <p:nvSpPr>
+          <p:cNvPr id="19" name="正方形/長方形 18">
+            <a:extLst>
+              <a:ext uri="{FF2B5EF4-FFF2-40B4-BE49-F238E27FC236}">
+                <a16:creationId xmlns:a16="http://schemas.microsoft.com/office/drawing/2014/main" id="{330866A7-0500-4C03-BFA6-64E7F93AAFEB}"/>
+              </a:ext>
+            </a:extLst>
+          </p:cNvPr>
+          <p:cNvSpPr/>
+          <p:nvPr>
+            <p:custDataLst>
+              <p:tags r:id="rId5"/>
+            </p:custDataLst>
+          </p:nvPr>
+        </p:nvSpPr>
+        <p:spPr>
+          <a:xfrm>
+            <a:off x="2587244" y="3044335"/>
+            <a:ext cx="1665714" cy="306887"/>
+          </a:xfrm>
+          <a:prstGeom prst="rect">
+            <a:avLst/>
+          </a:prstGeom>
+          <a:solidFill>
+            <a:srgbClr val="FF8C00"/>
+          </a:solidFill>
+          <a:ln w="12700" cap="flat" cmpd="sng" algn="ctr">
+            <a:noFill/>
+            <a:prstDash val="solid"/>
+            <a:miter lim="800000"/>
+          </a:ln>
+          <a:effectLst/>
+          <a:extLst>
+            <a:ext uri="{91240B29-F687-4F45-9708-019B960494DF}">
+              <a14:hiddenLine xmlns:a14="http://schemas.microsoft.com/office/drawing/2010/main" w="12700" cap="flat" cmpd="sng" algn="ctr">
+                <a:solidFill>
+                  <a:schemeClr val="accent1">
+                    <a:shade val="50000"/>
+                  </a:schemeClr>
+                </a:solidFill>
+                <a:prstDash val="solid"/>
+                <a:miter lim="800000"/>
+              </a14:hiddenLine>
+            </a:ext>
+          </a:extLst>
+        </p:spPr>
+        <p:style>
+          <a:lnRef idx="2">
+            <a:schemeClr val="accent1">
+              <a:shade val="50000"/>
+            </a:schemeClr>
+          </a:lnRef>
+          <a:fillRef idx="1">
+            <a:schemeClr val="accent1"/>
+          </a:fillRef>
+          <a:effectRef idx="0">
+            <a:schemeClr val="accent1"/>
+          </a:effectRef>
+          <a:fontRef idx="minor">
+            <a:schemeClr val="lt1"/>
+          </a:fontRef>
+        </p:style>
+        <p:txBody>
+          <a:bodyPr rtlCol="0" anchor="ctr"/>
+          <a:lstStyle/>
+          <a:p>
+            <a:pPr algn="ctr"/>
+            <a:r>
+              <a:rPr kumimoji="1" lang="en-US" altLang="ja-JP" dirty="0">
+                <a:solidFill>
+                  <a:srgbClr val="000000"/>
+                </a:solidFill>
+              </a:rPr>
+              <a:t>Web App</a:t>
+            </a:r>
             <a:endParaRPr kumimoji="1" lang="ja-JP" altLang="en-US" dirty="0">
               <a:solidFill>
                 <a:srgbClr val="000000"/>
@@ -5405,6 +6946,431 @@
           </a:p>
         </p:txBody>
       </p:sp>
+      <p:sp>
+        <p:nvSpPr>
+          <p:cNvPr id="20" name="正方形/長方形 19">
+            <a:extLst>
+              <a:ext uri="{FF2B5EF4-FFF2-40B4-BE49-F238E27FC236}">
+                <a16:creationId xmlns:a16="http://schemas.microsoft.com/office/drawing/2014/main" id="{F5D9DE44-FA4F-45C4-95B2-4255B663530E}"/>
+              </a:ext>
+            </a:extLst>
+          </p:cNvPr>
+          <p:cNvSpPr/>
+          <p:nvPr>
+            <p:custDataLst>
+              <p:tags r:id="rId6"/>
+            </p:custDataLst>
+          </p:nvPr>
+        </p:nvSpPr>
+        <p:spPr>
+          <a:xfrm>
+            <a:off x="4430286" y="3044334"/>
+            <a:ext cx="1665714" cy="306887"/>
+          </a:xfrm>
+          <a:prstGeom prst="rect">
+            <a:avLst/>
+          </a:prstGeom>
+          <a:solidFill>
+            <a:srgbClr val="FF8C00"/>
+          </a:solidFill>
+          <a:ln w="12700" cap="flat" cmpd="sng" algn="ctr">
+            <a:noFill/>
+            <a:prstDash val="solid"/>
+            <a:miter lim="800000"/>
+          </a:ln>
+          <a:effectLst/>
+          <a:extLst>
+            <a:ext uri="{91240B29-F687-4F45-9708-019B960494DF}">
+              <a14:hiddenLine xmlns:a14="http://schemas.microsoft.com/office/drawing/2010/main" w="12700" cap="flat" cmpd="sng" algn="ctr">
+                <a:solidFill>
+                  <a:schemeClr val="accent1">
+                    <a:shade val="50000"/>
+                  </a:schemeClr>
+                </a:solidFill>
+                <a:prstDash val="solid"/>
+                <a:miter lim="800000"/>
+              </a14:hiddenLine>
+            </a:ext>
+          </a:extLst>
+        </p:spPr>
+        <p:style>
+          <a:lnRef idx="2">
+            <a:schemeClr val="accent1">
+              <a:shade val="50000"/>
+            </a:schemeClr>
+          </a:lnRef>
+          <a:fillRef idx="1">
+            <a:schemeClr val="accent1"/>
+          </a:fillRef>
+          <a:effectRef idx="0">
+            <a:schemeClr val="accent1"/>
+          </a:effectRef>
+          <a:fontRef idx="minor">
+            <a:schemeClr val="lt1"/>
+          </a:fontRef>
+        </p:style>
+        <p:txBody>
+          <a:bodyPr rtlCol="0" anchor="ctr"/>
+          <a:lstStyle/>
+          <a:p>
+            <a:pPr algn="ctr"/>
+            <a:r>
+              <a:rPr kumimoji="1" lang="en-US" altLang="ja-JP" dirty="0">
+                <a:solidFill>
+                  <a:srgbClr val="000000"/>
+                </a:solidFill>
+              </a:rPr>
+              <a:t>SQL Database</a:t>
+            </a:r>
+            <a:endParaRPr kumimoji="1" lang="ja-JP" altLang="en-US" dirty="0">
+              <a:solidFill>
+                <a:srgbClr val="000000"/>
+              </a:solidFill>
+            </a:endParaRPr>
+          </a:p>
+        </p:txBody>
+      </p:sp>
+      <p:sp>
+        <p:nvSpPr>
+          <p:cNvPr id="21" name="正方形/長方形 20">
+            <a:extLst>
+              <a:ext uri="{FF2B5EF4-FFF2-40B4-BE49-F238E27FC236}">
+                <a16:creationId xmlns:a16="http://schemas.microsoft.com/office/drawing/2014/main" id="{48C48F73-B126-4888-9D6F-15CB9AF9F24E}"/>
+              </a:ext>
+            </a:extLst>
+          </p:cNvPr>
+          <p:cNvSpPr/>
+          <p:nvPr>
+            <p:custDataLst>
+              <p:tags r:id="rId7"/>
+            </p:custDataLst>
+          </p:nvPr>
+        </p:nvSpPr>
+        <p:spPr>
+          <a:xfrm>
+            <a:off x="4084891" y="4695410"/>
+            <a:ext cx="1665714" cy="306887"/>
+          </a:xfrm>
+          <a:prstGeom prst="rect">
+            <a:avLst/>
+          </a:prstGeom>
+          <a:solidFill>
+            <a:srgbClr val="FF8C00"/>
+          </a:solidFill>
+          <a:ln w="12700" cap="flat" cmpd="sng" algn="ctr">
+            <a:noFill/>
+            <a:prstDash val="solid"/>
+            <a:miter lim="800000"/>
+          </a:ln>
+          <a:effectLst/>
+          <a:extLst>
+            <a:ext uri="{91240B29-F687-4F45-9708-019B960494DF}">
+              <a14:hiddenLine xmlns:a14="http://schemas.microsoft.com/office/drawing/2010/main" w="12700" cap="flat" cmpd="sng" algn="ctr">
+                <a:solidFill>
+                  <a:schemeClr val="accent1">
+                    <a:shade val="50000"/>
+                  </a:schemeClr>
+                </a:solidFill>
+                <a:prstDash val="solid"/>
+                <a:miter lim="800000"/>
+              </a14:hiddenLine>
+            </a:ext>
+          </a:extLst>
+        </p:spPr>
+        <p:style>
+          <a:lnRef idx="2">
+            <a:schemeClr val="accent1">
+              <a:shade val="50000"/>
+            </a:schemeClr>
+          </a:lnRef>
+          <a:fillRef idx="1">
+            <a:schemeClr val="accent1"/>
+          </a:fillRef>
+          <a:effectRef idx="0">
+            <a:schemeClr val="accent1"/>
+          </a:effectRef>
+          <a:fontRef idx="minor">
+            <a:schemeClr val="lt1"/>
+          </a:fontRef>
+        </p:style>
+        <p:txBody>
+          <a:bodyPr rtlCol="0" anchor="ctr"/>
+          <a:lstStyle/>
+          <a:p>
+            <a:pPr algn="ctr"/>
+            <a:r>
+              <a:rPr kumimoji="1" lang="en-US" altLang="ja-JP" dirty="0">
+                <a:solidFill>
+                  <a:srgbClr val="000000"/>
+                </a:solidFill>
+              </a:rPr>
+              <a:t>Media Service</a:t>
+            </a:r>
+            <a:endParaRPr kumimoji="1" lang="ja-JP" altLang="en-US" dirty="0">
+              <a:solidFill>
+                <a:srgbClr val="000000"/>
+              </a:solidFill>
+            </a:endParaRPr>
+          </a:p>
+        </p:txBody>
+      </p:sp>
+      <p:sp>
+        <p:nvSpPr>
+          <p:cNvPr id="22" name="正方形/長方形 21">
+            <a:extLst>
+              <a:ext uri="{FF2B5EF4-FFF2-40B4-BE49-F238E27FC236}">
+                <a16:creationId xmlns:a16="http://schemas.microsoft.com/office/drawing/2014/main" id="{42684756-AB75-4711-ADDD-8BEFA3B9D995}"/>
+              </a:ext>
+            </a:extLst>
+          </p:cNvPr>
+          <p:cNvSpPr/>
+          <p:nvPr>
+            <p:custDataLst>
+              <p:tags r:id="rId8"/>
+            </p:custDataLst>
+          </p:nvPr>
+        </p:nvSpPr>
+        <p:spPr>
+          <a:xfrm>
+            <a:off x="2735097" y="4700778"/>
+            <a:ext cx="1051685" cy="306887"/>
+          </a:xfrm>
+          <a:prstGeom prst="rect">
+            <a:avLst/>
+          </a:prstGeom>
+          <a:solidFill>
+            <a:srgbClr val="FF8C00"/>
+          </a:solidFill>
+          <a:ln w="12700" cap="flat" cmpd="sng" algn="ctr">
+            <a:noFill/>
+            <a:prstDash val="solid"/>
+            <a:miter lim="800000"/>
+          </a:ln>
+          <a:effectLst/>
+          <a:extLst>
+            <a:ext uri="{91240B29-F687-4F45-9708-019B960494DF}">
+              <a14:hiddenLine xmlns:a14="http://schemas.microsoft.com/office/drawing/2010/main" w="12700" cap="flat" cmpd="sng" algn="ctr">
+                <a:solidFill>
+                  <a:schemeClr val="accent1">
+                    <a:shade val="50000"/>
+                  </a:schemeClr>
+                </a:solidFill>
+                <a:prstDash val="solid"/>
+                <a:miter lim="800000"/>
+              </a14:hiddenLine>
+            </a:ext>
+          </a:extLst>
+        </p:spPr>
+        <p:style>
+          <a:lnRef idx="2">
+            <a:schemeClr val="accent1">
+              <a:shade val="50000"/>
+            </a:schemeClr>
+          </a:lnRef>
+          <a:fillRef idx="1">
+            <a:schemeClr val="accent1"/>
+          </a:fillRef>
+          <a:effectRef idx="0">
+            <a:schemeClr val="accent1"/>
+          </a:effectRef>
+          <a:fontRef idx="minor">
+            <a:schemeClr val="lt1"/>
+          </a:fontRef>
+        </p:style>
+        <p:txBody>
+          <a:bodyPr rtlCol="0" anchor="ctr"/>
+          <a:lstStyle/>
+          <a:p>
+            <a:pPr algn="ctr"/>
+            <a:r>
+              <a:rPr kumimoji="1" lang="en-US" altLang="ja-JP" dirty="0">
+                <a:solidFill>
+                  <a:srgbClr val="000000"/>
+                </a:solidFill>
+              </a:rPr>
+              <a:t>CDN</a:t>
+            </a:r>
+            <a:endParaRPr kumimoji="1" lang="ja-JP" altLang="en-US" dirty="0">
+              <a:solidFill>
+                <a:srgbClr val="000000"/>
+              </a:solidFill>
+            </a:endParaRPr>
+          </a:p>
+        </p:txBody>
+      </p:sp>
+      <p:sp>
+        <p:nvSpPr>
+          <p:cNvPr id="23" name="正方形/長方形 22">
+            <a:extLst>
+              <a:ext uri="{FF2B5EF4-FFF2-40B4-BE49-F238E27FC236}">
+                <a16:creationId xmlns:a16="http://schemas.microsoft.com/office/drawing/2014/main" id="{788CA311-0D0F-4AA4-BF42-7060F808149E}"/>
+              </a:ext>
+            </a:extLst>
+          </p:cNvPr>
+          <p:cNvSpPr/>
+          <p:nvPr>
+            <p:custDataLst>
+              <p:tags r:id="rId9"/>
+            </p:custDataLst>
+          </p:nvPr>
+        </p:nvSpPr>
+        <p:spPr>
+          <a:xfrm>
+            <a:off x="491143" y="3956157"/>
+            <a:ext cx="1263285" cy="1127081"/>
+          </a:xfrm>
+          <a:prstGeom prst="rect">
+            <a:avLst/>
+          </a:prstGeom>
+          <a:solidFill>
+            <a:srgbClr val="68217A"/>
+          </a:solidFill>
+          <a:ln w="12700" cap="flat" cmpd="sng" algn="ctr">
+            <a:noFill/>
+            <a:prstDash val="solid"/>
+            <a:miter lim="800000"/>
+          </a:ln>
+          <a:effectLst/>
+          <a:extLst>
+            <a:ext uri="{91240B29-F687-4F45-9708-019B960494DF}">
+              <a14:hiddenLine xmlns:a14="http://schemas.microsoft.com/office/drawing/2010/main" w="12700" cap="flat" cmpd="sng" algn="ctr">
+                <a:solidFill>
+                  <a:schemeClr val="accent1">
+                    <a:shade val="50000"/>
+                  </a:schemeClr>
+                </a:solidFill>
+                <a:prstDash val="solid"/>
+                <a:miter lim="800000"/>
+              </a14:hiddenLine>
+            </a:ext>
+          </a:extLst>
+        </p:spPr>
+        <p:style>
+          <a:lnRef idx="2">
+            <a:schemeClr val="accent1">
+              <a:shade val="50000"/>
+            </a:schemeClr>
+          </a:lnRef>
+          <a:fillRef idx="1">
+            <a:schemeClr val="accent1"/>
+          </a:fillRef>
+          <a:effectRef idx="0">
+            <a:schemeClr val="accent1"/>
+          </a:effectRef>
+          <a:fontRef idx="minor">
+            <a:schemeClr val="lt1"/>
+          </a:fontRef>
+        </p:style>
+        <p:txBody>
+          <a:bodyPr rtlCol="0" anchor="t"/>
+          <a:lstStyle/>
+          <a:p>
+            <a:pPr algn="ctr"/>
+            <a:r>
+              <a:rPr lang="ja-JP" altLang="en-US" dirty="0">
+                <a:solidFill>
+                  <a:srgbClr val="FFFFFF"/>
+                </a:solidFill>
+              </a:rPr>
+              <a:t>ファイルアップロード先</a:t>
+            </a:r>
+            <a:endParaRPr kumimoji="1" lang="ja-JP" altLang="en-US" dirty="0">
+              <a:solidFill>
+                <a:srgbClr val="FFFFFF"/>
+              </a:solidFill>
+            </a:endParaRPr>
+          </a:p>
+        </p:txBody>
+      </p:sp>
+      <p:pic>
+        <p:nvPicPr>
+          <p:cNvPr id="34" name="図 33">
+            <a:extLst>
+              <a:ext uri="{FF2B5EF4-FFF2-40B4-BE49-F238E27FC236}">
+                <a16:creationId xmlns:a16="http://schemas.microsoft.com/office/drawing/2014/main" id="{6863B664-1D6B-4846-9D68-4F4C578FBECD}"/>
+              </a:ext>
+            </a:extLst>
+          </p:cNvPr>
+          <p:cNvPicPr>
+            <a:picLocks noChangeAspect="1"/>
+          </p:cNvPicPr>
+          <p:nvPr/>
+        </p:nvPicPr>
+        <p:blipFill>
+          <a:blip r:embed="rId24">
+            <a:duotone>
+              <a:schemeClr val="accent4">
+                <a:shade val="45000"/>
+                <a:satMod val="135000"/>
+              </a:schemeClr>
+              <a:prstClr val="white"/>
+            </a:duotone>
+            <a:extLst>
+              <a:ext uri="{28A0092B-C50C-407E-A947-70E740481C1C}">
+                <a14:useLocalDpi xmlns:a14="http://schemas.microsoft.com/office/drawing/2010/main" val="0"/>
+              </a:ext>
+            </a:extLst>
+          </a:blip>
+          <a:stretch>
+            <a:fillRect/>
+          </a:stretch>
+        </p:blipFill>
+        <p:spPr>
+          <a:xfrm>
+            <a:off x="709700" y="5197370"/>
+            <a:ext cx="780290" cy="780290"/>
+          </a:xfrm>
+          <a:prstGeom prst="rect">
+            <a:avLst/>
+          </a:prstGeom>
+        </p:spPr>
+      </p:pic>
+      <p:cxnSp>
+        <p:nvCxnSpPr>
+          <p:cNvPr id="35" name="コネクタ: カギ線 34">
+            <a:extLst>
+              <a:ext uri="{FF2B5EF4-FFF2-40B4-BE49-F238E27FC236}">
+                <a16:creationId xmlns:a16="http://schemas.microsoft.com/office/drawing/2014/main" id="{9B54E2D0-A4EB-4D6B-8FCE-4DB72D632C3C}"/>
+              </a:ext>
+            </a:extLst>
+          </p:cNvPr>
+          <p:cNvCxnSpPr>
+            <a:cxnSpLocks/>
+            <a:stCxn id="34" idx="3"/>
+            <a:endCxn id="21" idx="2"/>
+          </p:cNvCxnSpPr>
+          <p:nvPr/>
+        </p:nvCxnSpPr>
+        <p:spPr>
+          <a:xfrm flipV="1">
+            <a:off x="1489990" y="5002297"/>
+            <a:ext cx="3427758" cy="585218"/>
+          </a:xfrm>
+          <a:prstGeom prst="bentConnector2">
+            <a:avLst/>
+          </a:prstGeom>
+          <a:ln w="76200">
+            <a:solidFill>
+              <a:srgbClr val="00B050"/>
+            </a:solidFill>
+            <a:tailEnd type="triangle"/>
+          </a:ln>
+        </p:spPr>
+        <p:style>
+          <a:lnRef idx="1">
+            <a:schemeClr val="accent1"/>
+          </a:lnRef>
+          <a:fillRef idx="0">
+            <a:schemeClr val="accent1"/>
+          </a:fillRef>
+          <a:effectRef idx="0">
+            <a:schemeClr val="accent1"/>
+          </a:effectRef>
+          <a:fontRef idx="minor">
+            <a:schemeClr val="tx1"/>
+          </a:fontRef>
+        </p:style>
+      </p:cxnSp>
       <p:cxnSp>
         <p:nvCxnSpPr>
           <p:cNvPr id="42" name="コネクタ: カギ線 41">
@@ -5465,7 +7431,7 @@
           <p:cNvSpPr/>
           <p:nvPr>
             <p:custDataLst>
-              <p:tags r:id="rId11"/>
+              <p:tags r:id="rId10"/>
             </p:custDataLst>
           </p:nvPr>
         </p:nvSpPr>
@@ -5552,7 +7518,7 @@
           <p:cNvSpPr/>
           <p:nvPr>
             <p:custDataLst>
-              <p:tags r:id="rId12"/>
+              <p:tags r:id="rId11"/>
             </p:custDataLst>
           </p:nvPr>
         </p:nvSpPr>
@@ -5639,7 +7605,7 @@
           <p:cNvSpPr/>
           <p:nvPr>
             <p:custDataLst>
-              <p:tags r:id="rId13"/>
+              <p:tags r:id="rId12"/>
             </p:custDataLst>
           </p:nvPr>
         </p:nvSpPr>
@@ -5721,10 +7687,131 @@
       </p:sp>
       <p:sp>
         <p:nvSpPr>
+          <p:cNvPr id="24" name="正方形/長方形 23">
+            <a:extLst>
+              <a:ext uri="{FF2B5EF4-FFF2-40B4-BE49-F238E27FC236}">
+                <a16:creationId xmlns:a16="http://schemas.microsoft.com/office/drawing/2014/main" id="{5BD7DBB9-DB4D-4EDD-8B39-1CD18D169E62}"/>
+              </a:ext>
+            </a:extLst>
+          </p:cNvPr>
+          <p:cNvSpPr/>
+          <p:nvPr>
+            <p:custDataLst>
+              <p:tags r:id="rId13"/>
+            </p:custDataLst>
+          </p:nvPr>
+        </p:nvSpPr>
+        <p:spPr>
+          <a:xfrm>
+            <a:off x="9605447" y="3651528"/>
+            <a:ext cx="1784464" cy="2598112"/>
+          </a:xfrm>
+          <a:prstGeom prst="rect">
+            <a:avLst/>
+          </a:prstGeom>
+          <a:solidFill>
+            <a:srgbClr val="68217A"/>
+          </a:solidFill>
+          <a:ln w="12700" cap="flat" cmpd="sng" algn="ctr">
+            <a:noFill/>
+            <a:prstDash val="solid"/>
+            <a:miter lim="800000"/>
+          </a:ln>
+          <a:effectLst/>
+          <a:extLst>
+            <a:ext uri="{91240B29-F687-4F45-9708-019B960494DF}">
+              <a14:hiddenLine xmlns:a14="http://schemas.microsoft.com/office/drawing/2010/main" w="12700" cap="flat" cmpd="sng" algn="ctr">
+                <a:solidFill>
+                  <a:schemeClr val="accent1">
+                    <a:shade val="50000"/>
+                  </a:schemeClr>
+                </a:solidFill>
+                <a:prstDash val="solid"/>
+                <a:miter lim="800000"/>
+              </a14:hiddenLine>
+            </a:ext>
+          </a:extLst>
+        </p:spPr>
+        <p:style>
+          <a:lnRef idx="2">
+            <a:schemeClr val="accent1">
+              <a:shade val="50000"/>
+            </a:schemeClr>
+          </a:lnRef>
+          <a:fillRef idx="1">
+            <a:schemeClr val="accent1"/>
+          </a:fillRef>
+          <a:effectRef idx="0">
+            <a:schemeClr val="accent1"/>
+          </a:effectRef>
+          <a:fontRef idx="minor">
+            <a:schemeClr val="lt1"/>
+          </a:fontRef>
+        </p:style>
+        <p:txBody>
+          <a:bodyPr rtlCol="0" anchor="t"/>
+          <a:lstStyle/>
+          <a:p>
+            <a:pPr algn="ctr"/>
+            <a:r>
+              <a:rPr lang="ja-JP" altLang="en-US" dirty="0">
+                <a:solidFill>
+                  <a:srgbClr val="FFFFFF"/>
+                </a:solidFill>
+              </a:rPr>
+              <a:t>全文検索</a:t>
+            </a:r>
+            <a:endParaRPr kumimoji="1" lang="ja-JP" altLang="en-US" dirty="0">
+              <a:solidFill>
+                <a:srgbClr val="FFFFFF"/>
+              </a:solidFill>
+            </a:endParaRPr>
+          </a:p>
+        </p:txBody>
+      </p:sp>
+      <p:pic>
+        <p:nvPicPr>
+          <p:cNvPr id="25" name="図 24">
+            <a:extLst>
+              <a:ext uri="{FF2B5EF4-FFF2-40B4-BE49-F238E27FC236}">
+                <a16:creationId xmlns:a16="http://schemas.microsoft.com/office/drawing/2014/main" id="{1C65204C-1C90-4B11-8265-0FABBBA4BAC7}"/>
+              </a:ext>
+            </a:extLst>
+          </p:cNvPr>
+          <p:cNvPicPr>
+            <a:picLocks noChangeAspect="1"/>
+          </p:cNvPicPr>
+          <p:nvPr/>
+        </p:nvPicPr>
+        <p:blipFill>
+          <a:blip r:embed="rId25">
+            <a:biLevel thresh="25000"/>
+            <a:extLst>
+              <a:ext uri="{28A0092B-C50C-407E-A947-70E740481C1C}">
+                <a14:useLocalDpi xmlns:a14="http://schemas.microsoft.com/office/drawing/2010/main" val="0"/>
+              </a:ext>
+            </a:extLst>
+          </a:blip>
+          <a:stretch>
+            <a:fillRect/>
+          </a:stretch>
+        </p:blipFill>
+        <p:spPr>
+          <a:xfrm>
+            <a:off x="10073094" y="4197865"/>
+            <a:ext cx="780290" cy="780290"/>
+          </a:xfrm>
+          <a:prstGeom prst="rect">
+            <a:avLst/>
+          </a:prstGeom>
+        </p:spPr>
+      </p:pic>
+      <p:sp>
+        <p:nvSpPr>
           <p:cNvPr id="26" name="正方形/長方形 25">
             <a:extLst>
               <a:ext uri="{FF2B5EF4-FFF2-40B4-BE49-F238E27FC236}">
-                <a16:creationId xmlns:a16="http://schemas.microsoft.com/office/drawing/2014/main" id="{B67BC3A3-AC8C-49B8-939A-81C0534D5FE8}"/>
+                <a16:creationId xmlns:a16="http://schemas.microsoft.com/office/drawing/2014/main" id="{A3423C33-2CC3-49E8-B367-CB9F669025C9}"/>
               </a:ext>
             </a:extLst>
           </p:cNvPr>
@@ -5737,7 +7824,260 @@
         </p:nvSpPr>
         <p:spPr>
           <a:xfrm>
-            <a:off x="6304384" y="3688624"/>
+            <a:off x="9687289" y="4850722"/>
+            <a:ext cx="1665714" cy="306887"/>
+          </a:xfrm>
+          <a:prstGeom prst="rect">
+            <a:avLst/>
+          </a:prstGeom>
+          <a:solidFill>
+            <a:srgbClr val="FF8C00"/>
+          </a:solidFill>
+          <a:ln w="12700" cap="flat" cmpd="sng" algn="ctr">
+            <a:noFill/>
+            <a:prstDash val="solid"/>
+            <a:miter lim="800000"/>
+          </a:ln>
+          <a:effectLst/>
+          <a:extLst>
+            <a:ext uri="{91240B29-F687-4F45-9708-019B960494DF}">
+              <a14:hiddenLine xmlns:a14="http://schemas.microsoft.com/office/drawing/2010/main" w="12700" cap="flat" cmpd="sng" algn="ctr">
+                <a:solidFill>
+                  <a:schemeClr val="accent1">
+                    <a:shade val="50000"/>
+                  </a:schemeClr>
+                </a:solidFill>
+                <a:prstDash val="solid"/>
+                <a:miter lim="800000"/>
+              </a14:hiddenLine>
+            </a:ext>
+          </a:extLst>
+        </p:spPr>
+        <p:style>
+          <a:lnRef idx="2">
+            <a:schemeClr val="accent1">
+              <a:shade val="50000"/>
+            </a:schemeClr>
+          </a:lnRef>
+          <a:fillRef idx="1">
+            <a:schemeClr val="accent1"/>
+          </a:fillRef>
+          <a:effectRef idx="0">
+            <a:schemeClr val="accent1"/>
+          </a:effectRef>
+          <a:fontRef idx="minor">
+            <a:schemeClr val="lt1"/>
+          </a:fontRef>
+        </p:style>
+        <p:txBody>
+          <a:bodyPr rtlCol="0" anchor="ctr"/>
+          <a:lstStyle/>
+          <a:p>
+            <a:pPr algn="ctr"/>
+            <a:r>
+              <a:rPr kumimoji="1" lang="en-US" altLang="ja-JP" dirty="0">
+                <a:solidFill>
+                  <a:srgbClr val="000000"/>
+                </a:solidFill>
+              </a:rPr>
+              <a:t>Search</a:t>
+            </a:r>
+            <a:endParaRPr kumimoji="1" lang="ja-JP" altLang="en-US" dirty="0">
+              <a:solidFill>
+                <a:srgbClr val="000000"/>
+              </a:solidFill>
+            </a:endParaRPr>
+          </a:p>
+        </p:txBody>
+      </p:sp>
+      <p:cxnSp>
+        <p:nvCxnSpPr>
+          <p:cNvPr id="27" name="コネクタ: カギ線 26">
+            <a:extLst>
+              <a:ext uri="{FF2B5EF4-FFF2-40B4-BE49-F238E27FC236}">
+                <a16:creationId xmlns:a16="http://schemas.microsoft.com/office/drawing/2014/main" id="{1B183D3A-3E5A-4133-A0C4-C73F7A9612AC}"/>
+              </a:ext>
+            </a:extLst>
+          </p:cNvPr>
+          <p:cNvCxnSpPr>
+            <a:cxnSpLocks/>
+            <a:stCxn id="24" idx="0"/>
+          </p:cNvCxnSpPr>
+          <p:nvPr/>
+        </p:nvCxnSpPr>
+        <p:spPr>
+          <a:xfrm rot="16200000" flipV="1">
+            <a:off x="7494663" y="648511"/>
+            <a:ext cx="994756" cy="5011277"/>
+          </a:xfrm>
+          <a:prstGeom prst="bentConnector2">
+            <a:avLst/>
+          </a:prstGeom>
+          <a:ln w="76200">
+            <a:solidFill>
+              <a:srgbClr val="00B050"/>
+            </a:solidFill>
+            <a:tailEnd type="triangle"/>
+          </a:ln>
+        </p:spPr>
+        <p:style>
+          <a:lnRef idx="1">
+            <a:schemeClr val="accent1"/>
+          </a:lnRef>
+          <a:fillRef idx="0">
+            <a:schemeClr val="accent1"/>
+          </a:fillRef>
+          <a:effectRef idx="0">
+            <a:schemeClr val="accent1"/>
+          </a:effectRef>
+          <a:fontRef idx="minor">
+            <a:schemeClr val="tx1"/>
+          </a:fontRef>
+        </p:style>
+      </p:cxnSp>
+      <p:sp>
+        <p:nvSpPr>
+          <p:cNvPr id="28" name="正方形/長方形 27">
+            <a:extLst>
+              <a:ext uri="{FF2B5EF4-FFF2-40B4-BE49-F238E27FC236}">
+                <a16:creationId xmlns:a16="http://schemas.microsoft.com/office/drawing/2014/main" id="{5501A0DA-7352-4369-AA9C-BEF147469412}"/>
+              </a:ext>
+            </a:extLst>
+          </p:cNvPr>
+          <p:cNvSpPr/>
+          <p:nvPr>
+            <p:custDataLst>
+              <p:tags r:id="rId15"/>
+            </p:custDataLst>
+          </p:nvPr>
+        </p:nvSpPr>
+        <p:spPr>
+          <a:xfrm>
+            <a:off x="9639649" y="3002312"/>
+            <a:ext cx="1506630" cy="306887"/>
+          </a:xfrm>
+          <a:prstGeom prst="rect">
+            <a:avLst/>
+          </a:prstGeom>
+          <a:solidFill>
+            <a:srgbClr val="BAD80A"/>
+          </a:solidFill>
+          <a:ln w="12700" cap="flat" cmpd="sng" algn="ctr">
+            <a:noFill/>
+            <a:prstDash val="solid"/>
+            <a:miter lim="800000"/>
+          </a:ln>
+          <a:effectLst/>
+          <a:extLst>
+            <a:ext uri="{91240B29-F687-4F45-9708-019B960494DF}">
+              <a14:hiddenLine xmlns:a14="http://schemas.microsoft.com/office/drawing/2010/main" w="12700" cap="flat" cmpd="sng" algn="ctr">
+                <a:solidFill>
+                  <a:schemeClr val="accent1">
+                    <a:shade val="50000"/>
+                  </a:schemeClr>
+                </a:solidFill>
+                <a:prstDash val="solid"/>
+                <a:miter lim="800000"/>
+              </a14:hiddenLine>
+            </a:ext>
+          </a:extLst>
+        </p:spPr>
+        <p:style>
+          <a:lnRef idx="2">
+            <a:schemeClr val="accent1">
+              <a:shade val="50000"/>
+            </a:schemeClr>
+          </a:lnRef>
+          <a:fillRef idx="1">
+            <a:schemeClr val="accent1"/>
+          </a:fillRef>
+          <a:effectRef idx="0">
+            <a:schemeClr val="accent1"/>
+          </a:effectRef>
+          <a:fontRef idx="minor">
+            <a:schemeClr val="lt1"/>
+          </a:fontRef>
+        </p:style>
+        <p:txBody>
+          <a:bodyPr rtlCol="0" anchor="ctr"/>
+          <a:lstStyle/>
+          <a:p>
+            <a:pPr algn="ctr"/>
+            <a:r>
+              <a:rPr kumimoji="1" lang="ja-JP" altLang="en-US" dirty="0">
+                <a:solidFill>
+                  <a:srgbClr val="000000"/>
+                </a:solidFill>
+              </a:rPr>
+              <a:t>クロール</a:t>
+            </a:r>
+          </a:p>
+        </p:txBody>
+      </p:sp>
+      <p:cxnSp>
+        <p:nvCxnSpPr>
+          <p:cNvPr id="31" name="コネクタ: カギ線 30">
+            <a:extLst>
+              <a:ext uri="{FF2B5EF4-FFF2-40B4-BE49-F238E27FC236}">
+                <a16:creationId xmlns:a16="http://schemas.microsoft.com/office/drawing/2014/main" id="{D8F5098C-7837-4FDF-B356-CBB8FC9A3FE9}"/>
+              </a:ext>
+            </a:extLst>
+          </p:cNvPr>
+          <p:cNvCxnSpPr>
+            <a:cxnSpLocks/>
+            <a:endCxn id="30" idx="2"/>
+          </p:cNvCxnSpPr>
+          <p:nvPr/>
+        </p:nvCxnSpPr>
+        <p:spPr>
+          <a:xfrm flipV="1">
+            <a:off x="1489990" y="4983935"/>
+            <a:ext cx="5828834" cy="603580"/>
+          </a:xfrm>
+          <a:prstGeom prst="bentConnector2">
+            <a:avLst/>
+          </a:prstGeom>
+          <a:ln w="76200">
+            <a:solidFill>
+              <a:srgbClr val="00B050"/>
+            </a:solidFill>
+            <a:tailEnd type="triangle"/>
+          </a:ln>
+        </p:spPr>
+        <p:style>
+          <a:lnRef idx="1">
+            <a:schemeClr val="accent1"/>
+          </a:lnRef>
+          <a:fillRef idx="0">
+            <a:schemeClr val="accent1"/>
+          </a:fillRef>
+          <a:effectRef idx="0">
+            <a:schemeClr val="accent1"/>
+          </a:effectRef>
+          <a:fontRef idx="minor">
+            <a:schemeClr val="tx1"/>
+          </a:fontRef>
+        </p:style>
+      </p:cxnSp>
+      <p:sp>
+        <p:nvSpPr>
+          <p:cNvPr id="32" name="正方形/長方形 31">
+            <a:extLst>
+              <a:ext uri="{FF2B5EF4-FFF2-40B4-BE49-F238E27FC236}">
+                <a16:creationId xmlns:a16="http://schemas.microsoft.com/office/drawing/2014/main" id="{1663D13D-35D1-4E22-8534-52CAA1615B88}"/>
+              </a:ext>
+            </a:extLst>
+          </p:cNvPr>
+          <p:cNvSpPr/>
+          <p:nvPr>
+            <p:custDataLst>
+              <p:tags r:id="rId16"/>
+            </p:custDataLst>
+          </p:nvPr>
+        </p:nvSpPr>
+        <p:spPr>
+          <a:xfrm>
+            <a:off x="6305041" y="3687071"/>
             <a:ext cx="2004633" cy="1344176"/>
           </a:xfrm>
           <a:prstGeom prst="rect">
@@ -5805,10 +8145,10 @@
       </p:sp>
       <p:pic>
         <p:nvPicPr>
-          <p:cNvPr id="6" name="図 5">
-            <a:extLst>
-              <a:ext uri="{FF2B5EF4-FFF2-40B4-BE49-F238E27FC236}">
-                <a16:creationId xmlns:a16="http://schemas.microsoft.com/office/drawing/2014/main" id="{0AD1E651-882E-4D10-A1B1-CAFFE7795375}"/>
+          <p:cNvPr id="29" name="図 28">
+            <a:extLst>
+              <a:ext uri="{FF2B5EF4-FFF2-40B4-BE49-F238E27FC236}">
+                <a16:creationId xmlns:a16="http://schemas.microsoft.com/office/drawing/2014/main" id="{1A14D89D-434B-487D-8BF5-6DA8765921AE}"/>
               </a:ext>
             </a:extLst>
           </p:cNvPr>
@@ -5818,7 +8158,7 @@
           <p:nvPr/>
         </p:nvPicPr>
         <p:blipFill>
-          <a:blip r:embed="rId22">
+          <a:blip r:embed="rId26">
             <a:biLevel thresh="25000"/>
             <a:extLst>
               <a:ext uri="{28A0092B-C50C-407E-A947-70E740481C1C}">
@@ -5842,17 +8182,17 @@
       </p:pic>
       <p:sp>
         <p:nvSpPr>
-          <p:cNvPr id="27" name="正方形/長方形 26">
-            <a:extLst>
-              <a:ext uri="{FF2B5EF4-FFF2-40B4-BE49-F238E27FC236}">
-                <a16:creationId xmlns:a16="http://schemas.microsoft.com/office/drawing/2014/main" id="{2F5ECCF3-2FA2-4E03-A0A0-DA55496F07B0}"/>
+          <p:cNvPr id="30" name="正方形/長方形 29">
+            <a:extLst>
+              <a:ext uri="{FF2B5EF4-FFF2-40B4-BE49-F238E27FC236}">
+                <a16:creationId xmlns:a16="http://schemas.microsoft.com/office/drawing/2014/main" id="{931C3051-2F34-477F-A79F-D2923A16EDA4}"/>
               </a:ext>
             </a:extLst>
           </p:cNvPr>
           <p:cNvSpPr/>
           <p:nvPr>
             <p:custDataLst>
-              <p:tags r:id="rId15"/>
+              <p:tags r:id="rId17"/>
             </p:custDataLst>
           </p:nvPr>
         </p:nvSpPr>
@@ -5924,2058 +8264,6 @@
           </a:p>
         </p:txBody>
       </p:sp>
-      <p:cxnSp>
-        <p:nvCxnSpPr>
-          <p:cNvPr id="28" name="コネクタ: カギ線 27">
-            <a:extLst>
-              <a:ext uri="{FF2B5EF4-FFF2-40B4-BE49-F238E27FC236}">
-                <a16:creationId xmlns:a16="http://schemas.microsoft.com/office/drawing/2014/main" id="{E3711716-6101-4CA9-B173-231C979EAA0B}"/>
-              </a:ext>
-            </a:extLst>
-          </p:cNvPr>
-          <p:cNvCxnSpPr>
-            <a:cxnSpLocks/>
-            <a:stCxn id="34" idx="3"/>
-            <a:endCxn id="27" idx="2"/>
-          </p:cNvCxnSpPr>
-          <p:nvPr/>
-        </p:nvCxnSpPr>
-        <p:spPr>
-          <a:xfrm flipV="1">
-            <a:off x="1489990" y="4983935"/>
-            <a:ext cx="5828834" cy="603580"/>
-          </a:xfrm>
-          <a:prstGeom prst="bentConnector2">
-            <a:avLst/>
-          </a:prstGeom>
-          <a:ln w="76200">
-            <a:solidFill>
-              <a:srgbClr val="00B050"/>
-            </a:solidFill>
-            <a:tailEnd type="triangle"/>
-          </a:ln>
-        </p:spPr>
-        <p:style>
-          <a:lnRef idx="1">
-            <a:schemeClr val="accent1"/>
-          </a:lnRef>
-          <a:fillRef idx="0">
-            <a:schemeClr val="accent1"/>
-          </a:fillRef>
-          <a:effectRef idx="0">
-            <a:schemeClr val="accent1"/>
-          </a:effectRef>
-          <a:fontRef idx="minor">
-            <a:schemeClr val="tx1"/>
-          </a:fontRef>
-        </p:style>
-      </p:cxnSp>
-    </p:spTree>
-    <p:extLst>
-      <p:ext uri="{BB962C8B-B14F-4D97-AF65-F5344CB8AC3E}">
-        <p14:creationId xmlns:p14="http://schemas.microsoft.com/office/powerpoint/2010/main" val="855510216"/>
-      </p:ext>
-    </p:extLst>
-  </p:cSld>
-  <p:clrMapOvr>
-    <a:masterClrMapping/>
-  </p:clrMapOvr>
-</p:sld>
-</file>
-
-<file path=ppt/slides/slide6.xml><?xml version="1.0" encoding="utf-8"?>
-<p:sld xmlns:a="http://schemas.openxmlformats.org/drawingml/2006/main" xmlns:r="http://schemas.openxmlformats.org/officeDocument/2006/relationships" xmlns:p="http://schemas.openxmlformats.org/presentationml/2006/main">
-  <p:cSld>
-    <p:spTree>
-      <p:nvGrpSpPr>
-        <p:cNvPr id="1" name=""/>
-        <p:cNvGrpSpPr/>
-        <p:nvPr/>
-      </p:nvGrpSpPr>
-      <p:grpSpPr>
-        <a:xfrm>
-          <a:off x="0" y="0"/>
-          <a:ext cx="0" cy="0"/>
-          <a:chOff x="0" y="0"/>
-          <a:chExt cx="0" cy="0"/>
-        </a:xfrm>
-      </p:grpSpPr>
-      <p:sp>
-        <p:nvSpPr>
-          <p:cNvPr id="2" name="タイトル 1">
-            <a:extLst>
-              <a:ext uri="{FF2B5EF4-FFF2-40B4-BE49-F238E27FC236}">
-                <a16:creationId xmlns:a16="http://schemas.microsoft.com/office/drawing/2014/main" id="{A5683527-EBE6-465A-B4B6-904B18C46200}"/>
-              </a:ext>
-            </a:extLst>
-          </p:cNvPr>
-          <p:cNvSpPr>
-            <a:spLocks noGrp="1"/>
-          </p:cNvSpPr>
-          <p:nvPr>
-            <p:ph type="title"/>
-          </p:nvPr>
-        </p:nvSpPr>
-        <p:spPr/>
-        <p:txBody>
-          <a:bodyPr/>
-          <a:lstStyle/>
-          <a:p>
-            <a:r>
-              <a:rPr kumimoji="1" lang="en-US" altLang="ja-JP" dirty="0"/>
-              <a:t>Application Architecture (</a:t>
-            </a:r>
-            <a:r>
-              <a:rPr lang="en-US" altLang="ja-JP" dirty="0"/>
-              <a:t>Day</a:t>
-            </a:r>
-            <a:r>
-              <a:rPr lang="ja-JP" altLang="en-US" dirty="0"/>
-              <a:t> </a:t>
-            </a:r>
-            <a:r>
-              <a:rPr lang="en-US" altLang="ja-JP" dirty="0"/>
-              <a:t>2</a:t>
-            </a:r>
-            <a:r>
-              <a:rPr kumimoji="1" lang="en-US" altLang="ja-JP" dirty="0"/>
-              <a:t>)</a:t>
-            </a:r>
-            <a:endParaRPr kumimoji="1" lang="ja-JP" altLang="en-US" dirty="0"/>
-          </a:p>
-        </p:txBody>
-      </p:sp>
-      <p:sp>
-        <p:nvSpPr>
-          <p:cNvPr id="4" name="正方形/長方形 3">
-            <a:extLst>
-              <a:ext uri="{FF2B5EF4-FFF2-40B4-BE49-F238E27FC236}">
-                <a16:creationId xmlns:a16="http://schemas.microsoft.com/office/drawing/2014/main" id="{02BD0CD5-BE52-4C14-9836-6EB4BC9E0451}"/>
-              </a:ext>
-            </a:extLst>
-          </p:cNvPr>
-          <p:cNvSpPr/>
-          <p:nvPr>
-            <p:custDataLst>
-              <p:tags r:id="rId1"/>
-            </p:custDataLst>
-          </p:nvPr>
-        </p:nvSpPr>
-        <p:spPr>
-          <a:xfrm>
-            <a:off x="363255" y="1521912"/>
-            <a:ext cx="1565753" cy="4916466"/>
-          </a:xfrm>
-          <a:prstGeom prst="rect">
-            <a:avLst/>
-          </a:prstGeom>
-          <a:solidFill>
-            <a:srgbClr val="007233"/>
-          </a:solidFill>
-          <a:ln w="12700" cap="flat" cmpd="sng" algn="ctr">
-            <a:noFill/>
-            <a:prstDash val="solid"/>
-            <a:miter lim="800000"/>
-          </a:ln>
-          <a:effectLst/>
-          <a:extLst>
-            <a:ext uri="{91240B29-F687-4F45-9708-019B960494DF}">
-              <a14:hiddenLine xmlns:a14="http://schemas.microsoft.com/office/drawing/2010/main" w="12700" cap="flat" cmpd="sng" algn="ctr">
-                <a:solidFill>
-                  <a:schemeClr val="accent1">
-                    <a:shade val="50000"/>
-                  </a:schemeClr>
-                </a:solidFill>
-                <a:prstDash val="solid"/>
-                <a:miter lim="800000"/>
-              </a14:hiddenLine>
-            </a:ext>
-          </a:extLst>
-        </p:spPr>
-        <p:style>
-          <a:lnRef idx="2">
-            <a:schemeClr val="accent1">
-              <a:shade val="50000"/>
-            </a:schemeClr>
-          </a:lnRef>
-          <a:fillRef idx="1">
-            <a:schemeClr val="accent1"/>
-          </a:fillRef>
-          <a:effectRef idx="0">
-            <a:schemeClr val="accent1"/>
-          </a:effectRef>
-          <a:fontRef idx="minor">
-            <a:schemeClr val="lt1"/>
-          </a:fontRef>
-        </p:style>
-        <p:txBody>
-          <a:bodyPr rtlCol="0" anchor="t"/>
-          <a:lstStyle/>
-          <a:p>
-            <a:pPr algn="ctr"/>
-            <a:r>
-              <a:rPr kumimoji="1" lang="en-US" altLang="ja-JP" dirty="0">
-                <a:solidFill>
-                  <a:srgbClr val="FFFFFF"/>
-                </a:solidFill>
-              </a:rPr>
-              <a:t>On Premise</a:t>
-            </a:r>
-            <a:endParaRPr kumimoji="1" lang="ja-JP" altLang="en-US" dirty="0">
-              <a:solidFill>
-                <a:srgbClr val="FFFFFF"/>
-              </a:solidFill>
-            </a:endParaRPr>
-          </a:p>
-        </p:txBody>
-      </p:sp>
-      <p:sp>
-        <p:nvSpPr>
-          <p:cNvPr id="5" name="正方形/長方形 4">
-            <a:extLst>
-              <a:ext uri="{FF2B5EF4-FFF2-40B4-BE49-F238E27FC236}">
-                <a16:creationId xmlns:a16="http://schemas.microsoft.com/office/drawing/2014/main" id="{45755E63-46B9-47DC-B574-F4228272D88D}"/>
-              </a:ext>
-            </a:extLst>
-          </p:cNvPr>
-          <p:cNvSpPr/>
-          <p:nvPr/>
-        </p:nvSpPr>
-        <p:spPr>
-          <a:xfrm>
-            <a:off x="2056357" y="1521912"/>
-            <a:ext cx="9772388" cy="4916466"/>
-          </a:xfrm>
-          <a:prstGeom prst="rect">
-            <a:avLst/>
-          </a:prstGeom>
-        </p:spPr>
-        <p:style>
-          <a:lnRef idx="2">
-            <a:schemeClr val="accent1">
-              <a:shade val="50000"/>
-            </a:schemeClr>
-          </a:lnRef>
-          <a:fillRef idx="1">
-            <a:schemeClr val="accent1"/>
-          </a:fillRef>
-          <a:effectRef idx="0">
-            <a:schemeClr val="accent1"/>
-          </a:effectRef>
-          <a:fontRef idx="minor">
-            <a:schemeClr val="lt1"/>
-          </a:fontRef>
-        </p:style>
-        <p:txBody>
-          <a:bodyPr rtlCol="0" anchor="t"/>
-          <a:lstStyle/>
-          <a:p>
-            <a:pPr algn="ctr"/>
-            <a:r>
-              <a:rPr kumimoji="1" lang="en-US" altLang="ja-JP" dirty="0"/>
-              <a:t>Azure</a:t>
-            </a:r>
-            <a:endParaRPr kumimoji="1" lang="ja-JP" altLang="en-US" dirty="0"/>
-          </a:p>
-        </p:txBody>
-      </p:sp>
-      <p:sp>
-        <p:nvSpPr>
-          <p:cNvPr id="10" name="正方形/長方形 9">
-            <a:extLst>
-              <a:ext uri="{FF2B5EF4-FFF2-40B4-BE49-F238E27FC236}">
-                <a16:creationId xmlns:a16="http://schemas.microsoft.com/office/drawing/2014/main" id="{62241589-AFC0-490E-AD05-3221188B074C}"/>
-              </a:ext>
-            </a:extLst>
-          </p:cNvPr>
-          <p:cNvSpPr/>
-          <p:nvPr>
-            <p:custDataLst>
-              <p:tags r:id="rId2"/>
-            </p:custDataLst>
-          </p:nvPr>
-        </p:nvSpPr>
-        <p:spPr>
-          <a:xfrm>
-            <a:off x="2498943" y="1952975"/>
-            <a:ext cx="3688915" cy="1476025"/>
-          </a:xfrm>
-          <a:prstGeom prst="rect">
-            <a:avLst/>
-          </a:prstGeom>
-          <a:solidFill>
-            <a:srgbClr val="68217A"/>
-          </a:solidFill>
-          <a:ln w="12700" cap="flat" cmpd="sng" algn="ctr">
-            <a:noFill/>
-            <a:prstDash val="solid"/>
-            <a:miter lim="800000"/>
-          </a:ln>
-          <a:effectLst/>
-          <a:extLst>
-            <a:ext uri="{91240B29-F687-4F45-9708-019B960494DF}">
-              <a14:hiddenLine xmlns:a14="http://schemas.microsoft.com/office/drawing/2010/main" w="12700" cap="flat" cmpd="sng" algn="ctr">
-                <a:solidFill>
-                  <a:schemeClr val="accent1">
-                    <a:shade val="50000"/>
-                  </a:schemeClr>
-                </a:solidFill>
-                <a:prstDash val="solid"/>
-                <a:miter lim="800000"/>
-              </a14:hiddenLine>
-            </a:ext>
-          </a:extLst>
-        </p:spPr>
-        <p:style>
-          <a:lnRef idx="2">
-            <a:schemeClr val="accent1">
-              <a:shade val="50000"/>
-            </a:schemeClr>
-          </a:lnRef>
-          <a:fillRef idx="1">
-            <a:schemeClr val="accent1"/>
-          </a:fillRef>
-          <a:effectRef idx="0">
-            <a:schemeClr val="accent1"/>
-          </a:effectRef>
-          <a:fontRef idx="minor">
-            <a:schemeClr val="lt1"/>
-          </a:fontRef>
-        </p:style>
-        <p:txBody>
-          <a:bodyPr rtlCol="0" anchor="t"/>
-          <a:lstStyle/>
-          <a:p>
-            <a:pPr algn="ctr"/>
-            <a:r>
-              <a:rPr kumimoji="1" lang="ja-JP" altLang="en-US" dirty="0">
-                <a:solidFill>
-                  <a:srgbClr val="FFFFFF"/>
-                </a:solidFill>
-              </a:rPr>
-              <a:t>メタデータ管理</a:t>
-            </a:r>
-          </a:p>
-        </p:txBody>
-      </p:sp>
-      <p:pic>
-        <p:nvPicPr>
-          <p:cNvPr id="7" name="図 6">
-            <a:extLst>
-              <a:ext uri="{FF2B5EF4-FFF2-40B4-BE49-F238E27FC236}">
-                <a16:creationId xmlns:a16="http://schemas.microsoft.com/office/drawing/2014/main" id="{795BA66B-36BF-499A-9458-D42BBF0952B9}"/>
-              </a:ext>
-            </a:extLst>
-          </p:cNvPr>
-          <p:cNvPicPr>
-            <a:picLocks noChangeAspect="1"/>
-          </p:cNvPicPr>
-          <p:nvPr/>
-        </p:nvPicPr>
-        <p:blipFill>
-          <a:blip r:embed="rId20">
-            <a:biLevel thresh="25000"/>
-            <a:extLst>
-              <a:ext uri="{28A0092B-C50C-407E-A947-70E740481C1C}">
-                <a14:useLocalDpi xmlns:a14="http://schemas.microsoft.com/office/drawing/2010/main" val="0"/>
-              </a:ext>
-            </a:extLst>
-          </a:blip>
-          <a:stretch>
-            <a:fillRect/>
-          </a:stretch>
-        </p:blipFill>
-        <p:spPr>
-          <a:xfrm>
-            <a:off x="3042110" y="2222314"/>
-            <a:ext cx="780290" cy="780290"/>
-          </a:xfrm>
-          <a:prstGeom prst="rect">
-            <a:avLst/>
-          </a:prstGeom>
-        </p:spPr>
-      </p:pic>
-      <p:pic>
-        <p:nvPicPr>
-          <p:cNvPr id="9" name="図 8">
-            <a:extLst>
-              <a:ext uri="{FF2B5EF4-FFF2-40B4-BE49-F238E27FC236}">
-                <a16:creationId xmlns:a16="http://schemas.microsoft.com/office/drawing/2014/main" id="{82109537-7387-4959-9483-F4625E16970A}"/>
-              </a:ext>
-            </a:extLst>
-          </p:cNvPr>
-          <p:cNvPicPr>
-            <a:picLocks noChangeAspect="1"/>
-          </p:cNvPicPr>
-          <p:nvPr/>
-        </p:nvPicPr>
-        <p:blipFill>
-          <a:blip r:embed="rId21">
-            <a:biLevel thresh="25000"/>
-            <a:extLst>
-              <a:ext uri="{28A0092B-C50C-407E-A947-70E740481C1C}">
-                <a14:useLocalDpi xmlns:a14="http://schemas.microsoft.com/office/drawing/2010/main" val="0"/>
-              </a:ext>
-            </a:extLst>
-          </a:blip>
-          <a:stretch>
-            <a:fillRect/>
-          </a:stretch>
-        </p:blipFill>
-        <p:spPr>
-          <a:xfrm>
-            <a:off x="4822893" y="2288374"/>
-            <a:ext cx="780290" cy="780290"/>
-          </a:xfrm>
-          <a:prstGeom prst="rect">
-            <a:avLst/>
-          </a:prstGeom>
-        </p:spPr>
-      </p:pic>
-      <p:sp>
-        <p:nvSpPr>
-          <p:cNvPr id="11" name="正方形/長方形 10">
-            <a:extLst>
-              <a:ext uri="{FF2B5EF4-FFF2-40B4-BE49-F238E27FC236}">
-                <a16:creationId xmlns:a16="http://schemas.microsoft.com/office/drawing/2014/main" id="{02BF4DCC-1E67-463D-B87A-FD9CFF608989}"/>
-              </a:ext>
-            </a:extLst>
-          </p:cNvPr>
-          <p:cNvSpPr/>
-          <p:nvPr>
-            <p:custDataLst>
-              <p:tags r:id="rId3"/>
-            </p:custDataLst>
-          </p:nvPr>
-        </p:nvSpPr>
-        <p:spPr>
-          <a:xfrm>
-            <a:off x="2498943" y="3691288"/>
-            <a:ext cx="3688915" cy="1344176"/>
-          </a:xfrm>
-          <a:prstGeom prst="rect">
-            <a:avLst/>
-          </a:prstGeom>
-          <a:solidFill>
-            <a:srgbClr val="68217A"/>
-          </a:solidFill>
-          <a:ln w="12700" cap="flat" cmpd="sng" algn="ctr">
-            <a:noFill/>
-            <a:prstDash val="solid"/>
-            <a:miter lim="800000"/>
-          </a:ln>
-          <a:effectLst/>
-          <a:extLst>
-            <a:ext uri="{91240B29-F687-4F45-9708-019B960494DF}">
-              <a14:hiddenLine xmlns:a14="http://schemas.microsoft.com/office/drawing/2010/main" w="12700" cap="flat" cmpd="sng" algn="ctr">
-                <a:solidFill>
-                  <a:schemeClr val="accent1">
-                    <a:shade val="50000"/>
-                  </a:schemeClr>
-                </a:solidFill>
-                <a:prstDash val="solid"/>
-                <a:miter lim="800000"/>
-              </a14:hiddenLine>
-            </a:ext>
-          </a:extLst>
-        </p:spPr>
-        <p:style>
-          <a:lnRef idx="2">
-            <a:schemeClr val="accent1">
-              <a:shade val="50000"/>
-            </a:schemeClr>
-          </a:lnRef>
-          <a:fillRef idx="1">
-            <a:schemeClr val="accent1"/>
-          </a:fillRef>
-          <a:effectRef idx="0">
-            <a:schemeClr val="accent1"/>
-          </a:effectRef>
-          <a:fontRef idx="minor">
-            <a:schemeClr val="lt1"/>
-          </a:fontRef>
-        </p:style>
-        <p:txBody>
-          <a:bodyPr rtlCol="0" anchor="t"/>
-          <a:lstStyle/>
-          <a:p>
-            <a:pPr algn="ctr"/>
-            <a:r>
-              <a:rPr lang="ja-JP" altLang="en-US" dirty="0">
-                <a:solidFill>
-                  <a:srgbClr val="FFFFFF"/>
-                </a:solidFill>
-              </a:rPr>
-              <a:t>ストリーミング</a:t>
-            </a:r>
-            <a:endParaRPr kumimoji="1" lang="ja-JP" altLang="en-US" dirty="0">
-              <a:solidFill>
-                <a:srgbClr val="FFFFFF"/>
-              </a:solidFill>
-            </a:endParaRPr>
-          </a:p>
-        </p:txBody>
-      </p:sp>
-      <p:pic>
-        <p:nvPicPr>
-          <p:cNvPr id="13" name="図 12">
-            <a:extLst>
-              <a:ext uri="{FF2B5EF4-FFF2-40B4-BE49-F238E27FC236}">
-                <a16:creationId xmlns:a16="http://schemas.microsoft.com/office/drawing/2014/main" id="{1E63403C-72CB-493F-A380-C896C8024FE5}"/>
-              </a:ext>
-            </a:extLst>
-          </p:cNvPr>
-          <p:cNvPicPr>
-            <a:picLocks noChangeAspect="1"/>
-          </p:cNvPicPr>
-          <p:nvPr/>
-        </p:nvPicPr>
-        <p:blipFill>
-          <a:blip r:embed="rId22">
-            <a:biLevel thresh="25000"/>
-            <a:extLst>
-              <a:ext uri="{28A0092B-C50C-407E-A947-70E740481C1C}">
-                <a14:useLocalDpi xmlns:a14="http://schemas.microsoft.com/office/drawing/2010/main" val="0"/>
-              </a:ext>
-            </a:extLst>
-          </a:blip>
-          <a:stretch>
-            <a:fillRect/>
-          </a:stretch>
-        </p:blipFill>
-        <p:spPr>
-          <a:xfrm>
-            <a:off x="4566103" y="3950154"/>
-            <a:ext cx="780290" cy="780290"/>
-          </a:xfrm>
-          <a:prstGeom prst="rect">
-            <a:avLst/>
-          </a:prstGeom>
-        </p:spPr>
-      </p:pic>
-      <p:sp>
-        <p:nvSpPr>
-          <p:cNvPr id="14" name="正方形/長方形 13">
-            <a:extLst>
-              <a:ext uri="{FF2B5EF4-FFF2-40B4-BE49-F238E27FC236}">
-                <a16:creationId xmlns:a16="http://schemas.microsoft.com/office/drawing/2014/main" id="{CA1036EA-951C-4E8D-A782-519AB9D535AC}"/>
-              </a:ext>
-            </a:extLst>
-          </p:cNvPr>
-          <p:cNvSpPr/>
-          <p:nvPr>
-            <p:custDataLst>
-              <p:tags r:id="rId4"/>
-            </p:custDataLst>
-          </p:nvPr>
-        </p:nvSpPr>
-        <p:spPr>
-          <a:xfrm>
-            <a:off x="2587244" y="2656771"/>
-            <a:ext cx="1665714" cy="306887"/>
-          </a:xfrm>
-          <a:prstGeom prst="rect">
-            <a:avLst/>
-          </a:prstGeom>
-          <a:solidFill>
-            <a:srgbClr val="E81123"/>
-          </a:solidFill>
-          <a:ln w="12700" cap="flat" cmpd="sng" algn="ctr">
-            <a:noFill/>
-            <a:prstDash val="solid"/>
-            <a:miter lim="800000"/>
-          </a:ln>
-          <a:effectLst/>
-          <a:extLst>
-            <a:ext uri="{91240B29-F687-4F45-9708-019B960494DF}">
-              <a14:hiddenLine xmlns:a14="http://schemas.microsoft.com/office/drawing/2010/main" w="12700" cap="flat" cmpd="sng" algn="ctr">
-                <a:solidFill>
-                  <a:schemeClr val="accent1">
-                    <a:shade val="50000"/>
-                  </a:schemeClr>
-                </a:solidFill>
-                <a:prstDash val="solid"/>
-                <a:miter lim="800000"/>
-              </a14:hiddenLine>
-            </a:ext>
-          </a:extLst>
-        </p:spPr>
-        <p:style>
-          <a:lnRef idx="2">
-            <a:schemeClr val="accent1">
-              <a:shade val="50000"/>
-            </a:schemeClr>
-          </a:lnRef>
-          <a:fillRef idx="1">
-            <a:schemeClr val="accent1"/>
-          </a:fillRef>
-          <a:effectRef idx="0">
-            <a:schemeClr val="accent1"/>
-          </a:effectRef>
-          <a:fontRef idx="minor">
-            <a:schemeClr val="lt1"/>
-          </a:fontRef>
-        </p:style>
-        <p:txBody>
-          <a:bodyPr rtlCol="0" anchor="ctr"/>
-          <a:lstStyle/>
-          <a:p>
-            <a:pPr algn="ctr"/>
-            <a:r>
-              <a:rPr kumimoji="1" lang="en-US" altLang="ja-JP" dirty="0">
-                <a:solidFill>
-                  <a:srgbClr val="FFFFFF"/>
-                </a:solidFill>
-              </a:rPr>
-              <a:t>ASP.NET MVC</a:t>
-            </a:r>
-            <a:endParaRPr kumimoji="1" lang="ja-JP" altLang="en-US" dirty="0">
-              <a:solidFill>
-                <a:srgbClr val="FFFFFF"/>
-              </a:solidFill>
-            </a:endParaRPr>
-          </a:p>
-        </p:txBody>
-      </p:sp>
-      <p:pic>
-        <p:nvPicPr>
-          <p:cNvPr id="18" name="図 17">
-            <a:extLst>
-              <a:ext uri="{FF2B5EF4-FFF2-40B4-BE49-F238E27FC236}">
-                <a16:creationId xmlns:a16="http://schemas.microsoft.com/office/drawing/2014/main" id="{3B773348-712C-4D15-9841-500536391892}"/>
-              </a:ext>
-            </a:extLst>
-          </p:cNvPr>
-          <p:cNvPicPr>
-            <a:picLocks noChangeAspect="1"/>
-          </p:cNvPicPr>
-          <p:nvPr/>
-        </p:nvPicPr>
-        <p:blipFill>
-          <a:blip r:embed="rId23">
-            <a:biLevel thresh="25000"/>
-            <a:extLst>
-              <a:ext uri="{28A0092B-C50C-407E-A947-70E740481C1C}">
-                <a14:useLocalDpi xmlns:a14="http://schemas.microsoft.com/office/drawing/2010/main" val="0"/>
-              </a:ext>
-            </a:extLst>
-          </a:blip>
-          <a:stretch>
-            <a:fillRect/>
-          </a:stretch>
-        </p:blipFill>
-        <p:spPr>
-          <a:xfrm>
-            <a:off x="2878784" y="3970567"/>
-            <a:ext cx="780290" cy="780290"/>
-          </a:xfrm>
-          <a:prstGeom prst="rect">
-            <a:avLst/>
-          </a:prstGeom>
-        </p:spPr>
-      </p:pic>
-      <p:sp>
-        <p:nvSpPr>
-          <p:cNvPr id="19" name="正方形/長方形 18">
-            <a:extLst>
-              <a:ext uri="{FF2B5EF4-FFF2-40B4-BE49-F238E27FC236}">
-                <a16:creationId xmlns:a16="http://schemas.microsoft.com/office/drawing/2014/main" id="{330866A7-0500-4C03-BFA6-64E7F93AAFEB}"/>
-              </a:ext>
-            </a:extLst>
-          </p:cNvPr>
-          <p:cNvSpPr/>
-          <p:nvPr>
-            <p:custDataLst>
-              <p:tags r:id="rId5"/>
-            </p:custDataLst>
-          </p:nvPr>
-        </p:nvSpPr>
-        <p:spPr>
-          <a:xfrm>
-            <a:off x="2587244" y="3044335"/>
-            <a:ext cx="1665714" cy="306887"/>
-          </a:xfrm>
-          <a:prstGeom prst="rect">
-            <a:avLst/>
-          </a:prstGeom>
-          <a:solidFill>
-            <a:srgbClr val="FF8C00"/>
-          </a:solidFill>
-          <a:ln w="12700" cap="flat" cmpd="sng" algn="ctr">
-            <a:noFill/>
-            <a:prstDash val="solid"/>
-            <a:miter lim="800000"/>
-          </a:ln>
-          <a:effectLst/>
-          <a:extLst>
-            <a:ext uri="{91240B29-F687-4F45-9708-019B960494DF}">
-              <a14:hiddenLine xmlns:a14="http://schemas.microsoft.com/office/drawing/2010/main" w="12700" cap="flat" cmpd="sng" algn="ctr">
-                <a:solidFill>
-                  <a:schemeClr val="accent1">
-                    <a:shade val="50000"/>
-                  </a:schemeClr>
-                </a:solidFill>
-                <a:prstDash val="solid"/>
-                <a:miter lim="800000"/>
-              </a14:hiddenLine>
-            </a:ext>
-          </a:extLst>
-        </p:spPr>
-        <p:style>
-          <a:lnRef idx="2">
-            <a:schemeClr val="accent1">
-              <a:shade val="50000"/>
-            </a:schemeClr>
-          </a:lnRef>
-          <a:fillRef idx="1">
-            <a:schemeClr val="accent1"/>
-          </a:fillRef>
-          <a:effectRef idx="0">
-            <a:schemeClr val="accent1"/>
-          </a:effectRef>
-          <a:fontRef idx="minor">
-            <a:schemeClr val="lt1"/>
-          </a:fontRef>
-        </p:style>
-        <p:txBody>
-          <a:bodyPr rtlCol="0" anchor="ctr"/>
-          <a:lstStyle/>
-          <a:p>
-            <a:pPr algn="ctr"/>
-            <a:r>
-              <a:rPr kumimoji="1" lang="en-US" altLang="ja-JP" dirty="0">
-                <a:solidFill>
-                  <a:srgbClr val="000000"/>
-                </a:solidFill>
-              </a:rPr>
-              <a:t>Web App</a:t>
-            </a:r>
-            <a:endParaRPr kumimoji="1" lang="ja-JP" altLang="en-US" dirty="0">
-              <a:solidFill>
-                <a:srgbClr val="000000"/>
-              </a:solidFill>
-            </a:endParaRPr>
-          </a:p>
-        </p:txBody>
-      </p:sp>
-      <p:sp>
-        <p:nvSpPr>
-          <p:cNvPr id="20" name="正方形/長方形 19">
-            <a:extLst>
-              <a:ext uri="{FF2B5EF4-FFF2-40B4-BE49-F238E27FC236}">
-                <a16:creationId xmlns:a16="http://schemas.microsoft.com/office/drawing/2014/main" id="{F5D9DE44-FA4F-45C4-95B2-4255B663530E}"/>
-              </a:ext>
-            </a:extLst>
-          </p:cNvPr>
-          <p:cNvSpPr/>
-          <p:nvPr>
-            <p:custDataLst>
-              <p:tags r:id="rId6"/>
-            </p:custDataLst>
-          </p:nvPr>
-        </p:nvSpPr>
-        <p:spPr>
-          <a:xfrm>
-            <a:off x="4430286" y="3044334"/>
-            <a:ext cx="1665714" cy="306887"/>
-          </a:xfrm>
-          <a:prstGeom prst="rect">
-            <a:avLst/>
-          </a:prstGeom>
-          <a:solidFill>
-            <a:srgbClr val="FF8C00"/>
-          </a:solidFill>
-          <a:ln w="12700" cap="flat" cmpd="sng" algn="ctr">
-            <a:noFill/>
-            <a:prstDash val="solid"/>
-            <a:miter lim="800000"/>
-          </a:ln>
-          <a:effectLst/>
-          <a:extLst>
-            <a:ext uri="{91240B29-F687-4F45-9708-019B960494DF}">
-              <a14:hiddenLine xmlns:a14="http://schemas.microsoft.com/office/drawing/2010/main" w="12700" cap="flat" cmpd="sng" algn="ctr">
-                <a:solidFill>
-                  <a:schemeClr val="accent1">
-                    <a:shade val="50000"/>
-                  </a:schemeClr>
-                </a:solidFill>
-                <a:prstDash val="solid"/>
-                <a:miter lim="800000"/>
-              </a14:hiddenLine>
-            </a:ext>
-          </a:extLst>
-        </p:spPr>
-        <p:style>
-          <a:lnRef idx="2">
-            <a:schemeClr val="accent1">
-              <a:shade val="50000"/>
-            </a:schemeClr>
-          </a:lnRef>
-          <a:fillRef idx="1">
-            <a:schemeClr val="accent1"/>
-          </a:fillRef>
-          <a:effectRef idx="0">
-            <a:schemeClr val="accent1"/>
-          </a:effectRef>
-          <a:fontRef idx="minor">
-            <a:schemeClr val="lt1"/>
-          </a:fontRef>
-        </p:style>
-        <p:txBody>
-          <a:bodyPr rtlCol="0" anchor="ctr"/>
-          <a:lstStyle/>
-          <a:p>
-            <a:pPr algn="ctr"/>
-            <a:r>
-              <a:rPr kumimoji="1" lang="en-US" altLang="ja-JP" dirty="0">
-                <a:solidFill>
-                  <a:srgbClr val="000000"/>
-                </a:solidFill>
-              </a:rPr>
-              <a:t>SQL Database</a:t>
-            </a:r>
-            <a:endParaRPr kumimoji="1" lang="ja-JP" altLang="en-US" dirty="0">
-              <a:solidFill>
-                <a:srgbClr val="000000"/>
-              </a:solidFill>
-            </a:endParaRPr>
-          </a:p>
-        </p:txBody>
-      </p:sp>
-      <p:sp>
-        <p:nvSpPr>
-          <p:cNvPr id="21" name="正方形/長方形 20">
-            <a:extLst>
-              <a:ext uri="{FF2B5EF4-FFF2-40B4-BE49-F238E27FC236}">
-                <a16:creationId xmlns:a16="http://schemas.microsoft.com/office/drawing/2014/main" id="{48C48F73-B126-4888-9D6F-15CB9AF9F24E}"/>
-              </a:ext>
-            </a:extLst>
-          </p:cNvPr>
-          <p:cNvSpPr/>
-          <p:nvPr>
-            <p:custDataLst>
-              <p:tags r:id="rId7"/>
-            </p:custDataLst>
-          </p:nvPr>
-        </p:nvSpPr>
-        <p:spPr>
-          <a:xfrm>
-            <a:off x="4084891" y="4695410"/>
-            <a:ext cx="1665714" cy="306887"/>
-          </a:xfrm>
-          <a:prstGeom prst="rect">
-            <a:avLst/>
-          </a:prstGeom>
-          <a:solidFill>
-            <a:srgbClr val="FF8C00"/>
-          </a:solidFill>
-          <a:ln w="12700" cap="flat" cmpd="sng" algn="ctr">
-            <a:noFill/>
-            <a:prstDash val="solid"/>
-            <a:miter lim="800000"/>
-          </a:ln>
-          <a:effectLst/>
-          <a:extLst>
-            <a:ext uri="{91240B29-F687-4F45-9708-019B960494DF}">
-              <a14:hiddenLine xmlns:a14="http://schemas.microsoft.com/office/drawing/2010/main" w="12700" cap="flat" cmpd="sng" algn="ctr">
-                <a:solidFill>
-                  <a:schemeClr val="accent1">
-                    <a:shade val="50000"/>
-                  </a:schemeClr>
-                </a:solidFill>
-                <a:prstDash val="solid"/>
-                <a:miter lim="800000"/>
-              </a14:hiddenLine>
-            </a:ext>
-          </a:extLst>
-        </p:spPr>
-        <p:style>
-          <a:lnRef idx="2">
-            <a:schemeClr val="accent1">
-              <a:shade val="50000"/>
-            </a:schemeClr>
-          </a:lnRef>
-          <a:fillRef idx="1">
-            <a:schemeClr val="accent1"/>
-          </a:fillRef>
-          <a:effectRef idx="0">
-            <a:schemeClr val="accent1"/>
-          </a:effectRef>
-          <a:fontRef idx="minor">
-            <a:schemeClr val="lt1"/>
-          </a:fontRef>
-        </p:style>
-        <p:txBody>
-          <a:bodyPr rtlCol="0" anchor="ctr"/>
-          <a:lstStyle/>
-          <a:p>
-            <a:pPr algn="ctr"/>
-            <a:r>
-              <a:rPr kumimoji="1" lang="en-US" altLang="ja-JP" dirty="0">
-                <a:solidFill>
-                  <a:srgbClr val="000000"/>
-                </a:solidFill>
-              </a:rPr>
-              <a:t>Media Service</a:t>
-            </a:r>
-            <a:endParaRPr kumimoji="1" lang="ja-JP" altLang="en-US" dirty="0">
-              <a:solidFill>
-                <a:srgbClr val="000000"/>
-              </a:solidFill>
-            </a:endParaRPr>
-          </a:p>
-        </p:txBody>
-      </p:sp>
-      <p:sp>
-        <p:nvSpPr>
-          <p:cNvPr id="22" name="正方形/長方形 21">
-            <a:extLst>
-              <a:ext uri="{FF2B5EF4-FFF2-40B4-BE49-F238E27FC236}">
-                <a16:creationId xmlns:a16="http://schemas.microsoft.com/office/drawing/2014/main" id="{42684756-AB75-4711-ADDD-8BEFA3B9D995}"/>
-              </a:ext>
-            </a:extLst>
-          </p:cNvPr>
-          <p:cNvSpPr/>
-          <p:nvPr>
-            <p:custDataLst>
-              <p:tags r:id="rId8"/>
-            </p:custDataLst>
-          </p:nvPr>
-        </p:nvSpPr>
-        <p:spPr>
-          <a:xfrm>
-            <a:off x="2735097" y="4700778"/>
-            <a:ext cx="1051685" cy="306887"/>
-          </a:xfrm>
-          <a:prstGeom prst="rect">
-            <a:avLst/>
-          </a:prstGeom>
-          <a:solidFill>
-            <a:srgbClr val="FF8C00"/>
-          </a:solidFill>
-          <a:ln w="12700" cap="flat" cmpd="sng" algn="ctr">
-            <a:noFill/>
-            <a:prstDash val="solid"/>
-            <a:miter lim="800000"/>
-          </a:ln>
-          <a:effectLst/>
-          <a:extLst>
-            <a:ext uri="{91240B29-F687-4F45-9708-019B960494DF}">
-              <a14:hiddenLine xmlns:a14="http://schemas.microsoft.com/office/drawing/2010/main" w="12700" cap="flat" cmpd="sng" algn="ctr">
-                <a:solidFill>
-                  <a:schemeClr val="accent1">
-                    <a:shade val="50000"/>
-                  </a:schemeClr>
-                </a:solidFill>
-                <a:prstDash val="solid"/>
-                <a:miter lim="800000"/>
-              </a14:hiddenLine>
-            </a:ext>
-          </a:extLst>
-        </p:spPr>
-        <p:style>
-          <a:lnRef idx="2">
-            <a:schemeClr val="accent1">
-              <a:shade val="50000"/>
-            </a:schemeClr>
-          </a:lnRef>
-          <a:fillRef idx="1">
-            <a:schemeClr val="accent1"/>
-          </a:fillRef>
-          <a:effectRef idx="0">
-            <a:schemeClr val="accent1"/>
-          </a:effectRef>
-          <a:fontRef idx="minor">
-            <a:schemeClr val="lt1"/>
-          </a:fontRef>
-        </p:style>
-        <p:txBody>
-          <a:bodyPr rtlCol="0" anchor="ctr"/>
-          <a:lstStyle/>
-          <a:p>
-            <a:pPr algn="ctr"/>
-            <a:r>
-              <a:rPr kumimoji="1" lang="en-US" altLang="ja-JP" dirty="0">
-                <a:solidFill>
-                  <a:srgbClr val="000000"/>
-                </a:solidFill>
-              </a:rPr>
-              <a:t>CDN</a:t>
-            </a:r>
-            <a:endParaRPr kumimoji="1" lang="ja-JP" altLang="en-US" dirty="0">
-              <a:solidFill>
-                <a:srgbClr val="000000"/>
-              </a:solidFill>
-            </a:endParaRPr>
-          </a:p>
-        </p:txBody>
-      </p:sp>
-      <p:sp>
-        <p:nvSpPr>
-          <p:cNvPr id="23" name="正方形/長方形 22">
-            <a:extLst>
-              <a:ext uri="{FF2B5EF4-FFF2-40B4-BE49-F238E27FC236}">
-                <a16:creationId xmlns:a16="http://schemas.microsoft.com/office/drawing/2014/main" id="{788CA311-0D0F-4AA4-BF42-7060F808149E}"/>
-              </a:ext>
-            </a:extLst>
-          </p:cNvPr>
-          <p:cNvSpPr/>
-          <p:nvPr>
-            <p:custDataLst>
-              <p:tags r:id="rId9"/>
-            </p:custDataLst>
-          </p:nvPr>
-        </p:nvSpPr>
-        <p:spPr>
-          <a:xfrm>
-            <a:off x="491143" y="3956157"/>
-            <a:ext cx="1263285" cy="1127081"/>
-          </a:xfrm>
-          <a:prstGeom prst="rect">
-            <a:avLst/>
-          </a:prstGeom>
-          <a:solidFill>
-            <a:srgbClr val="68217A"/>
-          </a:solidFill>
-          <a:ln w="12700" cap="flat" cmpd="sng" algn="ctr">
-            <a:noFill/>
-            <a:prstDash val="solid"/>
-            <a:miter lim="800000"/>
-          </a:ln>
-          <a:effectLst/>
-          <a:extLst>
-            <a:ext uri="{91240B29-F687-4F45-9708-019B960494DF}">
-              <a14:hiddenLine xmlns:a14="http://schemas.microsoft.com/office/drawing/2010/main" w="12700" cap="flat" cmpd="sng" algn="ctr">
-                <a:solidFill>
-                  <a:schemeClr val="accent1">
-                    <a:shade val="50000"/>
-                  </a:schemeClr>
-                </a:solidFill>
-                <a:prstDash val="solid"/>
-                <a:miter lim="800000"/>
-              </a14:hiddenLine>
-            </a:ext>
-          </a:extLst>
-        </p:spPr>
-        <p:style>
-          <a:lnRef idx="2">
-            <a:schemeClr val="accent1">
-              <a:shade val="50000"/>
-            </a:schemeClr>
-          </a:lnRef>
-          <a:fillRef idx="1">
-            <a:schemeClr val="accent1"/>
-          </a:fillRef>
-          <a:effectRef idx="0">
-            <a:schemeClr val="accent1"/>
-          </a:effectRef>
-          <a:fontRef idx="minor">
-            <a:schemeClr val="lt1"/>
-          </a:fontRef>
-        </p:style>
-        <p:txBody>
-          <a:bodyPr rtlCol="0" anchor="t"/>
-          <a:lstStyle/>
-          <a:p>
-            <a:pPr algn="ctr"/>
-            <a:r>
-              <a:rPr lang="ja-JP" altLang="en-US" dirty="0">
-                <a:solidFill>
-                  <a:srgbClr val="FFFFFF"/>
-                </a:solidFill>
-              </a:rPr>
-              <a:t>ファイルアップロード先</a:t>
-            </a:r>
-            <a:endParaRPr kumimoji="1" lang="ja-JP" altLang="en-US" dirty="0">
-              <a:solidFill>
-                <a:srgbClr val="FFFFFF"/>
-              </a:solidFill>
-            </a:endParaRPr>
-          </a:p>
-        </p:txBody>
-      </p:sp>
-      <p:pic>
-        <p:nvPicPr>
-          <p:cNvPr id="34" name="図 33">
-            <a:extLst>
-              <a:ext uri="{FF2B5EF4-FFF2-40B4-BE49-F238E27FC236}">
-                <a16:creationId xmlns:a16="http://schemas.microsoft.com/office/drawing/2014/main" id="{6863B664-1D6B-4846-9D68-4F4C578FBECD}"/>
-              </a:ext>
-            </a:extLst>
-          </p:cNvPr>
-          <p:cNvPicPr>
-            <a:picLocks noChangeAspect="1"/>
-          </p:cNvPicPr>
-          <p:nvPr/>
-        </p:nvPicPr>
-        <p:blipFill>
-          <a:blip r:embed="rId24">
-            <a:duotone>
-              <a:schemeClr val="accent4">
-                <a:shade val="45000"/>
-                <a:satMod val="135000"/>
-              </a:schemeClr>
-              <a:prstClr val="white"/>
-            </a:duotone>
-            <a:extLst>
-              <a:ext uri="{28A0092B-C50C-407E-A947-70E740481C1C}">
-                <a14:useLocalDpi xmlns:a14="http://schemas.microsoft.com/office/drawing/2010/main" val="0"/>
-              </a:ext>
-            </a:extLst>
-          </a:blip>
-          <a:stretch>
-            <a:fillRect/>
-          </a:stretch>
-        </p:blipFill>
-        <p:spPr>
-          <a:xfrm>
-            <a:off x="709700" y="5197370"/>
-            <a:ext cx="780290" cy="780290"/>
-          </a:xfrm>
-          <a:prstGeom prst="rect">
-            <a:avLst/>
-          </a:prstGeom>
-        </p:spPr>
-      </p:pic>
-      <p:cxnSp>
-        <p:nvCxnSpPr>
-          <p:cNvPr id="35" name="コネクタ: カギ線 34">
-            <a:extLst>
-              <a:ext uri="{FF2B5EF4-FFF2-40B4-BE49-F238E27FC236}">
-                <a16:creationId xmlns:a16="http://schemas.microsoft.com/office/drawing/2014/main" id="{9B54E2D0-A4EB-4D6B-8FCE-4DB72D632C3C}"/>
-              </a:ext>
-            </a:extLst>
-          </p:cNvPr>
-          <p:cNvCxnSpPr>
-            <a:cxnSpLocks/>
-            <a:stCxn id="34" idx="3"/>
-            <a:endCxn id="21" idx="2"/>
-          </p:cNvCxnSpPr>
-          <p:nvPr/>
-        </p:nvCxnSpPr>
-        <p:spPr>
-          <a:xfrm flipV="1">
-            <a:off x="1489990" y="5002297"/>
-            <a:ext cx="3427758" cy="585218"/>
-          </a:xfrm>
-          <a:prstGeom prst="bentConnector2">
-            <a:avLst/>
-          </a:prstGeom>
-          <a:ln w="76200">
-            <a:solidFill>
-              <a:srgbClr val="00B050"/>
-            </a:solidFill>
-            <a:tailEnd type="triangle"/>
-          </a:ln>
-        </p:spPr>
-        <p:style>
-          <a:lnRef idx="1">
-            <a:schemeClr val="accent1"/>
-          </a:lnRef>
-          <a:fillRef idx="0">
-            <a:schemeClr val="accent1"/>
-          </a:fillRef>
-          <a:effectRef idx="0">
-            <a:schemeClr val="accent1"/>
-          </a:effectRef>
-          <a:fontRef idx="minor">
-            <a:schemeClr val="tx1"/>
-          </a:fontRef>
-        </p:style>
-      </p:cxnSp>
-      <p:cxnSp>
-        <p:nvCxnSpPr>
-          <p:cNvPr id="42" name="コネクタ: カギ線 41">
-            <a:extLst>
-              <a:ext uri="{FF2B5EF4-FFF2-40B4-BE49-F238E27FC236}">
-                <a16:creationId xmlns:a16="http://schemas.microsoft.com/office/drawing/2014/main" id="{D00775DF-B2EA-4A47-A2C4-B943D1C6782B}"/>
-              </a:ext>
-            </a:extLst>
-          </p:cNvPr>
-          <p:cNvCxnSpPr>
-            <a:cxnSpLocks/>
-            <a:stCxn id="23" idx="0"/>
-            <a:endCxn id="9" idx="2"/>
-          </p:cNvCxnSpPr>
-          <p:nvPr/>
-        </p:nvCxnSpPr>
-        <p:spPr>
-          <a:xfrm rot="5400000" flipH="1" flipV="1">
-            <a:off x="2724166" y="1467285"/>
-            <a:ext cx="887493" cy="4090252"/>
-          </a:xfrm>
-          <a:prstGeom prst="bentConnector3">
-            <a:avLst>
-              <a:gd name="adj1" fmla="val 50000"/>
-            </a:avLst>
-          </a:prstGeom>
-          <a:ln w="76200">
-            <a:solidFill>
-              <a:srgbClr val="00B050"/>
-            </a:solidFill>
-            <a:tailEnd type="triangle"/>
-          </a:ln>
-        </p:spPr>
-        <p:style>
-          <a:lnRef idx="1">
-            <a:schemeClr val="accent1"/>
-          </a:lnRef>
-          <a:fillRef idx="0">
-            <a:schemeClr val="accent1"/>
-          </a:fillRef>
-          <a:effectRef idx="0">
-            <a:schemeClr val="accent1"/>
-          </a:effectRef>
-          <a:fontRef idx="minor">
-            <a:schemeClr val="tx1"/>
-          </a:fontRef>
-        </p:style>
-      </p:cxnSp>
-      <p:sp>
-        <p:nvSpPr>
-          <p:cNvPr id="45" name="正方形/長方形 44">
-            <a:extLst>
-              <a:ext uri="{FF2B5EF4-FFF2-40B4-BE49-F238E27FC236}">
-                <a16:creationId xmlns:a16="http://schemas.microsoft.com/office/drawing/2014/main" id="{0D219858-1E4C-4530-921A-86CADEC3C716}"/>
-              </a:ext>
-            </a:extLst>
-          </p:cNvPr>
-          <p:cNvSpPr/>
-          <p:nvPr>
-            <p:custDataLst>
-              <p:tags r:id="rId10"/>
-            </p:custDataLst>
-          </p:nvPr>
-        </p:nvSpPr>
-        <p:spPr>
-          <a:xfrm>
-            <a:off x="2152444" y="3384400"/>
-            <a:ext cx="1506630" cy="306887"/>
-          </a:xfrm>
-          <a:prstGeom prst="rect">
-            <a:avLst/>
-          </a:prstGeom>
-          <a:solidFill>
-            <a:srgbClr val="BAD80A"/>
-          </a:solidFill>
-          <a:ln w="12700" cap="flat" cmpd="sng" algn="ctr">
-            <a:noFill/>
-            <a:prstDash val="solid"/>
-            <a:miter lim="800000"/>
-          </a:ln>
-          <a:effectLst/>
-          <a:extLst>
-            <a:ext uri="{91240B29-F687-4F45-9708-019B960494DF}">
-              <a14:hiddenLine xmlns:a14="http://schemas.microsoft.com/office/drawing/2010/main" w="12700" cap="flat" cmpd="sng" algn="ctr">
-                <a:solidFill>
-                  <a:schemeClr val="accent1">
-                    <a:shade val="50000"/>
-                  </a:schemeClr>
-                </a:solidFill>
-                <a:prstDash val="solid"/>
-                <a:miter lim="800000"/>
-              </a14:hiddenLine>
-            </a:ext>
-          </a:extLst>
-        </p:spPr>
-        <p:style>
-          <a:lnRef idx="2">
-            <a:schemeClr val="accent1">
-              <a:shade val="50000"/>
-            </a:schemeClr>
-          </a:lnRef>
-          <a:fillRef idx="1">
-            <a:schemeClr val="accent1"/>
-          </a:fillRef>
-          <a:effectRef idx="0">
-            <a:schemeClr val="accent1"/>
-          </a:effectRef>
-          <a:fontRef idx="minor">
-            <a:schemeClr val="lt1"/>
-          </a:fontRef>
-        </p:style>
-        <p:txBody>
-          <a:bodyPr rtlCol="0" anchor="ctr"/>
-          <a:lstStyle/>
-          <a:p>
-            <a:pPr algn="ctr"/>
-            <a:r>
-              <a:rPr kumimoji="1" lang="en-US" altLang="ja-JP" dirty="0">
-                <a:solidFill>
-                  <a:srgbClr val="000000"/>
-                </a:solidFill>
-              </a:rPr>
-              <a:t>URL</a:t>
-            </a:r>
-            <a:r>
-              <a:rPr kumimoji="1" lang="ja-JP" altLang="en-US" dirty="0">
-                <a:solidFill>
-                  <a:srgbClr val="000000"/>
-                </a:solidFill>
-              </a:rPr>
-              <a:t>登録</a:t>
-            </a:r>
-          </a:p>
-        </p:txBody>
-      </p:sp>
-      <p:sp>
-        <p:nvSpPr>
-          <p:cNvPr id="55" name="正方形/長方形 54">
-            <a:extLst>
-              <a:ext uri="{FF2B5EF4-FFF2-40B4-BE49-F238E27FC236}">
-                <a16:creationId xmlns:a16="http://schemas.microsoft.com/office/drawing/2014/main" id="{A8958ED5-F0FA-42AE-A286-3C45B7A862AF}"/>
-              </a:ext>
-            </a:extLst>
-          </p:cNvPr>
-          <p:cNvSpPr/>
-          <p:nvPr>
-            <p:custDataLst>
-              <p:tags r:id="rId11"/>
-            </p:custDataLst>
-          </p:nvPr>
-        </p:nvSpPr>
-        <p:spPr>
-          <a:xfrm>
-            <a:off x="152293" y="4643697"/>
-            <a:ext cx="1904132" cy="306887"/>
-          </a:xfrm>
-          <a:prstGeom prst="rect">
-            <a:avLst/>
-          </a:prstGeom>
-          <a:solidFill>
-            <a:srgbClr val="E81123"/>
-          </a:solidFill>
-          <a:ln w="12700" cap="flat" cmpd="sng" algn="ctr">
-            <a:noFill/>
-            <a:prstDash val="solid"/>
-            <a:miter lim="800000"/>
-          </a:ln>
-          <a:effectLst/>
-          <a:extLst>
-            <a:ext uri="{91240B29-F687-4F45-9708-019B960494DF}">
-              <a14:hiddenLine xmlns:a14="http://schemas.microsoft.com/office/drawing/2010/main" w="12700" cap="flat" cmpd="sng" algn="ctr">
-                <a:solidFill>
-                  <a:schemeClr val="accent1">
-                    <a:shade val="50000"/>
-                  </a:schemeClr>
-                </a:solidFill>
-                <a:prstDash val="solid"/>
-                <a:miter lim="800000"/>
-              </a14:hiddenLine>
-            </a:ext>
-          </a:extLst>
-        </p:spPr>
-        <p:style>
-          <a:lnRef idx="2">
-            <a:schemeClr val="accent1">
-              <a:shade val="50000"/>
-            </a:schemeClr>
-          </a:lnRef>
-          <a:fillRef idx="1">
-            <a:schemeClr val="accent1"/>
-          </a:fillRef>
-          <a:effectRef idx="0">
-            <a:schemeClr val="accent1"/>
-          </a:effectRef>
-          <a:fontRef idx="minor">
-            <a:schemeClr val="lt1"/>
-          </a:fontRef>
-        </p:style>
-        <p:txBody>
-          <a:bodyPr rtlCol="0" anchor="ctr"/>
-          <a:lstStyle/>
-          <a:p>
-            <a:pPr algn="ctr"/>
-            <a:r>
-              <a:rPr kumimoji="1" lang="en-US" altLang="ja-JP" dirty="0">
-                <a:solidFill>
-                  <a:srgbClr val="FFFFFF"/>
-                </a:solidFill>
-              </a:rPr>
-              <a:t>C#/</a:t>
-            </a:r>
-            <a:r>
-              <a:rPr kumimoji="1" lang="ja-JP" altLang="en-US" dirty="0">
-                <a:solidFill>
-                  <a:srgbClr val="FFFFFF"/>
-                </a:solidFill>
-              </a:rPr>
-              <a:t>コマンドライン</a:t>
-            </a:r>
-          </a:p>
-        </p:txBody>
-      </p:sp>
-      <p:sp>
-        <p:nvSpPr>
-          <p:cNvPr id="33" name="正方形/長方形 32">
-            <a:extLst>
-              <a:ext uri="{FF2B5EF4-FFF2-40B4-BE49-F238E27FC236}">
-                <a16:creationId xmlns:a16="http://schemas.microsoft.com/office/drawing/2014/main" id="{61925FD2-CCE6-4C81-8182-6FB0DE386601}"/>
-              </a:ext>
-            </a:extLst>
-          </p:cNvPr>
-          <p:cNvSpPr/>
-          <p:nvPr>
-            <p:custDataLst>
-              <p:tags r:id="rId12"/>
-            </p:custDataLst>
-          </p:nvPr>
-        </p:nvSpPr>
-        <p:spPr>
-          <a:xfrm>
-            <a:off x="4566103" y="5824216"/>
-            <a:ext cx="2552613" cy="306887"/>
-          </a:xfrm>
-          <a:prstGeom prst="rect">
-            <a:avLst/>
-          </a:prstGeom>
-          <a:solidFill>
-            <a:srgbClr val="E81123"/>
-          </a:solidFill>
-          <a:ln w="12700" cap="flat" cmpd="sng" algn="ctr">
-            <a:noFill/>
-            <a:prstDash val="solid"/>
-            <a:miter lim="800000"/>
-          </a:ln>
-          <a:effectLst/>
-          <a:extLst>
-            <a:ext uri="{91240B29-F687-4F45-9708-019B960494DF}">
-              <a14:hiddenLine xmlns:a14="http://schemas.microsoft.com/office/drawing/2010/main" w="12700" cap="flat" cmpd="sng" algn="ctr">
-                <a:solidFill>
-                  <a:schemeClr val="accent1">
-                    <a:shade val="50000"/>
-                  </a:schemeClr>
-                </a:solidFill>
-                <a:prstDash val="solid"/>
-                <a:miter lim="800000"/>
-              </a14:hiddenLine>
-            </a:ext>
-          </a:extLst>
-        </p:spPr>
-        <p:style>
-          <a:lnRef idx="2">
-            <a:schemeClr val="accent1">
-              <a:shade val="50000"/>
-            </a:schemeClr>
-          </a:lnRef>
-          <a:fillRef idx="1">
-            <a:schemeClr val="accent1"/>
-          </a:fillRef>
-          <a:effectRef idx="0">
-            <a:schemeClr val="accent1"/>
-          </a:effectRef>
-          <a:fontRef idx="minor">
-            <a:schemeClr val="lt1"/>
-          </a:fontRef>
-        </p:style>
-        <p:txBody>
-          <a:bodyPr rtlCol="0" anchor="ctr"/>
-          <a:lstStyle/>
-          <a:p>
-            <a:pPr algn="ctr"/>
-            <a:r>
-              <a:rPr kumimoji="1" lang="ja-JP" altLang="en-US" dirty="0">
-                <a:solidFill>
-                  <a:srgbClr val="FFFFFF"/>
-                </a:solidFill>
-              </a:rPr>
-              <a:t>ファイル名</a:t>
-            </a:r>
-            <a:r>
-              <a:rPr kumimoji="1" lang="en-US" altLang="ja-JP" dirty="0">
-                <a:solidFill>
-                  <a:srgbClr val="FFFFFF"/>
-                </a:solidFill>
-              </a:rPr>
-              <a:t>=Primary Key</a:t>
-            </a:r>
-            <a:endParaRPr kumimoji="1" lang="ja-JP" altLang="en-US" dirty="0">
-              <a:solidFill>
-                <a:srgbClr val="FFFFFF"/>
-              </a:solidFill>
-            </a:endParaRPr>
-          </a:p>
-        </p:txBody>
-      </p:sp>
-      <p:sp>
-        <p:nvSpPr>
-          <p:cNvPr id="24" name="正方形/長方形 23">
-            <a:extLst>
-              <a:ext uri="{FF2B5EF4-FFF2-40B4-BE49-F238E27FC236}">
-                <a16:creationId xmlns:a16="http://schemas.microsoft.com/office/drawing/2014/main" id="{5BD7DBB9-DB4D-4EDD-8B39-1CD18D169E62}"/>
-              </a:ext>
-            </a:extLst>
-          </p:cNvPr>
-          <p:cNvSpPr/>
-          <p:nvPr>
-            <p:custDataLst>
-              <p:tags r:id="rId13"/>
-            </p:custDataLst>
-          </p:nvPr>
-        </p:nvSpPr>
-        <p:spPr>
-          <a:xfrm>
-            <a:off x="9605447" y="3651528"/>
-            <a:ext cx="1784464" cy="2598112"/>
-          </a:xfrm>
-          <a:prstGeom prst="rect">
-            <a:avLst/>
-          </a:prstGeom>
-          <a:solidFill>
-            <a:srgbClr val="68217A"/>
-          </a:solidFill>
-          <a:ln w="12700" cap="flat" cmpd="sng" algn="ctr">
-            <a:noFill/>
-            <a:prstDash val="solid"/>
-            <a:miter lim="800000"/>
-          </a:ln>
-          <a:effectLst/>
-          <a:extLst>
-            <a:ext uri="{91240B29-F687-4F45-9708-019B960494DF}">
-              <a14:hiddenLine xmlns:a14="http://schemas.microsoft.com/office/drawing/2010/main" w="12700" cap="flat" cmpd="sng" algn="ctr">
-                <a:solidFill>
-                  <a:schemeClr val="accent1">
-                    <a:shade val="50000"/>
-                  </a:schemeClr>
-                </a:solidFill>
-                <a:prstDash val="solid"/>
-                <a:miter lim="800000"/>
-              </a14:hiddenLine>
-            </a:ext>
-          </a:extLst>
-        </p:spPr>
-        <p:style>
-          <a:lnRef idx="2">
-            <a:schemeClr val="accent1">
-              <a:shade val="50000"/>
-            </a:schemeClr>
-          </a:lnRef>
-          <a:fillRef idx="1">
-            <a:schemeClr val="accent1"/>
-          </a:fillRef>
-          <a:effectRef idx="0">
-            <a:schemeClr val="accent1"/>
-          </a:effectRef>
-          <a:fontRef idx="minor">
-            <a:schemeClr val="lt1"/>
-          </a:fontRef>
-        </p:style>
-        <p:txBody>
-          <a:bodyPr rtlCol="0" anchor="t"/>
-          <a:lstStyle/>
-          <a:p>
-            <a:pPr algn="ctr"/>
-            <a:r>
-              <a:rPr lang="ja-JP" altLang="en-US" dirty="0">
-                <a:solidFill>
-                  <a:srgbClr val="FFFFFF"/>
-                </a:solidFill>
-              </a:rPr>
-              <a:t>全文検索</a:t>
-            </a:r>
-            <a:endParaRPr kumimoji="1" lang="ja-JP" altLang="en-US" dirty="0">
-              <a:solidFill>
-                <a:srgbClr val="FFFFFF"/>
-              </a:solidFill>
-            </a:endParaRPr>
-          </a:p>
-        </p:txBody>
-      </p:sp>
-      <p:pic>
-        <p:nvPicPr>
-          <p:cNvPr id="25" name="図 24">
-            <a:extLst>
-              <a:ext uri="{FF2B5EF4-FFF2-40B4-BE49-F238E27FC236}">
-                <a16:creationId xmlns:a16="http://schemas.microsoft.com/office/drawing/2014/main" id="{1C65204C-1C90-4B11-8265-0FABBBA4BAC7}"/>
-              </a:ext>
-            </a:extLst>
-          </p:cNvPr>
-          <p:cNvPicPr>
-            <a:picLocks noChangeAspect="1"/>
-          </p:cNvPicPr>
-          <p:nvPr/>
-        </p:nvPicPr>
-        <p:blipFill>
-          <a:blip r:embed="rId25">
-            <a:biLevel thresh="25000"/>
-            <a:extLst>
-              <a:ext uri="{28A0092B-C50C-407E-A947-70E740481C1C}">
-                <a14:useLocalDpi xmlns:a14="http://schemas.microsoft.com/office/drawing/2010/main" val="0"/>
-              </a:ext>
-            </a:extLst>
-          </a:blip>
-          <a:stretch>
-            <a:fillRect/>
-          </a:stretch>
-        </p:blipFill>
-        <p:spPr>
-          <a:xfrm>
-            <a:off x="10073094" y="4197865"/>
-            <a:ext cx="780290" cy="780290"/>
-          </a:xfrm>
-          <a:prstGeom prst="rect">
-            <a:avLst/>
-          </a:prstGeom>
-        </p:spPr>
-      </p:pic>
-      <p:sp>
-        <p:nvSpPr>
-          <p:cNvPr id="26" name="正方形/長方形 25">
-            <a:extLst>
-              <a:ext uri="{FF2B5EF4-FFF2-40B4-BE49-F238E27FC236}">
-                <a16:creationId xmlns:a16="http://schemas.microsoft.com/office/drawing/2014/main" id="{A3423C33-2CC3-49E8-B367-CB9F669025C9}"/>
-              </a:ext>
-            </a:extLst>
-          </p:cNvPr>
-          <p:cNvSpPr/>
-          <p:nvPr>
-            <p:custDataLst>
-              <p:tags r:id="rId14"/>
-            </p:custDataLst>
-          </p:nvPr>
-        </p:nvSpPr>
-        <p:spPr>
-          <a:xfrm>
-            <a:off x="9687289" y="4850722"/>
-            <a:ext cx="1665714" cy="306887"/>
-          </a:xfrm>
-          <a:prstGeom prst="rect">
-            <a:avLst/>
-          </a:prstGeom>
-          <a:solidFill>
-            <a:srgbClr val="FF8C00"/>
-          </a:solidFill>
-          <a:ln w="12700" cap="flat" cmpd="sng" algn="ctr">
-            <a:noFill/>
-            <a:prstDash val="solid"/>
-            <a:miter lim="800000"/>
-          </a:ln>
-          <a:effectLst/>
-          <a:extLst>
-            <a:ext uri="{91240B29-F687-4F45-9708-019B960494DF}">
-              <a14:hiddenLine xmlns:a14="http://schemas.microsoft.com/office/drawing/2010/main" w="12700" cap="flat" cmpd="sng" algn="ctr">
-                <a:solidFill>
-                  <a:schemeClr val="accent1">
-                    <a:shade val="50000"/>
-                  </a:schemeClr>
-                </a:solidFill>
-                <a:prstDash val="solid"/>
-                <a:miter lim="800000"/>
-              </a14:hiddenLine>
-            </a:ext>
-          </a:extLst>
-        </p:spPr>
-        <p:style>
-          <a:lnRef idx="2">
-            <a:schemeClr val="accent1">
-              <a:shade val="50000"/>
-            </a:schemeClr>
-          </a:lnRef>
-          <a:fillRef idx="1">
-            <a:schemeClr val="accent1"/>
-          </a:fillRef>
-          <a:effectRef idx="0">
-            <a:schemeClr val="accent1"/>
-          </a:effectRef>
-          <a:fontRef idx="minor">
-            <a:schemeClr val="lt1"/>
-          </a:fontRef>
-        </p:style>
-        <p:txBody>
-          <a:bodyPr rtlCol="0" anchor="ctr"/>
-          <a:lstStyle/>
-          <a:p>
-            <a:pPr algn="ctr"/>
-            <a:r>
-              <a:rPr kumimoji="1" lang="en-US" altLang="ja-JP" dirty="0">
-                <a:solidFill>
-                  <a:srgbClr val="000000"/>
-                </a:solidFill>
-              </a:rPr>
-              <a:t>Search</a:t>
-            </a:r>
-            <a:endParaRPr kumimoji="1" lang="ja-JP" altLang="en-US" dirty="0">
-              <a:solidFill>
-                <a:srgbClr val="000000"/>
-              </a:solidFill>
-            </a:endParaRPr>
-          </a:p>
-        </p:txBody>
-      </p:sp>
-      <p:cxnSp>
-        <p:nvCxnSpPr>
-          <p:cNvPr id="27" name="コネクタ: カギ線 26">
-            <a:extLst>
-              <a:ext uri="{FF2B5EF4-FFF2-40B4-BE49-F238E27FC236}">
-                <a16:creationId xmlns:a16="http://schemas.microsoft.com/office/drawing/2014/main" id="{1B183D3A-3E5A-4133-A0C4-C73F7A9612AC}"/>
-              </a:ext>
-            </a:extLst>
-          </p:cNvPr>
-          <p:cNvCxnSpPr>
-            <a:cxnSpLocks/>
-            <a:stCxn id="24" idx="0"/>
-          </p:cNvCxnSpPr>
-          <p:nvPr/>
-        </p:nvCxnSpPr>
-        <p:spPr>
-          <a:xfrm rot="16200000" flipV="1">
-            <a:off x="7494663" y="648511"/>
-            <a:ext cx="994756" cy="5011277"/>
-          </a:xfrm>
-          <a:prstGeom prst="bentConnector2">
-            <a:avLst/>
-          </a:prstGeom>
-          <a:ln w="76200">
-            <a:solidFill>
-              <a:srgbClr val="00B050"/>
-            </a:solidFill>
-            <a:tailEnd type="triangle"/>
-          </a:ln>
-        </p:spPr>
-        <p:style>
-          <a:lnRef idx="1">
-            <a:schemeClr val="accent1"/>
-          </a:lnRef>
-          <a:fillRef idx="0">
-            <a:schemeClr val="accent1"/>
-          </a:fillRef>
-          <a:effectRef idx="0">
-            <a:schemeClr val="accent1"/>
-          </a:effectRef>
-          <a:fontRef idx="minor">
-            <a:schemeClr val="tx1"/>
-          </a:fontRef>
-        </p:style>
-      </p:cxnSp>
-      <p:sp>
-        <p:nvSpPr>
-          <p:cNvPr id="28" name="正方形/長方形 27">
-            <a:extLst>
-              <a:ext uri="{FF2B5EF4-FFF2-40B4-BE49-F238E27FC236}">
-                <a16:creationId xmlns:a16="http://schemas.microsoft.com/office/drawing/2014/main" id="{5501A0DA-7352-4369-AA9C-BEF147469412}"/>
-              </a:ext>
-            </a:extLst>
-          </p:cNvPr>
-          <p:cNvSpPr/>
-          <p:nvPr>
-            <p:custDataLst>
-              <p:tags r:id="rId15"/>
-            </p:custDataLst>
-          </p:nvPr>
-        </p:nvSpPr>
-        <p:spPr>
-          <a:xfrm>
-            <a:off x="9639649" y="3002312"/>
-            <a:ext cx="1506630" cy="306887"/>
-          </a:xfrm>
-          <a:prstGeom prst="rect">
-            <a:avLst/>
-          </a:prstGeom>
-          <a:solidFill>
-            <a:srgbClr val="BAD80A"/>
-          </a:solidFill>
-          <a:ln w="12700" cap="flat" cmpd="sng" algn="ctr">
-            <a:noFill/>
-            <a:prstDash val="solid"/>
-            <a:miter lim="800000"/>
-          </a:ln>
-          <a:effectLst/>
-          <a:extLst>
-            <a:ext uri="{91240B29-F687-4F45-9708-019B960494DF}">
-              <a14:hiddenLine xmlns:a14="http://schemas.microsoft.com/office/drawing/2010/main" w="12700" cap="flat" cmpd="sng" algn="ctr">
-                <a:solidFill>
-                  <a:schemeClr val="accent1">
-                    <a:shade val="50000"/>
-                  </a:schemeClr>
-                </a:solidFill>
-                <a:prstDash val="solid"/>
-                <a:miter lim="800000"/>
-              </a14:hiddenLine>
-            </a:ext>
-          </a:extLst>
-        </p:spPr>
-        <p:style>
-          <a:lnRef idx="2">
-            <a:schemeClr val="accent1">
-              <a:shade val="50000"/>
-            </a:schemeClr>
-          </a:lnRef>
-          <a:fillRef idx="1">
-            <a:schemeClr val="accent1"/>
-          </a:fillRef>
-          <a:effectRef idx="0">
-            <a:schemeClr val="accent1"/>
-          </a:effectRef>
-          <a:fontRef idx="minor">
-            <a:schemeClr val="lt1"/>
-          </a:fontRef>
-        </p:style>
-        <p:txBody>
-          <a:bodyPr rtlCol="0" anchor="ctr"/>
-          <a:lstStyle/>
-          <a:p>
-            <a:pPr algn="ctr"/>
-            <a:r>
-              <a:rPr kumimoji="1" lang="ja-JP" altLang="en-US" dirty="0">
-                <a:solidFill>
-                  <a:srgbClr val="000000"/>
-                </a:solidFill>
-              </a:rPr>
-              <a:t>クロール</a:t>
-            </a:r>
-          </a:p>
-        </p:txBody>
-      </p:sp>
-      <p:cxnSp>
-        <p:nvCxnSpPr>
-          <p:cNvPr id="31" name="コネクタ: カギ線 30">
-            <a:extLst>
-              <a:ext uri="{FF2B5EF4-FFF2-40B4-BE49-F238E27FC236}">
-                <a16:creationId xmlns:a16="http://schemas.microsoft.com/office/drawing/2014/main" id="{D8F5098C-7837-4FDF-B356-CBB8FC9A3FE9}"/>
-              </a:ext>
-            </a:extLst>
-          </p:cNvPr>
-          <p:cNvCxnSpPr>
-            <a:cxnSpLocks/>
-            <a:endCxn id="30" idx="2"/>
-          </p:cNvCxnSpPr>
-          <p:nvPr/>
-        </p:nvCxnSpPr>
-        <p:spPr>
-          <a:xfrm flipV="1">
-            <a:off x="1489990" y="4983935"/>
-            <a:ext cx="5828834" cy="603580"/>
-          </a:xfrm>
-          <a:prstGeom prst="bentConnector2">
-            <a:avLst/>
-          </a:prstGeom>
-          <a:ln w="76200">
-            <a:solidFill>
-              <a:srgbClr val="00B050"/>
-            </a:solidFill>
-            <a:tailEnd type="triangle"/>
-          </a:ln>
-        </p:spPr>
-        <p:style>
-          <a:lnRef idx="1">
-            <a:schemeClr val="accent1"/>
-          </a:lnRef>
-          <a:fillRef idx="0">
-            <a:schemeClr val="accent1"/>
-          </a:fillRef>
-          <a:effectRef idx="0">
-            <a:schemeClr val="accent1"/>
-          </a:effectRef>
-          <a:fontRef idx="minor">
-            <a:schemeClr val="tx1"/>
-          </a:fontRef>
-        </p:style>
-      </p:cxnSp>
-      <p:sp>
-        <p:nvSpPr>
-          <p:cNvPr id="32" name="正方形/長方形 31">
-            <a:extLst>
-              <a:ext uri="{FF2B5EF4-FFF2-40B4-BE49-F238E27FC236}">
-                <a16:creationId xmlns:a16="http://schemas.microsoft.com/office/drawing/2014/main" id="{1663D13D-35D1-4E22-8534-52CAA1615B88}"/>
-              </a:ext>
-            </a:extLst>
-          </p:cNvPr>
-          <p:cNvSpPr/>
-          <p:nvPr>
-            <p:custDataLst>
-              <p:tags r:id="rId16"/>
-            </p:custDataLst>
-          </p:nvPr>
-        </p:nvSpPr>
-        <p:spPr>
-          <a:xfrm>
-            <a:off x="6305041" y="3687071"/>
-            <a:ext cx="2004633" cy="1344176"/>
-          </a:xfrm>
-          <a:prstGeom prst="rect">
-            <a:avLst/>
-          </a:prstGeom>
-          <a:solidFill>
-            <a:srgbClr val="68217A"/>
-          </a:solidFill>
-          <a:ln w="12700" cap="flat" cmpd="sng" algn="ctr">
-            <a:noFill/>
-            <a:prstDash val="solid"/>
-            <a:miter lim="800000"/>
-          </a:ln>
-          <a:effectLst/>
-          <a:extLst>
-            <a:ext uri="{91240B29-F687-4F45-9708-019B960494DF}">
-              <a14:hiddenLine xmlns:a14="http://schemas.microsoft.com/office/drawing/2010/main" w="12700" cap="flat" cmpd="sng" algn="ctr">
-                <a:solidFill>
-                  <a:schemeClr val="accent1">
-                    <a:shade val="50000"/>
-                  </a:schemeClr>
-                </a:solidFill>
-                <a:prstDash val="solid"/>
-                <a:miter lim="800000"/>
-              </a14:hiddenLine>
-            </a:ext>
-          </a:extLst>
-        </p:spPr>
-        <p:style>
-          <a:lnRef idx="2">
-            <a:schemeClr val="accent1">
-              <a:shade val="50000"/>
-            </a:schemeClr>
-          </a:lnRef>
-          <a:fillRef idx="1">
-            <a:schemeClr val="accent1"/>
-          </a:fillRef>
-          <a:effectRef idx="0">
-            <a:schemeClr val="accent1"/>
-          </a:effectRef>
-          <a:fontRef idx="minor">
-            <a:schemeClr val="lt1"/>
-          </a:fontRef>
-        </p:style>
-        <p:txBody>
-          <a:bodyPr rtlCol="0" anchor="t"/>
-          <a:lstStyle/>
-          <a:p>
-            <a:pPr algn="ctr"/>
-            <a:r>
-              <a:rPr lang="en-US" altLang="ja-JP" dirty="0">
-                <a:solidFill>
-                  <a:srgbClr val="FFFFFF"/>
-                </a:solidFill>
-              </a:rPr>
-              <a:t>Cognitive</a:t>
-            </a:r>
-            <a:endParaRPr kumimoji="1" lang="ja-JP" altLang="en-US" dirty="0">
-              <a:solidFill>
-                <a:srgbClr val="FFFFFF"/>
-              </a:solidFill>
-            </a:endParaRPr>
-          </a:p>
-        </p:txBody>
-      </p:sp>
-      <p:pic>
-        <p:nvPicPr>
-          <p:cNvPr id="29" name="図 28">
-            <a:extLst>
-              <a:ext uri="{FF2B5EF4-FFF2-40B4-BE49-F238E27FC236}">
-                <a16:creationId xmlns:a16="http://schemas.microsoft.com/office/drawing/2014/main" id="{1A14D89D-434B-487D-8BF5-6DA8765921AE}"/>
-              </a:ext>
-            </a:extLst>
-          </p:cNvPr>
-          <p:cNvPicPr>
-            <a:picLocks noChangeAspect="1"/>
-          </p:cNvPicPr>
-          <p:nvPr/>
-        </p:nvPicPr>
-        <p:blipFill>
-          <a:blip r:embed="rId26">
-            <a:biLevel thresh="25000"/>
-            <a:extLst>
-              <a:ext uri="{28A0092B-C50C-407E-A947-70E740481C1C}">
-                <a14:useLocalDpi xmlns:a14="http://schemas.microsoft.com/office/drawing/2010/main" val="0"/>
-              </a:ext>
-            </a:extLst>
-          </a:blip>
-          <a:stretch>
-            <a:fillRect/>
-          </a:stretch>
-        </p:blipFill>
-        <p:spPr>
-          <a:xfrm>
-            <a:off x="6916555" y="3970567"/>
-            <a:ext cx="780290" cy="780290"/>
-          </a:xfrm>
-          <a:prstGeom prst="rect">
-            <a:avLst/>
-          </a:prstGeom>
-        </p:spPr>
-      </p:pic>
-      <p:sp>
-        <p:nvSpPr>
-          <p:cNvPr id="30" name="正方形/長方形 29">
-            <a:extLst>
-              <a:ext uri="{FF2B5EF4-FFF2-40B4-BE49-F238E27FC236}">
-                <a16:creationId xmlns:a16="http://schemas.microsoft.com/office/drawing/2014/main" id="{931C3051-2F34-477F-A79F-D2923A16EDA4}"/>
-              </a:ext>
-            </a:extLst>
-          </p:cNvPr>
-          <p:cNvSpPr/>
-          <p:nvPr>
-            <p:custDataLst>
-              <p:tags r:id="rId17"/>
-            </p:custDataLst>
-          </p:nvPr>
-        </p:nvSpPr>
-        <p:spPr>
-          <a:xfrm>
-            <a:off x="6485967" y="4677048"/>
-            <a:ext cx="1665714" cy="306887"/>
-          </a:xfrm>
-          <a:prstGeom prst="rect">
-            <a:avLst/>
-          </a:prstGeom>
-          <a:solidFill>
-            <a:srgbClr val="FF8C00"/>
-          </a:solidFill>
-          <a:ln w="12700" cap="flat" cmpd="sng" algn="ctr">
-            <a:noFill/>
-            <a:prstDash val="solid"/>
-            <a:miter lim="800000"/>
-          </a:ln>
-          <a:effectLst/>
-          <a:extLst>
-            <a:ext uri="{91240B29-F687-4F45-9708-019B960494DF}">
-              <a14:hiddenLine xmlns:a14="http://schemas.microsoft.com/office/drawing/2010/main" w="12700" cap="flat" cmpd="sng" algn="ctr">
-                <a:solidFill>
-                  <a:schemeClr val="accent1">
-                    <a:shade val="50000"/>
-                  </a:schemeClr>
-                </a:solidFill>
-                <a:prstDash val="solid"/>
-                <a:miter lim="800000"/>
-              </a14:hiddenLine>
-            </a:ext>
-          </a:extLst>
-        </p:spPr>
-        <p:style>
-          <a:lnRef idx="2">
-            <a:schemeClr val="accent1">
-              <a:shade val="50000"/>
-            </a:schemeClr>
-          </a:lnRef>
-          <a:fillRef idx="1">
-            <a:schemeClr val="accent1"/>
-          </a:fillRef>
-          <a:effectRef idx="0">
-            <a:schemeClr val="accent1"/>
-          </a:effectRef>
-          <a:fontRef idx="minor">
-            <a:schemeClr val="lt1"/>
-          </a:fontRef>
-        </p:style>
-        <p:txBody>
-          <a:bodyPr rtlCol="0" anchor="ctr"/>
-          <a:lstStyle/>
-          <a:p>
-            <a:pPr algn="ctr"/>
-            <a:r>
-              <a:rPr kumimoji="1" lang="en-US" altLang="ja-JP" dirty="0">
-                <a:solidFill>
-                  <a:srgbClr val="000000"/>
-                </a:solidFill>
-              </a:rPr>
-              <a:t>Translator</a:t>
-            </a:r>
-            <a:endParaRPr kumimoji="1" lang="ja-JP" altLang="en-US" dirty="0">
-              <a:solidFill>
-                <a:srgbClr val="000000"/>
-              </a:solidFill>
-            </a:endParaRPr>
-          </a:p>
-        </p:txBody>
-      </p:sp>
       <p:sp>
         <p:nvSpPr>
           <p:cNvPr id="41" name="正方形/長方形 40">
@@ -8185,14 +8473,14 @@
             <p:ph idx="1"/>
             <p:extLst>
               <p:ext uri="{D42A27DB-BD31-4B8C-83A1-F6EECF244321}">
-                <p14:modId xmlns:p14="http://schemas.microsoft.com/office/powerpoint/2010/main" val="3581127594"/>
+                <p14:modId xmlns:p14="http://schemas.microsoft.com/office/powerpoint/2010/main" val="2486235958"/>
               </p:ext>
             </p:extLst>
           </p:nvPr>
         </p:nvGraphicFramePr>
         <p:xfrm>
           <a:off x="838200" y="1825625"/>
-          <a:ext cx="10516194" cy="3505200"/>
+          <a:ext cx="10516194" cy="3774440"/>
         </p:xfrm>
         <a:graphic>
           <a:graphicData uri="http://schemas.openxmlformats.org/drawingml/2006/table">
@@ -8534,7 +8822,33 @@
                     <a:bodyPr/>
                     <a:lstStyle/>
                     <a:p>
-                      <a:endParaRPr kumimoji="1" lang="ja-JP" altLang="en-US" dirty="0"/>
+                      <a:pPr marL="285750" indent="-285750">
+                        <a:buFontTx/>
+                        <a:buChar char="-"/>
+                      </a:pPr>
+                      <a:r>
+                        <a:rPr kumimoji="1" lang="en-US" altLang="ja-JP" dirty="0"/>
+                        <a:t>Table </a:t>
+                      </a:r>
+                      <a:r>
+                        <a:rPr kumimoji="1" lang="ja-JP" altLang="en-US" dirty="0"/>
+                        <a:t>作成</a:t>
+                      </a:r>
+                      <a:endParaRPr kumimoji="1" lang="en-US" altLang="ja-JP" dirty="0"/>
+                    </a:p>
+                    <a:p>
+                      <a:pPr marL="285750" indent="-285750">
+                        <a:buFontTx/>
+                        <a:buChar char="-"/>
+                      </a:pPr>
+                      <a:r>
+                        <a:rPr kumimoji="1" lang="en-US" altLang="ja-JP" dirty="0"/>
+                        <a:t>Client Firewall </a:t>
+                      </a:r>
+                      <a:r>
+                        <a:rPr kumimoji="1" lang="ja-JP" altLang="en-US" dirty="0"/>
+                        <a:t>を空ける</a:t>
+                      </a:r>
                     </a:p>
                   </a:txBody>
                   <a:tcPr marL="108218" marR="108218"/>
@@ -8753,7 +9067,7 @@
                       </a:r>
                       <a:r>
                         <a:rPr kumimoji="1" lang="en-US" altLang="ja-JP" dirty="0" err="1"/>
-                        <a:t>app.config</a:t>
+                        <a:t>App.config</a:t>
                       </a:r>
                       <a:r>
                         <a:rPr kumimoji="1" lang="en-US" altLang="ja-JP" dirty="0"/>
